--- a/fall11/slidesF11/slides4m.pptx
+++ b/fall11/slidesF11/slides4m.pptx
@@ -8067,39 +8067,6 @@
           </a:p>
         </p:txBody>
       </p:sp>
-      <p:pic>
-        <p:nvPicPr>
-          <p:cNvPr id="3" name="Sound 2">
-            <a:hlinkClick r:id="" action="ppaction://media"/>
-          </p:cNvPr>
-          <p:cNvPicPr>
-            <a:picLocks noChangeAspect="1"/>
-          </p:cNvPicPr>
-          <p:nvPr>
-            <a:audioFile r:link="rId2"/>
-            <p:extLst>
-              <p:ext uri="{DAA4B4D4-6D71-4841-9C94-3DE7FCFB9230}">
-                <p14:media xmlns:p14="http://schemas.microsoft.com/office/powerpoint/2010/main" r:embed="rId1"/>
-              </p:ext>
-            </p:extLst>
-          </p:nvPr>
-        </p:nvPicPr>
-        <p:blipFill>
-          <a:blip r:embed="rId5"/>
-          <a:stretch>
-            <a:fillRect/>
-          </a:stretch>
-        </p:blipFill>
-        <p:spPr>
-          <a:xfrm>
-            <a:off x="8178800" y="5892800"/>
-            <a:ext cx="812800" cy="812800"/>
-          </a:xfrm>
-          <a:prstGeom prst="rect">
-            <a:avLst/>
-          </a:prstGeom>
-        </p:spPr>
-      </p:pic>
     </p:spTree>
   </p:cSld>
   <p:clrMapOvr>
@@ -8116,87 +8083,7 @@
   <p:timing>
     <p:tnLst>
       <p:par>
-        <p:cTn xmlns:p14="http://schemas.microsoft.com/office/powerpoint/2010/main" id="1" dur="indefinite" restart="never" nodeType="tmRoot">
-          <p:childTnLst>
-            <p:seq concurrent="1" nextAc="seek">
-              <p:cTn id="2" dur="indefinite" nodeType="mainSeq">
-                <p:childTnLst>
-                  <p:par>
-                    <p:cTn id="3" fill="hold">
-                      <p:stCondLst>
-                        <p:cond delay="indefinite"/>
-                        <p:cond evt="onBegin" delay="0">
-                          <p:tn val="2"/>
-                        </p:cond>
-                      </p:stCondLst>
-                      <p:childTnLst>
-                        <p:par>
-                          <p:cTn id="4" fill="hold">
-                            <p:stCondLst>
-                              <p:cond delay="0"/>
-                            </p:stCondLst>
-                            <p:childTnLst>
-                              <p:par>
-                                <p:cTn id="5" presetID="1" presetClass="mediacall" presetSubtype="0" fill="hold" nodeType="afterEffect">
-                                  <p:stCondLst>
-                                    <p:cond delay="0"/>
-                                  </p:stCondLst>
-                                  <p:childTnLst>
-                                    <p:cmd type="call" cmd="playFrom(0.0)">
-                                      <p:cBhvr>
-                                        <p:cTn id="6" dur="1" fill="hold"/>
-                                        <p:tgtEl>
-                                          <p:spTgt spid="3"/>
-                                        </p:tgtEl>
-                                      </p:cBhvr>
-                                    </p:cmd>
-                                  </p:childTnLst>
-                                </p:cTn>
-                              </p:par>
-                            </p:childTnLst>
-                          </p:cTn>
-                        </p:par>
-                      </p:childTnLst>
-                    </p:cTn>
-                  </p:par>
-                </p:childTnLst>
-              </p:cTn>
-              <p:prevCondLst>
-                <p:cond evt="onPrev" delay="0">
-                  <p:tgtEl>
-                    <p:sldTgt/>
-                  </p:tgtEl>
-                </p:cond>
-              </p:prevCondLst>
-              <p:nextCondLst>
-                <p:cond evt="onNext" delay="0">
-                  <p:tgtEl>
-                    <p:sldTgt/>
-                  </p:tgtEl>
-                </p:cond>
-              </p:nextCondLst>
-            </p:seq>
-            <p:audio isNarration="1">
-              <p:cMediaNode vol="80000" showWhenStopped="0">
-                <p:cTn id="7" fill="hold" display="0">
-                  <p:stCondLst>
-                    <p:cond delay="indefinite"/>
-                  </p:stCondLst>
-                  <p:endCondLst>
-                    <p:cond evt="onStopAudio" delay="0">
-                      <p:tgtEl>
-                        <p:sldTgt/>
-                      </p:tgtEl>
-                    </p:cond>
-                  </p:endCondLst>
-                </p:cTn>
-                <p:tgtEl>
-                  <p:spTgt spid="3"/>
-                </p:tgtEl>
-              </p:cMediaNode>
-            </p:audio>
-          </p:childTnLst>
-        </p:cTn>
+        <p:cTn xmlns:p14="http://schemas.microsoft.com/office/powerpoint/2010/main" id="1" dur="indefinite" restart="never" nodeType="tmRoot"/>
       </p:par>
     </p:tnLst>
   </p:timing>
@@ -8439,30 +8326,21 @@
                             </p:childTnLst>
                           </p:cTn>
                         </p:par>
-                      </p:childTnLst>
-                    </p:cTn>
-                  </p:par>
-                  <p:par>
-                    <p:cTn id="8" fill="hold">
-                      <p:stCondLst>
-                        <p:cond delay="indefinite"/>
-                      </p:stCondLst>
-                      <p:childTnLst>
                         <p:par>
-                          <p:cTn id="9" fill="hold">
+                          <p:cTn id="8" fill="hold">
                             <p:stCondLst>
-                              <p:cond delay="0"/>
+                              <p:cond delay="500"/>
                             </p:stCondLst>
                             <p:childTnLst>
                               <p:par>
-                                <p:cTn id="10" presetID="9" presetClass="entr" presetSubtype="0" fill="hold" grpId="0" nodeType="clickEffect">
+                                <p:cTn id="9" presetID="9" presetClass="entr" presetSubtype="0" fill="hold" grpId="0" nodeType="afterEffect">
                                   <p:stCondLst>
                                     <p:cond delay="0"/>
                                   </p:stCondLst>
                                   <p:childTnLst>
                                     <p:set>
                                       <p:cBhvr>
-                                        <p:cTn id="11" dur="1" fill="hold">
+                                        <p:cTn id="10" dur="1" fill="hold">
                                           <p:stCondLst>
                                             <p:cond delay="0"/>
                                           </p:stCondLst>
@@ -8484,7 +8362,7 @@
                                     </p:set>
                                     <p:animEffect transition="in" filter="dissolve">
                                       <p:cBhvr>
-                                        <p:cTn id="12" dur="500"/>
+                                        <p:cTn id="11" dur="500"/>
                                         <p:tgtEl>
                                           <p:spTgt spid="3">
                                             <p:txEl>
@@ -8500,30 +8378,21 @@
                             </p:childTnLst>
                           </p:cTn>
                         </p:par>
-                      </p:childTnLst>
-                    </p:cTn>
-                  </p:par>
-                  <p:par>
-                    <p:cTn id="13" fill="hold">
-                      <p:stCondLst>
-                        <p:cond delay="indefinite"/>
-                      </p:stCondLst>
-                      <p:childTnLst>
                         <p:par>
-                          <p:cTn id="14" fill="hold">
+                          <p:cTn id="12" fill="hold">
                             <p:stCondLst>
-                              <p:cond delay="0"/>
+                              <p:cond delay="1000"/>
                             </p:stCondLst>
                             <p:childTnLst>
                               <p:par>
-                                <p:cTn id="15" presetID="9" presetClass="entr" presetSubtype="0" fill="hold" grpId="0" nodeType="clickEffect">
+                                <p:cTn id="13" presetID="9" presetClass="entr" presetSubtype="0" fill="hold" grpId="0" nodeType="afterEffect">
                                   <p:stCondLst>
                                     <p:cond delay="0"/>
                                   </p:stCondLst>
                                   <p:childTnLst>
                                     <p:set>
                                       <p:cBhvr>
-                                        <p:cTn id="16" dur="1" fill="hold">
+                                        <p:cTn id="14" dur="1" fill="hold">
                                           <p:stCondLst>
                                             <p:cond delay="0"/>
                                           </p:stCondLst>
@@ -8545,7 +8414,7 @@
                                     </p:set>
                                     <p:animEffect transition="in" filter="dissolve">
                                       <p:cBhvr>
-                                        <p:cTn id="17" dur="500"/>
+                                        <p:cTn id="15" dur="500"/>
                                         <p:tgtEl>
                                           <p:spTgt spid="3">
                                             <p:txEl>
@@ -10653,9 +10522,6 @@
                     <p:cTn id="3" fill="hold">
                       <p:stCondLst>
                         <p:cond delay="indefinite"/>
-                        <p:cond evt="onBegin" delay="0">
-                          <p:tn val="2"/>
-                        </p:cond>
                       </p:stCondLst>
                       <p:childTnLst>
                         <p:par>
@@ -10665,7 +10531,7 @@
                             </p:stCondLst>
                             <p:childTnLst>
                               <p:par>
-                                <p:cTn id="5" presetID="2" presetClass="entr" presetSubtype="9" fill="hold" grpId="0" nodeType="withEffect">
+                                <p:cTn id="5" presetID="2" presetClass="entr" presetSubtype="9" fill="hold" grpId="0" nodeType="clickEffect">
                                   <p:stCondLst>
                                     <p:cond delay="0"/>
                                   </p:stCondLst>
@@ -10810,7 +10676,7 @@
           <a:graphicData uri="http://schemas.openxmlformats.org/presentationml/2006/ole">
             <mc:AlternateContent xmlns:mc="http://schemas.openxmlformats.org/markup-compatibility/2006">
               <mc:Choice xmlns:v="urn:schemas-microsoft-com:vml" Requires="v">
-                <p:oleObj spid="_x0000_s55386" name="Equation" r:id="rId5" imgW="838200" imgH="482600" progId="Equation.DSMT4">
+                <p:oleObj spid="_x0000_s55397" name="Equation" r:id="rId5" imgW="838200" imgH="482600" progId="Equation.DSMT4">
                   <p:embed/>
                 </p:oleObj>
               </mc:Choice>
@@ -10886,7 +10752,7 @@
           <a:graphicData uri="http://schemas.openxmlformats.org/presentationml/2006/ole">
             <mc:AlternateContent xmlns:mc="http://schemas.openxmlformats.org/markup-compatibility/2006">
               <mc:Choice xmlns:v="urn:schemas-microsoft-com:vml" Requires="v">
-                <p:oleObj spid="_x0000_s55387" name="Equation" r:id="rId7" imgW="939800" imgH="495300" progId="Equation.DSMT4">
+                <p:oleObj spid="_x0000_s55398" name="Equation" r:id="rId7" imgW="939800" imgH="495300" progId="Equation.DSMT4">
                   <p:embed/>
                 </p:oleObj>
               </mc:Choice>
@@ -11375,7 +11241,7 @@
           <a:graphicData uri="http://schemas.openxmlformats.org/presentationml/2006/ole">
             <mc:AlternateContent xmlns:mc="http://schemas.openxmlformats.org/markup-compatibility/2006">
               <mc:Choice xmlns:v="urn:schemas-microsoft-com:vml" Requires="v">
-                <p:oleObj spid="_x0000_s55388" name="Equation" r:id="rId9" imgW="723900" imgH="228600" progId="Equation.DSMT4">
+                <p:oleObj spid="_x0000_s55399" name="Equation" r:id="rId9" imgW="723900" imgH="228600" progId="Equation.DSMT4">
                   <p:embed/>
                 </p:oleObj>
               </mc:Choice>
@@ -11982,11 +11848,7 @@
           <a:p>
             <a:r>
               <a:rPr lang="en-US" dirty="0" smtClean="0"/>
-              <a:t>Computable </a:t>
-            </a:r>
-            <a:r>
-              <a:rPr lang="en-US" dirty="0" smtClean="0"/>
-              <a:t>strings in </a:t>
+              <a:t>Computable strings in </a:t>
             </a:r>
             <a:r>
               <a:rPr lang="en-US" dirty="0" smtClean="0">
@@ -12582,7 +12444,6 @@
               <a:rPr lang="en-US" sz="4400" dirty="0" smtClean="0"/>
               <a:t> many finite </a:t>
             </a:r>
-            <a:endParaRPr lang="en-US" sz="4400" dirty="0" smtClean="0"/>
           </a:p>
           <a:p>
             <a:r>
@@ -13215,7 +13076,7 @@
         </p:nvSpPr>
         <p:spPr>
           <a:xfrm>
-            <a:off x="1400480" y="363537"/>
+            <a:off x="1302152" y="363537"/>
             <a:ext cx="7637004" cy="1078527"/>
           </a:xfrm>
         </p:spPr>
@@ -13246,7 +13107,35 @@
             </a:r>
             <a:r>
               <a:rPr lang="en-US" dirty="0" smtClean="0"/>
-              <a:t> strings</a:t>
+              <a:t> </a:t>
+            </a:r>
+            <a:r>
+              <a:rPr lang="en-US" dirty="0" smtClean="0"/>
+              <a:t>strings </a:t>
+            </a:r>
+            <a:r>
+              <a:rPr lang="en-US" dirty="0">
+                <a:latin typeface="Comic Sans MS"/>
+              </a:rPr>
+              <a:t>in </a:t>
+            </a:r>
+            <a:r>
+              <a:rPr lang="en-US" dirty="0">
+                <a:solidFill>
+                  <a:srgbClr val="0000FF"/>
+                </a:solidFill>
+                <a:latin typeface="Comic Sans MS"/>
+              </a:rPr>
+              <a:t>{0,1}</a:t>
+            </a:r>
+            <a:r>
+              <a:rPr lang="en-US" baseline="30000" dirty="0" err="1">
+                <a:solidFill>
+                  <a:srgbClr val="0000FF"/>
+                </a:solidFill>
+                <a:latin typeface="Comic Sans MS"/>
+              </a:rPr>
+              <a:t>ω</a:t>
             </a:r>
             <a:endParaRPr lang="en-US" dirty="0"/>
           </a:p>
@@ -13322,17 +13211,7 @@
                 <a:latin typeface="Comic Sans MS"/>
                 <a:cs typeface="Comic Sans MS"/>
               </a:rPr>
-              <a:t>uncountable, so there </a:t>
-            </a:r>
-            <a:r>
-              <a:rPr lang="en-US" sz="4400" dirty="0" smtClean="0">
-                <a:solidFill>
-                  <a:schemeClr val="tx2"/>
-                </a:solidFill>
-                <a:latin typeface="Comic Sans MS"/>
-                <a:cs typeface="Comic Sans MS"/>
-              </a:rPr>
-              <a:t>must be </a:t>
+              <a:t>uncountable, so there must be </a:t>
             </a:r>
             <a:r>
               <a:rPr lang="en-US" sz="4400" dirty="0" err="1" smtClean="0">
@@ -13752,11 +13631,11 @@
   <p:clrMapOvr>
     <a:masterClrMapping/>
   </p:clrMapOvr>
-  <mc:AlternateContent xmlns:mc="http://schemas.openxmlformats.org/markup-compatibility/2006">
-    <mc:Choice xmlns:p14="http://schemas.microsoft.com/office/powerpoint/2010/main" Requires="p14">
+  <mc:AlternateContent xmlns:mc="http://schemas.openxmlformats.org/markup-compatibility/2006" xmlns:p14="http://schemas.microsoft.com/office/powerpoint/2010/main">
+    <mc:Choice Requires="p14">
       <p:transition spd="slow" p14:dur="2000"/>
     </mc:Choice>
-    <mc:Fallback>
+    <mc:Fallback xmlns="">
       <p:transition xmlns:p14="http://schemas.microsoft.com/office/powerpoint/2010/main" spd="slow"/>
     </mc:Fallback>
   </mc:AlternateContent>
@@ -13837,7 +13716,7 @@
           <a:graphicData uri="http://schemas.openxmlformats.org/presentationml/2006/ole">
             <mc:AlternateContent xmlns:mc="http://schemas.openxmlformats.org/markup-compatibility/2006">
               <mc:Choice xmlns:v="urn:schemas-microsoft-com:vml" Requires="v">
-                <p:oleObj spid="_x0000_s1049" name="Equation" r:id="rId3" imgW="2133600" imgH="215900" progId="Equation.DSMT4">
+                <p:oleObj spid="_x0000_s1057" name="Equation" r:id="rId3" imgW="2133600" imgH="215900" progId="Equation.DSMT4">
                   <p:embed/>
                 </p:oleObj>
               </mc:Choice>
@@ -13962,7 +13841,7 @@
           <a:graphicData uri="http://schemas.openxmlformats.org/presentationml/2006/ole">
             <mc:AlternateContent xmlns:mc="http://schemas.openxmlformats.org/markup-compatibility/2006">
               <mc:Choice xmlns:v="urn:schemas-microsoft-com:vml" Requires="v">
-                <p:oleObj spid="_x0000_s1050" name="Equation" r:id="rId5" imgW="1549400" imgH="215900" progId="Equation.DSMT4">
+                <p:oleObj spid="_x0000_s1058" name="Equation" r:id="rId5" imgW="1549400" imgH="215900" progId="Equation.DSMT4">
                   <p:embed/>
                 </p:oleObj>
               </mc:Choice>
@@ -14387,7 +14266,7 @@
           <a:graphicData uri="http://schemas.openxmlformats.org/presentationml/2006/ole">
             <mc:AlternateContent xmlns:mc="http://schemas.openxmlformats.org/markup-compatibility/2006">
               <mc:Choice xmlns:v="urn:schemas-microsoft-com:vml" Requires="v">
-                <p:oleObj spid="_x0000_s56365" name="Equation" r:id="rId4" imgW="698500" imgH="381000" progId="Equation.DSMT4">
+                <p:oleObj spid="_x0000_s56379" name="Equation" r:id="rId4" imgW="698500" imgH="381000" progId="Equation.DSMT4">
                   <p:embed/>
                 </p:oleObj>
               </mc:Choice>
@@ -14527,7 +14406,7 @@
           <a:graphicData uri="http://schemas.openxmlformats.org/presentationml/2006/ole">
             <mc:AlternateContent xmlns:mc="http://schemas.openxmlformats.org/markup-compatibility/2006">
               <mc:Choice xmlns:v="urn:schemas-microsoft-com:vml" Requires="v">
-                <p:oleObj spid="_x0000_s56366" name="Equation" r:id="rId6" imgW="977900" imgH="330200" progId="Equation.DSMT4">
+                <p:oleObj spid="_x0000_s56380" name="Equation" r:id="rId6" imgW="977900" imgH="330200" progId="Equation.DSMT4">
                   <p:embed/>
                 </p:oleObj>
               </mc:Choice>
@@ -14597,7 +14476,7 @@
           <a:graphicData uri="http://schemas.openxmlformats.org/presentationml/2006/ole">
             <mc:AlternateContent xmlns:mc="http://schemas.openxmlformats.org/markup-compatibility/2006">
               <mc:Choice xmlns:v="urn:schemas-microsoft-com:vml" Requires="v">
-                <p:oleObj spid="_x0000_s56367" name="Equation" r:id="rId8" imgW="965200" imgH="330200" progId="Equation.DSMT4">
+                <p:oleObj spid="_x0000_s56381" name="Equation" r:id="rId8" imgW="965200" imgH="330200" progId="Equation.DSMT4">
                   <p:embed/>
                 </p:oleObj>
               </mc:Choice>
@@ -14667,7 +14546,7 @@
           <a:graphicData uri="http://schemas.openxmlformats.org/presentationml/2006/ole">
             <mc:AlternateContent xmlns:mc="http://schemas.openxmlformats.org/markup-compatibility/2006">
               <mc:Choice xmlns:v="urn:schemas-microsoft-com:vml" Requires="v">
-                <p:oleObj spid="_x0000_s56368" name="Equation" r:id="rId10" imgW="647700" imgH="381000" progId="Equation.DSMT4">
+                <p:oleObj spid="_x0000_s56382" name="Equation" r:id="rId10" imgW="647700" imgH="381000" progId="Equation.DSMT4">
                   <p:embed/>
                 </p:oleObj>
               </mc:Choice>
@@ -15595,7 +15474,7 @@
           <a:graphicData uri="http://schemas.openxmlformats.org/presentationml/2006/ole">
             <mc:AlternateContent xmlns:mc="http://schemas.openxmlformats.org/markup-compatibility/2006">
               <mc:Choice xmlns:v="urn:schemas-microsoft-com:vml" Requires="v">
-                <p:oleObj spid="_x0000_s57369" name="Equation" r:id="rId4" imgW="1524000" imgH="406400" progId="Equation.DSMT4">
+                <p:oleObj spid="_x0000_s57377" name="Equation" r:id="rId4" imgW="1524000" imgH="406400" progId="Equation.DSMT4">
                   <p:embed/>
                 </p:oleObj>
               </mc:Choice>
@@ -15659,7 +15538,7 @@
           <a:graphicData uri="http://schemas.openxmlformats.org/presentationml/2006/ole">
             <mc:AlternateContent xmlns:mc="http://schemas.openxmlformats.org/markup-compatibility/2006">
               <mc:Choice xmlns:v="urn:schemas-microsoft-com:vml" Requires="v">
-                <p:oleObj spid="_x0000_s57370" name="Equation" r:id="rId6" imgW="1384200" imgH="266400" progId="Equation.DSMT4">
+                <p:oleObj spid="_x0000_s57378" name="Equation" r:id="rId6" imgW="1384200" imgH="266400" progId="Equation.DSMT4">
                   <p:embed/>
                 </p:oleObj>
               </mc:Choice>
@@ -15957,7 +15836,7 @@
           <a:graphicData uri="http://schemas.openxmlformats.org/presentationml/2006/ole">
             <mc:AlternateContent xmlns:mc="http://schemas.openxmlformats.org/markup-compatibility/2006">
               <mc:Choice xmlns:v="urn:schemas-microsoft-com:vml" Requires="v">
-                <p:oleObj spid="_x0000_s58403" name="Equation" r:id="rId4" imgW="1841400" imgH="279360" progId="Equation.DSMT4">
+                <p:oleObj spid="_x0000_s58414" name="Equation" r:id="rId4" imgW="1841400" imgH="279360" progId="Equation.DSMT4">
                   <p:embed/>
                 </p:oleObj>
               </mc:Choice>
@@ -16027,7 +15906,7 @@
           <a:graphicData uri="http://schemas.openxmlformats.org/presentationml/2006/ole">
             <mc:AlternateContent xmlns:mc="http://schemas.openxmlformats.org/markup-compatibility/2006">
               <mc:Choice xmlns:v="urn:schemas-microsoft-com:vml" Requires="v">
-                <p:oleObj spid="_x0000_s58404" name="Equation" r:id="rId6" imgW="1600200" imgH="279360" progId="Equation.DSMT4">
+                <p:oleObj spid="_x0000_s58415" name="Equation" r:id="rId6" imgW="1600200" imgH="279360" progId="Equation.DSMT4">
                   <p:embed/>
                 </p:oleObj>
               </mc:Choice>
@@ -16097,7 +15976,7 @@
           <a:graphicData uri="http://schemas.openxmlformats.org/presentationml/2006/ole">
             <mc:AlternateContent xmlns:mc="http://schemas.openxmlformats.org/markup-compatibility/2006">
               <mc:Choice xmlns:v="urn:schemas-microsoft-com:vml" Requires="v">
-                <p:oleObj spid="_x0000_s58405" name="Equation" r:id="rId8" imgW="1574640" imgH="279360" progId="Equation.DSMT4">
+                <p:oleObj spid="_x0000_s58416" name="Equation" r:id="rId8" imgW="1574640" imgH="279360" progId="Equation.DSMT4">
                   <p:embed/>
                 </p:oleObj>
               </mc:Choice>
@@ -16849,7 +16728,7 @@
           <a:graphicData uri="http://schemas.openxmlformats.org/presentationml/2006/ole">
             <mc:AlternateContent xmlns:mc="http://schemas.openxmlformats.org/markup-compatibility/2006">
               <mc:Choice xmlns:v="urn:schemas-microsoft-com:vml" Requires="v">
-                <p:oleObj spid="_x0000_s59407" name="Equation" r:id="rId4" imgW="1790640" imgH="279360" progId="Equation.DSMT4">
+                <p:oleObj spid="_x0000_s59412" name="Equation" r:id="rId4" imgW="1790640" imgH="279360" progId="Equation.DSMT4">
                   <p:embed/>
                 </p:oleObj>
               </mc:Choice>
@@ -18969,7 +18848,7 @@
           <a:graphicData uri="http://schemas.openxmlformats.org/presentationml/2006/ole">
             <mc:AlternateContent xmlns:mc="http://schemas.openxmlformats.org/markup-compatibility/2006">
               <mc:Choice xmlns:v="urn:schemas-microsoft-com:vml" Requires="v">
-                <p:oleObj spid="_x0000_s70683" name="Equation" r:id="rId4" imgW="457200" imgH="393700" progId="Equation.DSMT4">
+                <p:oleObj spid="_x0000_s70691" name="Equation" r:id="rId4" imgW="457200" imgH="393700" progId="Equation.DSMT4">
                   <p:embed/>
                 </p:oleObj>
               </mc:Choice>
@@ -19040,7 +18919,7 @@
             <a:graphicData uri="http://schemas.openxmlformats.org/presentationml/2006/ole">
               <mc:AlternateContent xmlns:mc="http://schemas.openxmlformats.org/markup-compatibility/2006">
                 <mc:Choice xmlns:v="urn:schemas-microsoft-com:vml" Requires="v">
-                  <p:oleObj spid="_x0000_s70684" name="Equation" r:id="rId6" imgW="444500" imgH="393700" progId="Equation.DSMT4">
+                  <p:oleObj spid="_x0000_s70692" name="Equation" r:id="rId6" imgW="444500" imgH="393700" progId="Equation.DSMT4">
                     <p:embed/>
                   </p:oleObj>
                 </mc:Choice>
@@ -19510,7 +19389,7 @@
           <a:graphicData uri="http://schemas.openxmlformats.org/presentationml/2006/ole">
             <mc:AlternateContent xmlns:mc="http://schemas.openxmlformats.org/markup-compatibility/2006">
               <mc:Choice xmlns:v="urn:schemas-microsoft-com:vml" Requires="v">
-                <p:oleObj spid="_x0000_s63508" name="Equation" r:id="rId3" imgW="1333500" imgH="393700" progId="Equation.DSMT4">
+                <p:oleObj spid="_x0000_s63513" name="Equation" r:id="rId3" imgW="1333500" imgH="393700" progId="Equation.DSMT4">
                   <p:embed/>
                 </p:oleObj>
               </mc:Choice>
@@ -22043,7 +21922,7 @@
           <a:graphicData uri="http://schemas.openxmlformats.org/presentationml/2006/ole">
             <mc:AlternateContent xmlns:mc="http://schemas.openxmlformats.org/markup-compatibility/2006">
               <mc:Choice xmlns:v="urn:schemas-microsoft-com:vml" Requires="v">
-                <p:oleObj spid="_x0000_s71694" name="Equation" r:id="rId3" imgW="1333500" imgH="393700" progId="Equation.DSMT4">
+                <p:oleObj spid="_x0000_s71699" name="Equation" r:id="rId3" imgW="1333500" imgH="393700" progId="Equation.DSMT4">
                   <p:embed/>
                 </p:oleObj>
               </mc:Choice>
@@ -25260,6 +25139,118 @@
           <a:chExt cx="0" cy="0"/>
         </a:xfrm>
       </p:grpSpPr>
+      <p:sp useBgFill="1">
+        <p:nvSpPr>
+          <p:cNvPr id="9" name="TextBox 8"/>
+          <p:cNvSpPr txBox="1"/>
+          <p:nvPr/>
+        </p:nvSpPr>
+        <p:spPr>
+          <a:xfrm>
+            <a:off x="3625652" y="4908435"/>
+            <a:ext cx="442782" cy="461665"/>
+          </a:xfrm>
+          <a:prstGeom prst="rect">
+            <a:avLst/>
+          </a:prstGeom>
+        </p:spPr>
+        <p:txBody>
+          <a:bodyPr wrap="square" rtlCol="0">
+            <a:spAutoFit/>
+          </a:bodyPr>
+          <a:lstStyle/>
+          <a:p>
+            <a:pPr algn="ctr"/>
+            <a:r>
+              <a:rPr lang="en-US" dirty="0" smtClean="0">
+                <a:solidFill>
+                  <a:srgbClr val="F74BE3"/>
+                </a:solidFill>
+                <a:latin typeface="Comic Sans MS" pitchFamily="66" charset="0"/>
+                <a:cs typeface="Arial"/>
+              </a:rPr>
+              <a:t>0</a:t>
+            </a:r>
+          </a:p>
+        </p:txBody>
+      </p:sp>
+      <p:sp useBgFill="1">
+        <p:nvSpPr>
+          <p:cNvPr id="10" name="TextBox 9"/>
+          <p:cNvSpPr txBox="1"/>
+          <p:nvPr/>
+        </p:nvSpPr>
+        <p:spPr>
+          <a:xfrm>
+            <a:off x="4115964" y="5317154"/>
+            <a:ext cx="442782" cy="461665"/>
+          </a:xfrm>
+          <a:prstGeom prst="rect">
+            <a:avLst/>
+          </a:prstGeom>
+        </p:spPr>
+        <p:txBody>
+          <a:bodyPr wrap="square" rtlCol="0">
+            <a:spAutoFit/>
+          </a:bodyPr>
+          <a:lstStyle/>
+          <a:p>
+            <a:pPr algn="ctr"/>
+            <a:r>
+              <a:rPr lang="en-US" dirty="0" smtClean="0">
+                <a:solidFill>
+                  <a:srgbClr val="F74BE3"/>
+                </a:solidFill>
+                <a:latin typeface="Comic Sans MS" pitchFamily="66" charset="0"/>
+                <a:cs typeface="Arial"/>
+              </a:rPr>
+              <a:t>0</a:t>
+            </a:r>
+          </a:p>
+        </p:txBody>
+      </p:sp>
+      <p:sp useBgFill="1">
+        <p:nvSpPr>
+          <p:cNvPr id="12" name="TextBox 11"/>
+          <p:cNvSpPr txBox="1"/>
+          <p:nvPr/>
+        </p:nvSpPr>
+        <p:spPr>
+          <a:xfrm>
+            <a:off x="4572000" y="5746359"/>
+            <a:ext cx="442782" cy="461665"/>
+          </a:xfrm>
+          <a:prstGeom prst="rect">
+            <a:avLst/>
+          </a:prstGeom>
+        </p:spPr>
+        <p:txBody>
+          <a:bodyPr wrap="square" rtlCol="0">
+            <a:spAutoFit/>
+          </a:bodyPr>
+          <a:lstStyle/>
+          <a:p>
+            <a:pPr algn="ctr"/>
+            <a:r>
+              <a:rPr lang="en-US" dirty="0">
+                <a:solidFill>
+                  <a:srgbClr val="F74BE3"/>
+                </a:solidFill>
+                <a:latin typeface="Comic Sans MS" pitchFamily="66" charset="0"/>
+                <a:cs typeface="Arial"/>
+              </a:rPr>
+              <a:t>1</a:t>
+            </a:r>
+            <a:endParaRPr lang="en-US" dirty="0" smtClean="0">
+              <a:solidFill>
+                <a:srgbClr val="F74BE3"/>
+              </a:solidFill>
+              <a:latin typeface="Comic Sans MS" pitchFamily="66" charset="0"/>
+              <a:cs typeface="Arial"/>
+            </a:endParaRPr>
+          </a:p>
+        </p:txBody>
+      </p:sp>
       <p:sp>
         <p:nvSpPr>
           <p:cNvPr id="16" name="TextBox 15"/>
@@ -25426,7 +25417,7 @@
           <a:graphicData uri="http://schemas.openxmlformats.org/presentationml/2006/ole">
             <mc:AlternateContent xmlns:mc="http://schemas.openxmlformats.org/markup-compatibility/2006">
               <mc:Choice xmlns:v="urn:schemas-microsoft-com:vml" Requires="v">
-                <p:oleObj spid="_x0000_s73762" name="Equation" r:id="rId3" imgW="1333500" imgH="393700" progId="Equation.DSMT4">
+                <p:oleObj spid="_x0000_s73770" name="Equation" r:id="rId3" imgW="1333500" imgH="393700" progId="Equation.DSMT4">
                   <p:embed/>
                 </p:oleObj>
               </mc:Choice>
@@ -25533,76 +25524,6 @@
       </p:sp>
       <p:sp useBgFill="1">
         <p:nvSpPr>
-          <p:cNvPr id="9" name="TextBox 8"/>
-          <p:cNvSpPr txBox="1"/>
-          <p:nvPr/>
-        </p:nvSpPr>
-        <p:spPr>
-          <a:xfrm>
-            <a:off x="3625652" y="4908435"/>
-            <a:ext cx="442782" cy="461665"/>
-          </a:xfrm>
-          <a:prstGeom prst="rect">
-            <a:avLst/>
-          </a:prstGeom>
-        </p:spPr>
-        <p:txBody>
-          <a:bodyPr wrap="square" rtlCol="0">
-            <a:spAutoFit/>
-          </a:bodyPr>
-          <a:lstStyle/>
-          <a:p>
-            <a:pPr algn="ctr"/>
-            <a:r>
-              <a:rPr lang="en-US" dirty="0" smtClean="0">
-                <a:solidFill>
-                  <a:srgbClr val="F74BE3"/>
-                </a:solidFill>
-                <a:latin typeface="Comic Sans MS" pitchFamily="66" charset="0"/>
-                <a:cs typeface="Arial"/>
-              </a:rPr>
-              <a:t>0</a:t>
-            </a:r>
-          </a:p>
-        </p:txBody>
-      </p:sp>
-      <p:sp useBgFill="1">
-        <p:nvSpPr>
-          <p:cNvPr id="10" name="TextBox 9"/>
-          <p:cNvSpPr txBox="1"/>
-          <p:nvPr/>
-        </p:nvSpPr>
-        <p:spPr>
-          <a:xfrm>
-            <a:off x="4115964" y="5317154"/>
-            <a:ext cx="442782" cy="461665"/>
-          </a:xfrm>
-          <a:prstGeom prst="rect">
-            <a:avLst/>
-          </a:prstGeom>
-        </p:spPr>
-        <p:txBody>
-          <a:bodyPr wrap="square" rtlCol="0">
-            <a:spAutoFit/>
-          </a:bodyPr>
-          <a:lstStyle/>
-          <a:p>
-            <a:pPr algn="ctr"/>
-            <a:r>
-              <a:rPr lang="en-US" dirty="0" smtClean="0">
-                <a:solidFill>
-                  <a:srgbClr val="F74BE3"/>
-                </a:solidFill>
-                <a:latin typeface="Comic Sans MS" pitchFamily="66" charset="0"/>
-                <a:cs typeface="Arial"/>
-              </a:rPr>
-              <a:t>0</a:t>
-            </a:r>
-          </a:p>
-        </p:txBody>
-      </p:sp>
-      <p:sp useBgFill="1">
-        <p:nvSpPr>
           <p:cNvPr id="11" name="TextBox 10"/>
           <p:cNvSpPr txBox="1"/>
           <p:nvPr/>
@@ -25610,48 +25531,6 @@
         <p:spPr>
           <a:xfrm>
             <a:off x="2552735" y="3812313"/>
-            <a:ext cx="442782" cy="461665"/>
-          </a:xfrm>
-          <a:prstGeom prst="rect">
-            <a:avLst/>
-          </a:prstGeom>
-        </p:spPr>
-        <p:txBody>
-          <a:bodyPr wrap="square" rtlCol="0">
-            <a:spAutoFit/>
-          </a:bodyPr>
-          <a:lstStyle/>
-          <a:p>
-            <a:pPr algn="ctr"/>
-            <a:r>
-              <a:rPr lang="en-US" dirty="0">
-                <a:solidFill>
-                  <a:srgbClr val="F74BE3"/>
-                </a:solidFill>
-                <a:latin typeface="Comic Sans MS" pitchFamily="66" charset="0"/>
-                <a:cs typeface="Arial"/>
-              </a:rPr>
-              <a:t>1</a:t>
-            </a:r>
-            <a:endParaRPr lang="en-US" dirty="0" smtClean="0">
-              <a:solidFill>
-                <a:srgbClr val="F74BE3"/>
-              </a:solidFill>
-              <a:latin typeface="Comic Sans MS" pitchFamily="66" charset="0"/>
-              <a:cs typeface="Arial"/>
-            </a:endParaRPr>
-          </a:p>
-        </p:txBody>
-      </p:sp>
-      <p:sp useBgFill="1">
-        <p:nvSpPr>
-          <p:cNvPr id="12" name="TextBox 11"/>
-          <p:cNvSpPr txBox="1"/>
-          <p:nvPr/>
-        </p:nvSpPr>
-        <p:spPr>
-          <a:xfrm>
-            <a:off x="4572000" y="5746359"/>
             <a:ext cx="442782" cy="461665"/>
           </a:xfrm>
           <a:prstGeom prst="rect">
@@ -25781,7 +25660,7 @@
           <a:graphicData uri="http://schemas.openxmlformats.org/presentationml/2006/ole">
             <mc:AlternateContent xmlns:mc="http://schemas.openxmlformats.org/markup-compatibility/2006">
               <mc:Choice xmlns:v="urn:schemas-microsoft-com:vml" Requires="v">
-                <p:oleObj spid="_x0000_s73763" name="Equation" r:id="rId5" imgW="457200" imgH="393700" progId="Equation.DSMT4">
+                <p:oleObj spid="_x0000_s73771" name="Equation" r:id="rId5" imgW="457200" imgH="393700" progId="Equation.DSMT4">
                   <p:embed/>
                 </p:oleObj>
               </mc:Choice>
@@ -26041,30 +25920,21 @@
                             </p:childTnLst>
                           </p:cTn>
                         </p:par>
-                      </p:childTnLst>
-                    </p:cTn>
-                  </p:par>
-                  <p:par>
-                    <p:cTn id="21" fill="hold">
-                      <p:stCondLst>
-                        <p:cond delay="indefinite"/>
-                      </p:stCondLst>
-                      <p:childTnLst>
                         <p:par>
-                          <p:cTn id="22" fill="hold">
+                          <p:cTn id="21" fill="hold">
                             <p:stCondLst>
-                              <p:cond delay="0"/>
+                              <p:cond delay="1500"/>
                             </p:stCondLst>
                             <p:childTnLst>
                               <p:par>
-                                <p:cTn id="23" presetID="9" presetClass="entr" presetSubtype="0" fill="hold" grpId="0" nodeType="clickEffect">
+                                <p:cTn id="22" presetID="9" presetClass="entr" presetSubtype="0" fill="hold" grpId="0" nodeType="afterEffect">
                                   <p:stCondLst>
                                     <p:cond delay="0"/>
                                   </p:stCondLst>
                                   <p:childTnLst>
                                     <p:set>
                                       <p:cBhvr>
-                                        <p:cTn id="24" dur="1" fill="hold">
+                                        <p:cTn id="23" dur="1" fill="hold">
                                           <p:stCondLst>
                                             <p:cond delay="0"/>
                                           </p:stCondLst>
@@ -26082,7 +25952,7 @@
                                     </p:set>
                                     <p:animEffect transition="in" filter="dissolve">
                                       <p:cBhvr>
-                                        <p:cTn id="25" dur="500"/>
+                                        <p:cTn id="24" dur="500"/>
                                         <p:tgtEl>
                                           <p:spTgt spid="14"/>
                                         </p:tgtEl>
@@ -26098,26 +25968,26 @@
                     </p:cTn>
                   </p:par>
                   <p:par>
-                    <p:cTn id="26" fill="hold">
+                    <p:cTn id="25" fill="hold">
                       <p:stCondLst>
                         <p:cond delay="indefinite"/>
                       </p:stCondLst>
                       <p:childTnLst>
                         <p:par>
-                          <p:cTn id="27" fill="hold">
+                          <p:cTn id="26" fill="hold">
                             <p:stCondLst>
                               <p:cond delay="0"/>
                             </p:stCondLst>
                             <p:childTnLst>
                               <p:par>
-                                <p:cTn id="28" presetID="9" presetClass="entr" presetSubtype="0" fill="hold" nodeType="clickEffect">
+                                <p:cTn id="27" presetID="9" presetClass="entr" presetSubtype="0" fill="hold" nodeType="clickEffect">
                                   <p:stCondLst>
                                     <p:cond delay="0"/>
                                   </p:stCondLst>
                                   <p:childTnLst>
                                     <p:set>
                                       <p:cBhvr>
-                                        <p:cTn id="29" dur="1" fill="hold">
+                                        <p:cTn id="28" dur="1" fill="hold">
                                           <p:stCondLst>
                                             <p:cond delay="0"/>
                                           </p:stCondLst>
@@ -26139,7 +26009,7 @@
                                     </p:set>
                                     <p:animEffect transition="in" filter="dissolve">
                                       <p:cBhvr>
-                                        <p:cTn id="30" dur="500"/>
+                                        <p:cTn id="29" dur="500"/>
                                         <p:tgtEl>
                                           <p:spTgt spid="16">
                                             <p:txEl>
@@ -26153,14 +26023,14 @@
                                 </p:cTn>
                               </p:par>
                               <p:par>
-                                <p:cTn id="31" presetID="9" presetClass="entr" presetSubtype="0" fill="hold" nodeType="withEffect">
+                                <p:cTn id="30" presetID="9" presetClass="entr" presetSubtype="0" fill="hold" nodeType="withEffect">
                                   <p:stCondLst>
                                     <p:cond delay="0"/>
                                   </p:stCondLst>
                                   <p:childTnLst>
                                     <p:set>
                                       <p:cBhvr>
-                                        <p:cTn id="32" dur="1" fill="hold">
+                                        <p:cTn id="31" dur="1" fill="hold">
                                           <p:stCondLst>
                                             <p:cond delay="0"/>
                                           </p:stCondLst>
@@ -26178,7 +26048,7 @@
                                     </p:set>
                                     <p:animEffect transition="in" filter="dissolve">
                                       <p:cBhvr>
-                                        <p:cTn id="33" dur="500"/>
+                                        <p:cTn id="32" dur="500"/>
                                         <p:tgtEl>
                                           <p:spTgt spid="17"/>
                                         </p:tgtEl>
@@ -26194,26 +26064,26 @@
                     </p:cTn>
                   </p:par>
                   <p:par>
-                    <p:cTn id="34" fill="hold">
+                    <p:cTn id="33" fill="hold">
                       <p:stCondLst>
                         <p:cond delay="indefinite"/>
                       </p:stCondLst>
                       <p:childTnLst>
                         <p:par>
-                          <p:cTn id="35" fill="hold">
+                          <p:cTn id="34" fill="hold">
                             <p:stCondLst>
                               <p:cond delay="0"/>
                             </p:stCondLst>
                             <p:childTnLst>
                               <p:par>
-                                <p:cTn id="36" presetID="1" presetClass="entr" presetSubtype="0" fill="hold" nodeType="clickEffect">
+                                <p:cTn id="35" presetID="1" presetClass="entr" presetSubtype="0" fill="hold" nodeType="clickEffect">
                                   <p:stCondLst>
                                     <p:cond delay="0"/>
                                   </p:stCondLst>
                                   <p:childTnLst>
                                     <p:set>
                                       <p:cBhvr>
-                                        <p:cTn id="37" dur="1" fill="hold">
+                                        <p:cTn id="36" dur="1" fill="hold">
                                           <p:stCondLst>
                                             <p:cond delay="0"/>
                                           </p:stCondLst>
@@ -26240,20 +26110,20 @@
                           </p:cTn>
                         </p:par>
                         <p:par>
-                          <p:cTn id="38" fill="hold">
+                          <p:cTn id="37" fill="hold">
                             <p:stCondLst>
                               <p:cond delay="0"/>
                             </p:stCondLst>
                             <p:childTnLst>
                               <p:par>
-                                <p:cTn id="39" presetID="1" presetClass="entr" presetSubtype="0" fill="hold" nodeType="afterEffect">
+                                <p:cTn id="38" presetID="1" presetClass="entr" presetSubtype="0" fill="hold" nodeType="afterEffect">
                                   <p:stCondLst>
                                     <p:cond delay="0"/>
                                   </p:stCondLst>
                                   <p:childTnLst>
                                     <p:set>
                                       <p:cBhvr>
-                                        <p:cTn id="40" dur="1" fill="hold">
+                                        <p:cTn id="39" dur="1" fill="hold">
                                           <p:stCondLst>
                                             <p:cond delay="0"/>
                                           </p:stCondLst>
@@ -26304,11 +26174,11 @@
       </p:par>
     </p:tnLst>
     <p:bldLst>
+      <p:bldP spid="9" grpId="0" animBg="1"/>
+      <p:bldP spid="10" grpId="0" animBg="1"/>
       <p:bldP spid="14" grpId="0"/>
       <p:bldP spid="6" grpId="0" animBg="1"/>
       <p:bldP spid="7" grpId="0" animBg="1"/>
-      <p:bldP spid="9" grpId="0" animBg="1"/>
-      <p:bldP spid="10" grpId="0" animBg="1"/>
       <p:bldP spid="11" grpId="0" animBg="1"/>
       <p:bldP spid="4" grpId="0"/>
     </p:bldLst>
@@ -26443,7 +26313,7 @@
           <a:graphicData uri="http://schemas.openxmlformats.org/presentationml/2006/ole">
             <mc:AlternateContent xmlns:mc="http://schemas.openxmlformats.org/markup-compatibility/2006">
               <mc:Choice xmlns:v="urn:schemas-microsoft-com:vml" Requires="v">
-                <p:oleObj spid="_x0000_s65570" name="Equation" r:id="rId3" imgW="1727200" imgH="393700" progId="Equation.DSMT4">
+                <p:oleObj spid="_x0000_s65581" name="Equation" r:id="rId3" imgW="1727200" imgH="393700" progId="Equation.DSMT4">
                   <p:embed/>
                 </p:oleObj>
               </mc:Choice>
@@ -26500,7 +26370,7 @@
           <a:graphicData uri="http://schemas.openxmlformats.org/presentationml/2006/ole">
             <mc:AlternateContent xmlns:mc="http://schemas.openxmlformats.org/markup-compatibility/2006">
               <mc:Choice xmlns:v="urn:schemas-microsoft-com:vml" Requires="v">
-                <p:oleObj spid="_x0000_s65571" name="Equation" r:id="rId5" imgW="1143000" imgH="228600" progId="Equation.3">
+                <p:oleObj spid="_x0000_s65582" name="Equation" r:id="rId5" imgW="1143000" imgH="228600" progId="Equation.3">
                   <p:embed/>
                 </p:oleObj>
               </mc:Choice>
@@ -26557,7 +26427,7 @@
           <a:graphicData uri="http://schemas.openxmlformats.org/presentationml/2006/ole">
             <mc:AlternateContent xmlns:mc="http://schemas.openxmlformats.org/markup-compatibility/2006">
               <mc:Choice xmlns:v="urn:schemas-microsoft-com:vml" Requires="v">
-                <p:oleObj spid="_x0000_s65572" name="Equation" r:id="rId7" imgW="698500" imgH="393700" progId="Equation.DSMT4">
+                <p:oleObj spid="_x0000_s65583" name="Equation" r:id="rId7" imgW="698500" imgH="393700" progId="Equation.DSMT4">
                   <p:embed/>
                 </p:oleObj>
               </mc:Choice>
@@ -26925,7 +26795,7 @@
           <a:graphicData uri="http://schemas.openxmlformats.org/presentationml/2006/ole">
             <mc:AlternateContent xmlns:mc="http://schemas.openxmlformats.org/markup-compatibility/2006">
               <mc:Choice xmlns:v="urn:schemas-microsoft-com:vml" Requires="v">
-                <p:oleObj spid="_x0000_s74794" name="Equation" r:id="rId3" imgW="457200" imgH="393700" progId="Equation.DSMT4">
+                <p:oleObj spid="_x0000_s74808" name="Equation" r:id="rId3" imgW="457200" imgH="393700" progId="Equation.DSMT4">
                   <p:embed/>
                 </p:oleObj>
               </mc:Choice>
@@ -26982,7 +26852,7 @@
           <a:graphicData uri="http://schemas.openxmlformats.org/presentationml/2006/ole">
             <mc:AlternateContent xmlns:mc="http://schemas.openxmlformats.org/markup-compatibility/2006">
               <mc:Choice xmlns:v="urn:schemas-microsoft-com:vml" Requires="v">
-                <p:oleObj spid="_x0000_s74795" name="Equation" r:id="rId5" imgW="1371600" imgH="482600" progId="Equation.DSMT4">
+                <p:oleObj spid="_x0000_s74809" name="Equation" r:id="rId5" imgW="1371600" imgH="482600" progId="Equation.DSMT4">
                   <p:embed/>
                 </p:oleObj>
               </mc:Choice>
@@ -27070,7 +26940,7 @@
           <a:graphicData uri="http://schemas.openxmlformats.org/presentationml/2006/ole">
             <mc:AlternateContent xmlns:mc="http://schemas.openxmlformats.org/markup-compatibility/2006">
               <mc:Choice xmlns:v="urn:schemas-microsoft-com:vml" Requires="v">
-                <p:oleObj spid="_x0000_s74796" name="Equation" r:id="rId7" imgW="1473200" imgH="482600" progId="Equation.DSMT4">
+                <p:oleObj spid="_x0000_s74810" name="Equation" r:id="rId7" imgW="1473200" imgH="482600" progId="Equation.DSMT4">
                   <p:embed/>
                 </p:oleObj>
               </mc:Choice>
@@ -27127,7 +26997,7 @@
           <a:graphicData uri="http://schemas.openxmlformats.org/presentationml/2006/ole">
             <mc:AlternateContent xmlns:mc="http://schemas.openxmlformats.org/markup-compatibility/2006">
               <mc:Choice xmlns:v="urn:schemas-microsoft-com:vml" Requires="v">
-                <p:oleObj spid="_x0000_s74797" name="Equation" r:id="rId9" imgW="2578100" imgH="393700" progId="Equation.DSMT4">
+                <p:oleObj spid="_x0000_s74811" name="Equation" r:id="rId9" imgW="2578100" imgH="393700" progId="Equation.DSMT4">
                   <p:embed/>
                 </p:oleObj>
               </mc:Choice>

--- a/fall11/slidesF11/slides4m.pptx
+++ b/fall11/slidesF11/slides4m.pptx
@@ -19,11 +19,11 @@
     <p:sldId id="383" r:id="rId7"/>
     <p:sldId id="384" r:id="rId8"/>
     <p:sldId id="379" r:id="rId9"/>
-    <p:sldId id="386" r:id="rId10"/>
+    <p:sldId id="389" r:id="rId10"/>
     <p:sldId id="362" r:id="rId11"/>
     <p:sldId id="382" r:id="rId12"/>
     <p:sldId id="348" r:id="rId13"/>
-    <p:sldId id="387" r:id="rId14"/>
+    <p:sldId id="388" r:id="rId14"/>
     <p:sldId id="349" r:id="rId15"/>
     <p:sldId id="333" r:id="rId16"/>
     <p:sldId id="363" r:id="rId17"/>
@@ -880,7 +880,7 @@
               <a:pPr/>
               <a:t>1</a:t>
             </a:fld>
-            <a:endParaRPr lang="en-US"/>
+            <a:endParaRPr lang="en-US" dirty="0"/>
           </a:p>
         </p:txBody>
       </p:sp>
@@ -913,7 +913,7 @@
           <a:bodyPr/>
           <a:lstStyle/>
           <a:p>
-            <a:endParaRPr lang="en-US"/>
+            <a:endParaRPr lang="en-US" dirty="0"/>
           </a:p>
         </p:txBody>
       </p:sp>
@@ -971,7 +971,7 @@
           </a:bodyPr>
           <a:lstStyle/>
           <a:p>
-            <a:endParaRPr lang="en-US"/>
+            <a:endParaRPr lang="en-US" dirty="0"/>
           </a:p>
         </p:txBody>
       </p:sp>
@@ -993,9 +993,9 @@
             <a:fld id="{A02B9F3F-3042-489F-AF35-1A733968F079}" type="slidenum">
               <a:rPr lang="en-US" smtClean="0"/>
               <a:pPr/>
-              <a:t>16</a:t>
+              <a:t>15</a:t>
             </a:fld>
-            <a:endParaRPr lang="en-US"/>
+            <a:endParaRPr lang="en-US" dirty="0"/>
           </a:p>
         </p:txBody>
       </p:sp>
@@ -1008,258 +1008,6 @@
 </file>
 
 <file path=ppt/notesSlides/notesSlide11.xml><?xml version="1.0" encoding="utf-8"?>
-<p:notes xmlns:a="http://schemas.openxmlformats.org/drawingml/2006/main" xmlns:r="http://schemas.openxmlformats.org/officeDocument/2006/relationships" xmlns:p="http://schemas.openxmlformats.org/presentationml/2006/main">
-  <p:cSld>
-    <p:spTree>
-      <p:nvGrpSpPr>
-        <p:cNvPr id="1" name=""/>
-        <p:cNvGrpSpPr/>
-        <p:nvPr/>
-      </p:nvGrpSpPr>
-      <p:grpSpPr>
-        <a:xfrm>
-          <a:off x="0" y="0"/>
-          <a:ext cx="0" cy="0"/>
-          <a:chOff x="0" y="0"/>
-          <a:chExt cx="0" cy="0"/>
-        </a:xfrm>
-      </p:grpSpPr>
-      <p:sp>
-        <p:nvSpPr>
-          <p:cNvPr id="7" name="Rectangle 7"/>
-          <p:cNvSpPr>
-            <a:spLocks noGrp="1" noChangeArrowheads="1"/>
-          </p:cNvSpPr>
-          <p:nvPr>
-            <p:ph type="sldNum" sz="quarter" idx="5"/>
-          </p:nvPr>
-        </p:nvSpPr>
-        <p:spPr>
-          <a:ln/>
-        </p:spPr>
-        <p:txBody>
-          <a:bodyPr/>
-          <a:lstStyle/>
-          <a:p>
-            <a:fld id="{7482A7D0-DDCE-4C4A-9B06-8D547E872DBE}" type="slidenum">
-              <a:rPr lang="en-US"/>
-              <a:pPr/>
-              <a:t>19</a:t>
-            </a:fld>
-            <a:endParaRPr lang="en-US"/>
-          </a:p>
-        </p:txBody>
-      </p:sp>
-      <p:sp>
-        <p:nvSpPr>
-          <p:cNvPr id="198658" name="Rectangle 2"/>
-          <p:cNvSpPr>
-            <a:spLocks noGrp="1" noRot="1" noChangeAspect="1" noChangeArrowheads="1" noTextEdit="1"/>
-          </p:cNvSpPr>
-          <p:nvPr>
-            <p:ph type="sldImg"/>
-          </p:nvPr>
-        </p:nvSpPr>
-        <p:spPr>
-          <a:ln/>
-        </p:spPr>
-      </p:sp>
-      <p:sp>
-        <p:nvSpPr>
-          <p:cNvPr id="198659" name="Rectangle 3"/>
-          <p:cNvSpPr>
-            <a:spLocks noGrp="1" noChangeArrowheads="1"/>
-          </p:cNvSpPr>
-          <p:nvPr>
-            <p:ph type="body" idx="1"/>
-          </p:nvPr>
-        </p:nvSpPr>
-        <p:spPr/>
-        <p:txBody>
-          <a:bodyPr/>
-          <a:lstStyle/>
-          <a:p>
-            <a:endParaRPr lang="en-US"/>
-          </a:p>
-        </p:txBody>
-      </p:sp>
-    </p:spTree>
-  </p:cSld>
-  <p:clrMapOvr>
-    <a:masterClrMapping/>
-  </p:clrMapOvr>
-</p:notes>
-</file>
-
-<file path=ppt/notesSlides/notesSlide12.xml><?xml version="1.0" encoding="utf-8"?>
-<p:notes xmlns:a="http://schemas.openxmlformats.org/drawingml/2006/main" xmlns:r="http://schemas.openxmlformats.org/officeDocument/2006/relationships" xmlns:p="http://schemas.openxmlformats.org/presentationml/2006/main">
-  <p:cSld>
-    <p:spTree>
-      <p:nvGrpSpPr>
-        <p:cNvPr id="1" name=""/>
-        <p:cNvGrpSpPr/>
-        <p:nvPr/>
-      </p:nvGrpSpPr>
-      <p:grpSpPr>
-        <a:xfrm>
-          <a:off x="0" y="0"/>
-          <a:ext cx="0" cy="0"/>
-          <a:chOff x="0" y="0"/>
-          <a:chExt cx="0" cy="0"/>
-        </a:xfrm>
-      </p:grpSpPr>
-      <p:sp>
-        <p:nvSpPr>
-          <p:cNvPr id="7" name="Rectangle 7"/>
-          <p:cNvSpPr>
-            <a:spLocks noGrp="1" noChangeArrowheads="1"/>
-          </p:cNvSpPr>
-          <p:nvPr>
-            <p:ph type="sldNum" sz="quarter" idx="5"/>
-          </p:nvPr>
-        </p:nvSpPr>
-        <p:spPr>
-          <a:ln/>
-        </p:spPr>
-        <p:txBody>
-          <a:bodyPr/>
-          <a:lstStyle/>
-          <a:p>
-            <a:fld id="{792F57B6-8473-4409-BEB2-FC7EB9AC9EDE}" type="slidenum">
-              <a:rPr lang="en-US"/>
-              <a:pPr/>
-              <a:t>20</a:t>
-            </a:fld>
-            <a:endParaRPr lang="en-US"/>
-          </a:p>
-        </p:txBody>
-      </p:sp>
-      <p:sp>
-        <p:nvSpPr>
-          <p:cNvPr id="199682" name="Rectangle 2"/>
-          <p:cNvSpPr>
-            <a:spLocks noGrp="1" noRot="1" noChangeAspect="1" noChangeArrowheads="1" noTextEdit="1"/>
-          </p:cNvSpPr>
-          <p:nvPr>
-            <p:ph type="sldImg"/>
-          </p:nvPr>
-        </p:nvSpPr>
-        <p:spPr>
-          <a:ln/>
-        </p:spPr>
-      </p:sp>
-      <p:sp>
-        <p:nvSpPr>
-          <p:cNvPr id="199683" name="Rectangle 3"/>
-          <p:cNvSpPr>
-            <a:spLocks noGrp="1" noChangeArrowheads="1"/>
-          </p:cNvSpPr>
-          <p:nvPr>
-            <p:ph type="body" idx="1"/>
-          </p:nvPr>
-        </p:nvSpPr>
-        <p:spPr/>
-        <p:txBody>
-          <a:bodyPr/>
-          <a:lstStyle/>
-          <a:p>
-            <a:endParaRPr lang="en-US"/>
-          </a:p>
-        </p:txBody>
-      </p:sp>
-    </p:spTree>
-  </p:cSld>
-  <p:clrMapOvr>
-    <a:masterClrMapping/>
-  </p:clrMapOvr>
-</p:notes>
-</file>
-
-<file path=ppt/notesSlides/notesSlide13.xml><?xml version="1.0" encoding="utf-8"?>
-<p:notes xmlns:a="http://schemas.openxmlformats.org/drawingml/2006/main" xmlns:r="http://schemas.openxmlformats.org/officeDocument/2006/relationships" xmlns:p="http://schemas.openxmlformats.org/presentationml/2006/main">
-  <p:cSld>
-    <p:spTree>
-      <p:nvGrpSpPr>
-        <p:cNvPr id="1" name=""/>
-        <p:cNvGrpSpPr/>
-        <p:nvPr/>
-      </p:nvGrpSpPr>
-      <p:grpSpPr>
-        <a:xfrm>
-          <a:off x="0" y="0"/>
-          <a:ext cx="0" cy="0"/>
-          <a:chOff x="0" y="0"/>
-          <a:chExt cx="0" cy="0"/>
-        </a:xfrm>
-      </p:grpSpPr>
-      <p:sp>
-        <p:nvSpPr>
-          <p:cNvPr id="7" name="Rectangle 7"/>
-          <p:cNvSpPr>
-            <a:spLocks noGrp="1" noChangeArrowheads="1"/>
-          </p:cNvSpPr>
-          <p:nvPr>
-            <p:ph type="sldNum" sz="quarter" idx="5"/>
-          </p:nvPr>
-        </p:nvSpPr>
-        <p:spPr>
-          <a:ln/>
-        </p:spPr>
-        <p:txBody>
-          <a:bodyPr/>
-          <a:lstStyle/>
-          <a:p>
-            <a:fld id="{DA0B81FD-B4A6-48C9-B3F4-A45B625CBF8B}" type="slidenum">
-              <a:rPr lang="en-US"/>
-              <a:pPr/>
-              <a:t>21</a:t>
-            </a:fld>
-            <a:endParaRPr lang="en-US"/>
-          </a:p>
-        </p:txBody>
-      </p:sp>
-      <p:sp>
-        <p:nvSpPr>
-          <p:cNvPr id="195586" name="Rectangle 2"/>
-          <p:cNvSpPr>
-            <a:spLocks noGrp="1" noRot="1" noChangeAspect="1" noChangeArrowheads="1" noTextEdit="1"/>
-          </p:cNvSpPr>
-          <p:nvPr>
-            <p:ph type="sldImg"/>
-          </p:nvPr>
-        </p:nvSpPr>
-        <p:spPr>
-          <a:ln/>
-        </p:spPr>
-      </p:sp>
-      <p:sp>
-        <p:nvSpPr>
-          <p:cNvPr id="195587" name="Rectangle 3"/>
-          <p:cNvSpPr>
-            <a:spLocks noGrp="1" noChangeArrowheads="1"/>
-          </p:cNvSpPr>
-          <p:nvPr>
-            <p:ph type="body" idx="1"/>
-          </p:nvPr>
-        </p:nvSpPr>
-        <p:spPr/>
-        <p:txBody>
-          <a:bodyPr/>
-          <a:lstStyle/>
-          <a:p>
-            <a:endParaRPr lang="en-US"/>
-          </a:p>
-        </p:txBody>
-      </p:sp>
-    </p:spTree>
-  </p:cSld>
-  <p:clrMapOvr>
-    <a:masterClrMapping/>
-  </p:clrMapOvr>
-</p:notes>
-</file>
-
-<file path=ppt/notesSlides/notesSlide14.xml><?xml version="1.0" encoding="utf-8"?>
 <p:notes xmlns:a="http://schemas.openxmlformats.org/drawingml/2006/main" xmlns:r="http://schemas.openxmlformats.org/officeDocument/2006/relationships" xmlns:p="http://schemas.openxmlformats.org/presentationml/2006/main">
   <p:cSld>
     <p:spTree>
@@ -1305,7 +1053,7 @@
           </a:bodyPr>
           <a:lstStyle/>
           <a:p>
-            <a:endParaRPr lang="en-US"/>
+            <a:endParaRPr lang="en-US" dirty="0"/>
           </a:p>
         </p:txBody>
       </p:sp>
@@ -1327,9 +1075,9 @@
             <a:fld id="{A02B9F3F-3042-489F-AF35-1A733968F079}" type="slidenum">
               <a:rPr lang="en-US" smtClean="0"/>
               <a:pPr/>
-              <a:t>22</a:t>
+              <a:t>16</a:t>
             </a:fld>
-            <a:endParaRPr lang="en-US"/>
+            <a:endParaRPr lang="en-US" dirty="0"/>
           </a:p>
         </p:txBody>
       </p:sp>
@@ -1341,7 +1089,7 @@
 </p:notes>
 </file>
 
-<file path=ppt/notesSlides/notesSlide15.xml><?xml version="1.0" encoding="utf-8"?>
+<file path=ppt/notesSlides/notesSlide12.xml><?xml version="1.0" encoding="utf-8"?>
 <p:notes xmlns:a="http://schemas.openxmlformats.org/drawingml/2006/main" xmlns:r="http://schemas.openxmlformats.org/officeDocument/2006/relationships" xmlns:p="http://schemas.openxmlformats.org/presentationml/2006/main">
   <p:cSld>
     <p:spTree>
@@ -1375,18 +1123,18 @@
           <a:bodyPr/>
           <a:lstStyle/>
           <a:p>
-            <a:fld id="{62360F89-AB64-44B8-AE63-46107BBA2334}" type="slidenum">
+            <a:fld id="{7482A7D0-DDCE-4C4A-9B06-8D547E872DBE}" type="slidenum">
               <a:rPr lang="en-US"/>
               <a:pPr/>
-              <a:t>23</a:t>
+              <a:t>19</a:t>
             </a:fld>
-            <a:endParaRPr lang="en-US"/>
+            <a:endParaRPr lang="en-US" dirty="0"/>
           </a:p>
         </p:txBody>
       </p:sp>
       <p:sp>
         <p:nvSpPr>
-          <p:cNvPr id="196610" name="Rectangle 2"/>
+          <p:cNvPr id="198658" name="Rectangle 2"/>
           <p:cNvSpPr>
             <a:spLocks noGrp="1" noRot="1" noChangeAspect="1" noChangeArrowheads="1" noTextEdit="1"/>
           </p:cNvSpPr>
@@ -1400,7 +1148,7 @@
       </p:sp>
       <p:sp>
         <p:nvSpPr>
-          <p:cNvPr id="196611" name="Rectangle 3"/>
+          <p:cNvPr id="198659" name="Rectangle 3"/>
           <p:cNvSpPr>
             <a:spLocks noGrp="1" noChangeArrowheads="1"/>
           </p:cNvSpPr>
@@ -1413,7 +1161,7 @@
           <a:bodyPr/>
           <a:lstStyle/>
           <a:p>
-            <a:endParaRPr lang="en-US"/>
+            <a:endParaRPr lang="en-US" dirty="0"/>
           </a:p>
         </p:txBody>
       </p:sp>
@@ -1425,7 +1173,7 @@
 </p:notes>
 </file>
 
-<file path=ppt/notesSlides/notesSlide16.xml><?xml version="1.0" encoding="utf-8"?>
+<file path=ppt/notesSlides/notesSlide13.xml><?xml version="1.0" encoding="utf-8"?>
 <p:notes xmlns:a="http://schemas.openxmlformats.org/drawingml/2006/main" xmlns:r="http://schemas.openxmlformats.org/officeDocument/2006/relationships" xmlns:p="http://schemas.openxmlformats.org/presentationml/2006/main">
   <p:cSld>
     <p:spTree>
@@ -1459,18 +1207,18 @@
           <a:bodyPr/>
           <a:lstStyle/>
           <a:p>
-            <a:fld id="{62360F89-AB64-44B8-AE63-46107BBA2334}" type="slidenum">
+            <a:fld id="{792F57B6-8473-4409-BEB2-FC7EB9AC9EDE}" type="slidenum">
               <a:rPr lang="en-US"/>
               <a:pPr/>
-              <a:t>24</a:t>
+              <a:t>20</a:t>
             </a:fld>
-            <a:endParaRPr lang="en-US"/>
+            <a:endParaRPr lang="en-US" dirty="0"/>
           </a:p>
         </p:txBody>
       </p:sp>
       <p:sp>
         <p:nvSpPr>
-          <p:cNvPr id="196610" name="Rectangle 2"/>
+          <p:cNvPr id="199682" name="Rectangle 2"/>
           <p:cNvSpPr>
             <a:spLocks noGrp="1" noRot="1" noChangeAspect="1" noChangeArrowheads="1" noTextEdit="1"/>
           </p:cNvSpPr>
@@ -1484,7 +1232,7 @@
       </p:sp>
       <p:sp>
         <p:nvSpPr>
-          <p:cNvPr id="196611" name="Rectangle 3"/>
+          <p:cNvPr id="199683" name="Rectangle 3"/>
           <p:cNvSpPr>
             <a:spLocks noGrp="1" noChangeArrowheads="1"/>
           </p:cNvSpPr>
@@ -1497,7 +1245,7 @@
           <a:bodyPr/>
           <a:lstStyle/>
           <a:p>
-            <a:endParaRPr lang="en-US"/>
+            <a:endParaRPr lang="en-US" dirty="0"/>
           </a:p>
         </p:txBody>
       </p:sp>
@@ -1509,7 +1257,91 @@
 </p:notes>
 </file>
 
-<file path=ppt/notesSlides/notesSlide17.xml><?xml version="1.0" encoding="utf-8"?>
+<file path=ppt/notesSlides/notesSlide14.xml><?xml version="1.0" encoding="utf-8"?>
+<p:notes xmlns:a="http://schemas.openxmlformats.org/drawingml/2006/main" xmlns:r="http://schemas.openxmlformats.org/officeDocument/2006/relationships" xmlns:p="http://schemas.openxmlformats.org/presentationml/2006/main">
+  <p:cSld>
+    <p:spTree>
+      <p:nvGrpSpPr>
+        <p:cNvPr id="1" name=""/>
+        <p:cNvGrpSpPr/>
+        <p:nvPr/>
+      </p:nvGrpSpPr>
+      <p:grpSpPr>
+        <a:xfrm>
+          <a:off x="0" y="0"/>
+          <a:ext cx="0" cy="0"/>
+          <a:chOff x="0" y="0"/>
+          <a:chExt cx="0" cy="0"/>
+        </a:xfrm>
+      </p:grpSpPr>
+      <p:sp>
+        <p:nvSpPr>
+          <p:cNvPr id="7" name="Rectangle 7"/>
+          <p:cNvSpPr>
+            <a:spLocks noGrp="1" noChangeArrowheads="1"/>
+          </p:cNvSpPr>
+          <p:nvPr>
+            <p:ph type="sldNum" sz="quarter" idx="5"/>
+          </p:nvPr>
+        </p:nvSpPr>
+        <p:spPr>
+          <a:ln/>
+        </p:spPr>
+        <p:txBody>
+          <a:bodyPr/>
+          <a:lstStyle/>
+          <a:p>
+            <a:fld id="{DA0B81FD-B4A6-48C9-B3F4-A45B625CBF8B}" type="slidenum">
+              <a:rPr lang="en-US"/>
+              <a:pPr/>
+              <a:t>21</a:t>
+            </a:fld>
+            <a:endParaRPr lang="en-US" dirty="0"/>
+          </a:p>
+        </p:txBody>
+      </p:sp>
+      <p:sp>
+        <p:nvSpPr>
+          <p:cNvPr id="195586" name="Rectangle 2"/>
+          <p:cNvSpPr>
+            <a:spLocks noGrp="1" noRot="1" noChangeAspect="1" noChangeArrowheads="1" noTextEdit="1"/>
+          </p:cNvSpPr>
+          <p:nvPr>
+            <p:ph type="sldImg"/>
+          </p:nvPr>
+        </p:nvSpPr>
+        <p:spPr>
+          <a:ln/>
+        </p:spPr>
+      </p:sp>
+      <p:sp>
+        <p:nvSpPr>
+          <p:cNvPr id="195587" name="Rectangle 3"/>
+          <p:cNvSpPr>
+            <a:spLocks noGrp="1" noChangeArrowheads="1"/>
+          </p:cNvSpPr>
+          <p:nvPr>
+            <p:ph type="body" idx="1"/>
+          </p:nvPr>
+        </p:nvSpPr>
+        <p:spPr/>
+        <p:txBody>
+          <a:bodyPr/>
+          <a:lstStyle/>
+          <a:p>
+            <a:endParaRPr lang="en-US" dirty="0"/>
+          </a:p>
+        </p:txBody>
+      </p:sp>
+    </p:spTree>
+  </p:cSld>
+  <p:clrMapOvr>
+    <a:masterClrMapping/>
+  </p:clrMapOvr>
+</p:notes>
+</file>
+
+<file path=ppt/notesSlides/notesSlide15.xml><?xml version="1.0" encoding="utf-8"?>
 <p:notes xmlns:a="http://schemas.openxmlformats.org/drawingml/2006/main" xmlns:r="http://schemas.openxmlformats.org/officeDocument/2006/relationships" xmlns:p="http://schemas.openxmlformats.org/presentationml/2006/main">
   <p:cSld>
     <p:spTree>
@@ -1555,7 +1387,7 @@
           </a:bodyPr>
           <a:lstStyle/>
           <a:p>
-            <a:endParaRPr lang="en-US"/>
+            <a:endParaRPr lang="en-US" dirty="0"/>
           </a:p>
         </p:txBody>
       </p:sp>
@@ -1577,9 +1409,177 @@
             <a:fld id="{A02B9F3F-3042-489F-AF35-1A733968F079}" type="slidenum">
               <a:rPr lang="en-US" smtClean="0"/>
               <a:pPr/>
-              <a:t>25</a:t>
+              <a:t>22</a:t>
             </a:fld>
-            <a:endParaRPr lang="en-US"/>
+            <a:endParaRPr lang="en-US" dirty="0"/>
+          </a:p>
+        </p:txBody>
+      </p:sp>
+    </p:spTree>
+  </p:cSld>
+  <p:clrMapOvr>
+    <a:masterClrMapping/>
+  </p:clrMapOvr>
+</p:notes>
+</file>
+
+<file path=ppt/notesSlides/notesSlide16.xml><?xml version="1.0" encoding="utf-8"?>
+<p:notes xmlns:a="http://schemas.openxmlformats.org/drawingml/2006/main" xmlns:r="http://schemas.openxmlformats.org/officeDocument/2006/relationships" xmlns:p="http://schemas.openxmlformats.org/presentationml/2006/main">
+  <p:cSld>
+    <p:spTree>
+      <p:nvGrpSpPr>
+        <p:cNvPr id="1" name=""/>
+        <p:cNvGrpSpPr/>
+        <p:nvPr/>
+      </p:nvGrpSpPr>
+      <p:grpSpPr>
+        <a:xfrm>
+          <a:off x="0" y="0"/>
+          <a:ext cx="0" cy="0"/>
+          <a:chOff x="0" y="0"/>
+          <a:chExt cx="0" cy="0"/>
+        </a:xfrm>
+      </p:grpSpPr>
+      <p:sp>
+        <p:nvSpPr>
+          <p:cNvPr id="7" name="Rectangle 7"/>
+          <p:cNvSpPr>
+            <a:spLocks noGrp="1" noChangeArrowheads="1"/>
+          </p:cNvSpPr>
+          <p:nvPr>
+            <p:ph type="sldNum" sz="quarter" idx="5"/>
+          </p:nvPr>
+        </p:nvSpPr>
+        <p:spPr>
+          <a:ln/>
+        </p:spPr>
+        <p:txBody>
+          <a:bodyPr/>
+          <a:lstStyle/>
+          <a:p>
+            <a:fld id="{62360F89-AB64-44B8-AE63-46107BBA2334}" type="slidenum">
+              <a:rPr lang="en-US"/>
+              <a:pPr/>
+              <a:t>23</a:t>
+            </a:fld>
+            <a:endParaRPr lang="en-US" dirty="0"/>
+          </a:p>
+        </p:txBody>
+      </p:sp>
+      <p:sp>
+        <p:nvSpPr>
+          <p:cNvPr id="196610" name="Rectangle 2"/>
+          <p:cNvSpPr>
+            <a:spLocks noGrp="1" noRot="1" noChangeAspect="1" noChangeArrowheads="1" noTextEdit="1"/>
+          </p:cNvSpPr>
+          <p:nvPr>
+            <p:ph type="sldImg"/>
+          </p:nvPr>
+        </p:nvSpPr>
+        <p:spPr>
+          <a:ln/>
+        </p:spPr>
+      </p:sp>
+      <p:sp>
+        <p:nvSpPr>
+          <p:cNvPr id="196611" name="Rectangle 3"/>
+          <p:cNvSpPr>
+            <a:spLocks noGrp="1" noChangeArrowheads="1"/>
+          </p:cNvSpPr>
+          <p:nvPr>
+            <p:ph type="body" idx="1"/>
+          </p:nvPr>
+        </p:nvSpPr>
+        <p:spPr/>
+        <p:txBody>
+          <a:bodyPr/>
+          <a:lstStyle/>
+          <a:p>
+            <a:endParaRPr lang="en-US" dirty="0"/>
+          </a:p>
+        </p:txBody>
+      </p:sp>
+    </p:spTree>
+  </p:cSld>
+  <p:clrMapOvr>
+    <a:masterClrMapping/>
+  </p:clrMapOvr>
+</p:notes>
+</file>
+
+<file path=ppt/notesSlides/notesSlide17.xml><?xml version="1.0" encoding="utf-8"?>
+<p:notes xmlns:a="http://schemas.openxmlformats.org/drawingml/2006/main" xmlns:r="http://schemas.openxmlformats.org/officeDocument/2006/relationships" xmlns:p="http://schemas.openxmlformats.org/presentationml/2006/main">
+  <p:cSld>
+    <p:spTree>
+      <p:nvGrpSpPr>
+        <p:cNvPr id="1" name=""/>
+        <p:cNvGrpSpPr/>
+        <p:nvPr/>
+      </p:nvGrpSpPr>
+      <p:grpSpPr>
+        <a:xfrm>
+          <a:off x="0" y="0"/>
+          <a:ext cx="0" cy="0"/>
+          <a:chOff x="0" y="0"/>
+          <a:chExt cx="0" cy="0"/>
+        </a:xfrm>
+      </p:grpSpPr>
+      <p:sp>
+        <p:nvSpPr>
+          <p:cNvPr id="7" name="Rectangle 7"/>
+          <p:cNvSpPr>
+            <a:spLocks noGrp="1" noChangeArrowheads="1"/>
+          </p:cNvSpPr>
+          <p:nvPr>
+            <p:ph type="sldNum" sz="quarter" idx="5"/>
+          </p:nvPr>
+        </p:nvSpPr>
+        <p:spPr>
+          <a:ln/>
+        </p:spPr>
+        <p:txBody>
+          <a:bodyPr/>
+          <a:lstStyle/>
+          <a:p>
+            <a:fld id="{62360F89-AB64-44B8-AE63-46107BBA2334}" type="slidenum">
+              <a:rPr lang="en-US"/>
+              <a:pPr/>
+              <a:t>24</a:t>
+            </a:fld>
+            <a:endParaRPr lang="en-US" dirty="0"/>
+          </a:p>
+        </p:txBody>
+      </p:sp>
+      <p:sp>
+        <p:nvSpPr>
+          <p:cNvPr id="196610" name="Rectangle 2"/>
+          <p:cNvSpPr>
+            <a:spLocks noGrp="1" noRot="1" noChangeAspect="1" noChangeArrowheads="1" noTextEdit="1"/>
+          </p:cNvSpPr>
+          <p:nvPr>
+            <p:ph type="sldImg"/>
+          </p:nvPr>
+        </p:nvSpPr>
+        <p:spPr>
+          <a:ln/>
+        </p:spPr>
+      </p:sp>
+      <p:sp>
+        <p:nvSpPr>
+          <p:cNvPr id="196611" name="Rectangle 3"/>
+          <p:cNvSpPr>
+            <a:spLocks noGrp="1" noChangeArrowheads="1"/>
+          </p:cNvSpPr>
+          <p:nvPr>
+            <p:ph type="body" idx="1"/>
+          </p:nvPr>
+        </p:nvSpPr>
+        <p:spPr/>
+        <p:txBody>
+          <a:bodyPr/>
+          <a:lstStyle/>
+          <a:p>
+            <a:endParaRPr lang="en-US" dirty="0"/>
           </a:p>
         </p:txBody>
       </p:sp>
@@ -1637,7 +1637,7 @@
           </a:bodyPr>
           <a:lstStyle/>
           <a:p>
-            <a:endParaRPr lang="en-US"/>
+            <a:endParaRPr lang="en-US" dirty="0"/>
           </a:p>
         </p:txBody>
       </p:sp>
@@ -1659,9 +1659,9 @@
             <a:fld id="{A02B9F3F-3042-489F-AF35-1A733968F079}" type="slidenum">
               <a:rPr lang="en-US" smtClean="0"/>
               <a:pPr/>
-              <a:t>26</a:t>
+              <a:t>25</a:t>
             </a:fld>
-            <a:endParaRPr lang="en-US"/>
+            <a:endParaRPr lang="en-US" dirty="0"/>
           </a:p>
         </p:txBody>
       </p:sp>
@@ -1719,7 +1719,7 @@
           </a:bodyPr>
           <a:lstStyle/>
           <a:p>
-            <a:endParaRPr lang="en-US"/>
+            <a:endParaRPr lang="en-US" dirty="0"/>
           </a:p>
         </p:txBody>
       </p:sp>
@@ -1741,9 +1741,9 @@
             <a:fld id="{A02B9F3F-3042-489F-AF35-1A733968F079}" type="slidenum">
               <a:rPr lang="en-US" smtClean="0"/>
               <a:pPr/>
-              <a:t>27</a:t>
+              <a:t>26</a:t>
             </a:fld>
-            <a:endParaRPr lang="en-US"/>
+            <a:endParaRPr lang="en-US" dirty="0"/>
           </a:p>
         </p:txBody>
       </p:sp>
@@ -1801,7 +1801,7 @@
           </a:bodyPr>
           <a:lstStyle/>
           <a:p>
-            <a:endParaRPr lang="en-US"/>
+            <a:endParaRPr lang="en-US" dirty="0"/>
           </a:p>
         </p:txBody>
       </p:sp>
@@ -1825,7 +1825,7 @@
               <a:pPr/>
               <a:t>2</a:t>
             </a:fld>
-            <a:endParaRPr lang="en-US"/>
+            <a:endParaRPr lang="en-US" dirty="0"/>
           </a:p>
         </p:txBody>
       </p:sp>
@@ -1838,6 +1838,88 @@
 </file>
 
 <file path=ppt/notesSlides/notesSlide20.xml><?xml version="1.0" encoding="utf-8"?>
+<p:notes xmlns:a="http://schemas.openxmlformats.org/drawingml/2006/main" xmlns:r="http://schemas.openxmlformats.org/officeDocument/2006/relationships" xmlns:p="http://schemas.openxmlformats.org/presentationml/2006/main">
+  <p:cSld>
+    <p:spTree>
+      <p:nvGrpSpPr>
+        <p:cNvPr id="1" name=""/>
+        <p:cNvGrpSpPr/>
+        <p:nvPr/>
+      </p:nvGrpSpPr>
+      <p:grpSpPr>
+        <a:xfrm>
+          <a:off x="0" y="0"/>
+          <a:ext cx="0" cy="0"/>
+          <a:chOff x="0" y="0"/>
+          <a:chExt cx="0" cy="0"/>
+        </a:xfrm>
+      </p:grpSpPr>
+      <p:sp>
+        <p:nvSpPr>
+          <p:cNvPr id="2" name="Slide Image Placeholder 1"/>
+          <p:cNvSpPr>
+            <a:spLocks noGrp="1" noRot="1" noChangeAspect="1"/>
+          </p:cNvSpPr>
+          <p:nvPr>
+            <p:ph type="sldImg"/>
+          </p:nvPr>
+        </p:nvSpPr>
+        <p:spPr/>
+      </p:sp>
+      <p:sp>
+        <p:nvSpPr>
+          <p:cNvPr id="3" name="Notes Placeholder 2"/>
+          <p:cNvSpPr>
+            <a:spLocks noGrp="1"/>
+          </p:cNvSpPr>
+          <p:nvPr>
+            <p:ph type="body" idx="1"/>
+          </p:nvPr>
+        </p:nvSpPr>
+        <p:spPr/>
+        <p:txBody>
+          <a:bodyPr>
+            <a:normAutofit/>
+          </a:bodyPr>
+          <a:lstStyle/>
+          <a:p>
+            <a:endParaRPr lang="en-US" dirty="0"/>
+          </a:p>
+        </p:txBody>
+      </p:sp>
+      <p:sp>
+        <p:nvSpPr>
+          <p:cNvPr id="4" name="Slide Number Placeholder 3"/>
+          <p:cNvSpPr>
+            <a:spLocks noGrp="1"/>
+          </p:cNvSpPr>
+          <p:nvPr>
+            <p:ph type="sldNum" sz="quarter" idx="10"/>
+          </p:nvPr>
+        </p:nvSpPr>
+        <p:spPr/>
+        <p:txBody>
+          <a:bodyPr/>
+          <a:lstStyle/>
+          <a:p>
+            <a:fld id="{A02B9F3F-3042-489F-AF35-1A733968F079}" type="slidenum">
+              <a:rPr lang="en-US" smtClean="0"/>
+              <a:pPr/>
+              <a:t>27</a:t>
+            </a:fld>
+            <a:endParaRPr lang="en-US" dirty="0"/>
+          </a:p>
+        </p:txBody>
+      </p:sp>
+    </p:spTree>
+  </p:cSld>
+  <p:clrMapOvr>
+    <a:masterClrMapping/>
+  </p:clrMapOvr>
+</p:notes>
+</file>
+
+<file path=ppt/notesSlides/notesSlide21.xml><?xml version="1.0" encoding="utf-8"?>
 <p:notes xmlns:a="http://schemas.openxmlformats.org/drawingml/2006/main" xmlns:r="http://schemas.openxmlformats.org/officeDocument/2006/relationships" xmlns:p="http://schemas.openxmlformats.org/presentationml/2006/main">
   <p:cSld>
     <p:spTree>
@@ -1876,7 +1958,7 @@
               <a:pPr/>
               <a:t>28</a:t>
             </a:fld>
-            <a:endParaRPr lang="en-US" smtClean="0"/>
+            <a:endParaRPr lang="en-US" dirty="0" smtClean="0"/>
           </a:p>
         </p:txBody>
       </p:sp>
@@ -1912,7 +1994,7 @@
           <a:bodyPr/>
           <a:lstStyle/>
           <a:p>
-            <a:endParaRPr lang="en-US" smtClean="0"/>
+            <a:endParaRPr lang="en-US" dirty="0" smtClean="0"/>
           </a:p>
         </p:txBody>
       </p:sp>
@@ -1970,7 +2052,7 @@
           </a:bodyPr>
           <a:lstStyle/>
           <a:p>
-            <a:endParaRPr lang="en-US"/>
+            <a:endParaRPr lang="en-US" dirty="0"/>
           </a:p>
         </p:txBody>
       </p:sp>
@@ -1994,7 +2076,7 @@
               <a:pPr/>
               <a:t>3</a:t>
             </a:fld>
-            <a:endParaRPr lang="en-US"/>
+            <a:endParaRPr lang="en-US" dirty="0"/>
           </a:p>
         </p:txBody>
       </p:sp>
@@ -2047,12 +2129,10 @@
         </p:nvSpPr>
         <p:spPr/>
         <p:txBody>
-          <a:bodyPr>
-            <a:normAutofit/>
-          </a:bodyPr>
+          <a:bodyPr/>
           <a:lstStyle/>
           <a:p>
-            <a:endParaRPr lang="en-US"/>
+            <a:endParaRPr lang="en-US" dirty="0"/>
           </a:p>
         </p:txBody>
       </p:sp>
@@ -2074,13 +2154,18 @@
             <a:fld id="{A02B9F3F-3042-489F-AF35-1A733968F079}" type="slidenum">
               <a:rPr lang="en-US" smtClean="0"/>
               <a:pPr/>
-              <a:t>10</a:t>
+              <a:t>9</a:t>
             </a:fld>
-            <a:endParaRPr lang="en-US"/>
+            <a:endParaRPr lang="en-US" dirty="0"/>
           </a:p>
         </p:txBody>
       </p:sp>
     </p:spTree>
+    <p:extLst>
+      <p:ext uri="{BB962C8B-B14F-4D97-AF65-F5344CB8AC3E}">
+        <p14:creationId xmlns:p14="http://schemas.microsoft.com/office/powerpoint/2010/main" val="461154432"/>
+      </p:ext>
+    </p:extLst>
   </p:cSld>
   <p:clrMapOvr>
     <a:masterClrMapping/>
@@ -2134,7 +2219,7 @@
           </a:bodyPr>
           <a:lstStyle/>
           <a:p>
-            <a:endParaRPr lang="en-US"/>
+            <a:endParaRPr lang="en-US" dirty="0"/>
           </a:p>
         </p:txBody>
       </p:sp>
@@ -2156,9 +2241,9 @@
             <a:fld id="{A02B9F3F-3042-489F-AF35-1A733968F079}" type="slidenum">
               <a:rPr lang="en-US" smtClean="0"/>
               <a:pPr/>
-              <a:t>11</a:t>
+              <a:t>10</a:t>
             </a:fld>
-            <a:endParaRPr lang="en-US"/>
+            <a:endParaRPr lang="en-US" dirty="0"/>
           </a:p>
         </p:txBody>
       </p:sp>
@@ -2216,7 +2301,7 @@
           </a:bodyPr>
           <a:lstStyle/>
           <a:p>
-            <a:endParaRPr lang="en-US"/>
+            <a:endParaRPr lang="en-US" dirty="0"/>
           </a:p>
         </p:txBody>
       </p:sp>
@@ -2238,9 +2323,9 @@
             <a:fld id="{A02B9F3F-3042-489F-AF35-1A733968F079}" type="slidenum">
               <a:rPr lang="en-US" smtClean="0"/>
               <a:pPr/>
-              <a:t>12</a:t>
+              <a:t>11</a:t>
             </a:fld>
-            <a:endParaRPr lang="en-US"/>
+            <a:endParaRPr lang="en-US" dirty="0"/>
           </a:p>
         </p:txBody>
       </p:sp>
@@ -2298,7 +2383,7 @@
           </a:bodyPr>
           <a:lstStyle/>
           <a:p>
-            <a:endParaRPr lang="en-US"/>
+            <a:endParaRPr lang="en-US" dirty="0"/>
           </a:p>
         </p:txBody>
       </p:sp>
@@ -2320,9 +2405,9 @@
             <a:fld id="{A02B9F3F-3042-489F-AF35-1A733968F079}" type="slidenum">
               <a:rPr lang="en-US" smtClean="0"/>
               <a:pPr/>
-              <a:t>13</a:t>
+              <a:t>12</a:t>
             </a:fld>
-            <a:endParaRPr lang="en-US"/>
+            <a:endParaRPr lang="en-US" dirty="0"/>
           </a:p>
         </p:txBody>
       </p:sp>
@@ -2380,7 +2465,7 @@
           </a:bodyPr>
           <a:lstStyle/>
           <a:p>
-            <a:endParaRPr lang="en-US"/>
+            <a:endParaRPr lang="en-US" dirty="0"/>
           </a:p>
         </p:txBody>
       </p:sp>
@@ -2402,9 +2487,9 @@
             <a:fld id="{A02B9F3F-3042-489F-AF35-1A733968F079}" type="slidenum">
               <a:rPr lang="en-US" smtClean="0"/>
               <a:pPr/>
-              <a:t>14</a:t>
+              <a:t>13</a:t>
             </a:fld>
-            <a:endParaRPr lang="en-US"/>
+            <a:endParaRPr lang="en-US" dirty="0"/>
           </a:p>
         </p:txBody>
       </p:sp>
@@ -2462,7 +2547,7 @@
           </a:bodyPr>
           <a:lstStyle/>
           <a:p>
-            <a:endParaRPr lang="en-US"/>
+            <a:endParaRPr lang="en-US" dirty="0"/>
           </a:p>
         </p:txBody>
       </p:sp>
@@ -2484,9 +2569,9 @@
             <a:fld id="{A02B9F3F-3042-489F-AF35-1A733968F079}" type="slidenum">
               <a:rPr lang="en-US" smtClean="0"/>
               <a:pPr/>
-              <a:t>15</a:t>
+              <a:t>14</a:t>
             </a:fld>
-            <a:endParaRPr lang="en-US"/>
+            <a:endParaRPr lang="en-US" dirty="0"/>
           </a:p>
         </p:txBody>
       </p:sp>
@@ -4595,7 +4680,7 @@
             </a:lvl9pPr>
           </a:lstStyle>
           <a:p>
-            <a:endParaRPr lang="en-US"/>
+            <a:endParaRPr lang="en-US" dirty="0"/>
           </a:p>
         </p:txBody>
       </p:sp>
@@ -5838,7 +5923,7 @@
             </a:lvl9pPr>
           </a:lstStyle>
           <a:p>
-            <a:endParaRPr lang="en-US"/>
+            <a:endParaRPr lang="en-US" dirty="0"/>
           </a:p>
         </p:txBody>
       </p:sp>
@@ -6629,16 +6714,6 @@
           <a:p>
             <a:pPr algn="r"/>
             <a:r>
-              <a:rPr lang="en-US" sz="1100" dirty="0" err="1" smtClean="0">
-                <a:solidFill>
-                  <a:srgbClr val="000000"/>
-                </a:solidFill>
-                <a:latin typeface="Comic Sans MS" pitchFamily="66" charset="0"/>
-                <a:cs typeface="Comic Sans MS"/>
-              </a:rPr>
-              <a:t>lec</a:t>
-            </a:r>
-            <a:r>
               <a:rPr lang="en-US" sz="1100" dirty="0" smtClean="0">
                 <a:solidFill>
                   <a:srgbClr val="000000"/>
@@ -6646,7 +6721,7 @@
                 <a:latin typeface="Comic Sans MS" pitchFamily="66" charset="0"/>
                 <a:cs typeface="Comic Sans MS"/>
               </a:rPr>
-              <a:t> 4M.</a:t>
+              <a:t>lec 4M.</a:t>
             </a:r>
             <a:fld id="{89C6A585-43E0-42A7-B7F4-EFE79D431EC1}" type="slidenum">
               <a:rPr lang="en-US" sz="1100" smtClean="0">
@@ -7350,7 +7425,7 @@
               <a:t>      </a:t>
             </a:r>
             <a:r>
-              <a:rPr lang="en-US" sz="1200" dirty="0" err="1">
+              <a:rPr lang="en-US" sz="1200" dirty="0">
                 <a:solidFill>
                   <a:srgbClr val="000000"/>
                 </a:solidFill>
@@ -8043,17 +8118,6 @@
               <a:defRPr/>
             </a:pPr>
             <a:r>
-              <a:rPr lang="en-US" sz="8000" kern="0" dirty="0" err="1" smtClean="0">
-                <a:solidFill>
-                  <a:schemeClr val="tx2"/>
-                </a:solidFill>
-                <a:latin typeface="Comic Sans MS" pitchFamily="66" charset="0"/>
-                <a:ea typeface="+mj-ea"/>
-                <a:cs typeface="Comic Sans MS"/>
-              </a:rPr>
-              <a:t>Noncomputable</a:t>
-            </a:r>
-            <a:r>
               <a:rPr lang="en-US" sz="8000" kern="0" dirty="0" smtClean="0">
                 <a:solidFill>
                   <a:schemeClr val="tx2"/>
@@ -8062,7 +8126,7 @@
                 <a:ea typeface="+mj-ea"/>
                 <a:cs typeface="Comic Sans MS"/>
               </a:rPr>
-              <a:t> </a:t>
+              <a:t>Noncomputable </a:t>
             </a:r>
           </a:p>
         </p:txBody>
@@ -8074,10 +8138,10 @@
   </p:clrMapOvr>
   <mc:AlternateContent xmlns:mc="http://schemas.openxmlformats.org/markup-compatibility/2006" xmlns:p14="http://schemas.microsoft.com/office/powerpoint/2010/main">
     <mc:Choice Requires="p14">
-      <p:transition spd="slow" p14:dur="2000" advTm="18455"/>
+      <p:transition spd="slow" p14:dur="2000" advTm="47159"/>
     </mc:Choice>
     <mc:Fallback xmlns="">
-      <p:transition xmlns:p14="http://schemas.microsoft.com/office/powerpoint/2010/main" spd="slow" advTm="18455"/>
+      <p:transition xmlns:p14="http://schemas.microsoft.com/office/powerpoint/2010/main" spd="slow" advTm="47159"/>
     </mc:Fallback>
   </mc:AlternateContent>
   <p:timing>
@@ -8179,25 +8243,7 @@
                 </a:solidFill>
                 <a:latin typeface="Comic Sans MS"/>
               </a:rPr>
-              <a:t>  </a:t>
-            </a:r>
-            <a:r>
-              <a:rPr lang="en-US" sz="5400" dirty="0" err="1">
-                <a:solidFill>
-                  <a:srgbClr val="0000FF"/>
-                </a:solidFill>
-                <a:latin typeface="Comic Sans MS"/>
-              </a:rPr>
-              <a:t>pow</a:t>
-            </a:r>
-            <a:r>
-              <a:rPr lang="en-US" sz="5400" dirty="0">
-                <a:solidFill>
-                  <a:srgbClr val="0000FF"/>
-                </a:solidFill>
-                <a:latin typeface="Comic Sans MS"/>
-              </a:rPr>
-              <a:t>(A</a:t>
+              <a:t>  pow(A</a:t>
             </a:r>
             <a:r>
               <a:rPr lang="en-US" sz="5400" dirty="0" smtClean="0">
@@ -8257,7 +8303,7 @@
   <p:clrMapOvr>
     <a:masterClrMapping/>
   </p:clrMapOvr>
-  <p:transition xmlns:p14="http://schemas.microsoft.com/office/powerpoint/2010/main" spd="slow" advTm="36205">
+  <p:transition xmlns:p14="http://schemas.microsoft.com/office/powerpoint/2010/main" spd="slow" advTm="24718">
     <p:fade thruBlk="1"/>
   </p:transition>
   <p:timing>
@@ -8523,7 +8569,7 @@
               <a:t>A </a:t>
             </a:r>
             <a:r>
-              <a:rPr lang="en-US" sz="4000" b="0" dirty="0" err="1">
+              <a:rPr lang="en-US" sz="4000" b="0" dirty="0">
                 <a:solidFill>
                   <a:srgbClr val="9933FF"/>
                 </a:solidFill>
@@ -8539,20 +8585,12 @@
               <a:t> </a:t>
             </a:r>
             <a:r>
-              <a:rPr lang="en-US" sz="4000" b="0" dirty="0" err="1" smtClean="0">
-                <a:solidFill>
-                  <a:srgbClr val="0000FF"/>
-                </a:solidFill>
-              </a:rPr>
-              <a:t>Pow</a:t>
-            </a:r>
-            <a:r>
               <a:rPr lang="en-US" sz="4000" b="0" dirty="0" smtClean="0">
                 <a:solidFill>
                   <a:srgbClr val="0000FF"/>
                 </a:solidFill>
               </a:rPr>
-              <a:t>(A)</a:t>
+              <a:t>Pow(A)</a:t>
             </a:r>
             <a:r>
               <a:rPr lang="en-US" sz="4400" b="0" dirty="0" smtClean="0">
@@ -8582,8 +8620,8 @@
         </p:nvSpPr>
         <p:spPr>
           <a:xfrm>
-            <a:off x="446616" y="2962006"/>
-            <a:ext cx="8335497" cy="3462847"/>
+            <a:off x="115458" y="2280387"/>
+            <a:ext cx="8938341" cy="3983461"/>
           </a:xfrm>
         </p:spPr>
         <p:txBody>
@@ -8591,22 +8629,34 @@
           <a:lstStyle/>
           <a:p>
             <a:r>
+              <a:rPr lang="en-US" dirty="0" smtClean="0"/>
+              <a:t>Define a subset of</a:t>
+            </a:r>
+            <a:r>
               <a:rPr lang="en-US" dirty="0" smtClean="0">
                 <a:solidFill>
                   <a:srgbClr val="0000FF"/>
                 </a:solidFill>
               </a:rPr>
-              <a:t>W::= {a </a:t>
-            </a:r>
-            <a:r>
-              <a:rPr lang="en-US" sz="4400" b="1" dirty="0" smtClean="0">
+              <a:t> A </a:t>
+            </a:r>
+            <a:r>
+              <a:rPr lang="en-US" dirty="0" smtClean="0">
                 <a:solidFill>
-                  <a:srgbClr val="0000FF"/>
+                  <a:srgbClr val="000000"/>
                 </a:solidFill>
-                <a:latin typeface="Symbol" charset="2"/>
-                <a:cs typeface="Symbol" charset="2"/>
               </a:rPr>
-              <a:t>∈</a:t>
+              <a:t>tha</a:t>
+            </a:r>
+            <a:r>
+              <a:rPr lang="en-US" dirty="0" smtClean="0"/>
+              <a:t>t is not in </a:t>
+            </a:r>
+          </a:p>
+          <a:p>
+            <a:r>
+              <a:rPr lang="en-US" dirty="0" smtClean="0"/>
+              <a:t>the range of </a:t>
             </a:r>
             <a:r>
               <a:rPr lang="en-US" dirty="0" smtClean="0">
@@ -8614,328 +8664,23 @@
                   <a:srgbClr val="0000FF"/>
                 </a:solidFill>
               </a:rPr>
-              <a:t>A | a</a:t>
-            </a:r>
-            <a:r>
-              <a:rPr lang="en-US" sz="4400" dirty="0" smtClean="0">
-                <a:solidFill>
-                  <a:srgbClr val="0000FF"/>
-                </a:solidFill>
-              </a:rPr>
-              <a:t> </a:t>
-            </a:r>
-            <a:r>
-              <a:rPr lang="en-US" sz="4400" dirty="0" smtClean="0">
-                <a:solidFill>
-                  <a:srgbClr val="0000FF"/>
-                </a:solidFill>
-                <a:latin typeface="Symbol" charset="2"/>
-                <a:cs typeface="Symbol" charset="2"/>
-                <a:sym typeface="Euclid Symbol"/>
-              </a:rPr>
-              <a:t>∉</a:t>
-            </a:r>
+              <a:t>f</a:t>
+            </a:r>
+            <a:r>
+              <a:rPr lang="en-US" dirty="0" smtClean="0"/>
+              <a:t>: namely</a:t>
+            </a:r>
+          </a:p>
+          <a:p>
             <a:r>
               <a:rPr lang="en-US" dirty="0" smtClean="0">
                 <a:solidFill>
                   <a:srgbClr val="0000FF"/>
                 </a:solidFill>
               </a:rPr>
-              <a:t> f(a)}</a:t>
-            </a:r>
-            <a:r>
-              <a:rPr lang="en-US" dirty="0" smtClean="0"/>
-              <a:t>, so</a:t>
-            </a:r>
-          </a:p>
-          <a:p>
-            <a:pPr algn="ctr"/>
-            <a:r>
-              <a:rPr lang="en-US" dirty="0" smtClean="0">
-                <a:solidFill>
-                  <a:srgbClr val="0000FF"/>
-                </a:solidFill>
-              </a:rPr>
-              <a:t>a </a:t>
-            </a:r>
-            <a:r>
-              <a:rPr lang="en-US" b="1" dirty="0" smtClean="0">
-                <a:solidFill>
-                  <a:srgbClr val="0000FF"/>
-                </a:solidFill>
-                <a:latin typeface="Symbol" charset="2"/>
-                <a:cs typeface="Symbol" charset="2"/>
-              </a:rPr>
-              <a:t>∈</a:t>
-            </a:r>
-            <a:r>
-              <a:rPr lang="en-US" dirty="0" smtClean="0">
-                <a:solidFill>
-                  <a:srgbClr val="0000FF"/>
-                </a:solidFill>
-              </a:rPr>
-              <a:t>W </a:t>
-            </a:r>
-            <a:r>
-              <a:rPr lang="en-US" dirty="0" err="1" smtClean="0">
-                <a:solidFill>
-                  <a:schemeClr val="tx1">
-                    <a:lumMod val="95000"/>
-                    <a:lumOff val="5000"/>
-                  </a:schemeClr>
-                </a:solidFill>
-              </a:rPr>
-              <a:t>iff</a:t>
-            </a:r>
-            <a:r>
-              <a:rPr lang="en-US" dirty="0" smtClean="0">
-                <a:solidFill>
-                  <a:srgbClr val="0000FF"/>
-                </a:solidFill>
-              </a:rPr>
-              <a:t> a </a:t>
-            </a:r>
-            <a:r>
-              <a:rPr lang="en-US" sz="4400" dirty="0" smtClean="0">
-                <a:solidFill>
-                  <a:srgbClr val="0000FF"/>
-                </a:solidFill>
-                <a:latin typeface="Symbol" charset="2"/>
-                <a:cs typeface="Symbol" charset="2"/>
-                <a:sym typeface="Euclid Symbol"/>
-              </a:rPr>
-              <a:t>∉</a:t>
-            </a:r>
-            <a:r>
-              <a:rPr lang="en-US" dirty="0" smtClean="0">
-                <a:solidFill>
-                  <a:srgbClr val="0000FF"/>
-                </a:solidFill>
-              </a:rPr>
-              <a:t> f(a)</a:t>
-            </a:r>
-            <a:r>
-              <a:rPr lang="en-US" dirty="0" smtClean="0">
-                <a:solidFill>
-                  <a:schemeClr val="tx1">
-                    <a:lumMod val="95000"/>
-                    <a:lumOff val="5000"/>
-                  </a:schemeClr>
-                </a:solidFill>
-              </a:rPr>
-              <a:t>.</a:t>
-            </a:r>
-          </a:p>
-          <a:p>
-            <a:r>
-              <a:rPr lang="en-US" dirty="0" smtClean="0">
-                <a:solidFill>
-                  <a:srgbClr val="0000FF"/>
-                </a:solidFill>
-              </a:rPr>
-              <a:t>f </a:t>
-            </a:r>
-            <a:r>
-              <a:rPr lang="en-US" dirty="0" smtClean="0"/>
-              <a:t>a </a:t>
-            </a:r>
-            <a:r>
-              <a:rPr lang="en-US" dirty="0" err="1" smtClean="0"/>
-              <a:t>surj</a:t>
-            </a:r>
-            <a:r>
-              <a:rPr lang="en-US" dirty="0" smtClean="0"/>
-              <a:t>, so </a:t>
-            </a:r>
-            <a:r>
-              <a:rPr lang="en-US" dirty="0" smtClean="0">
-                <a:solidFill>
-                  <a:srgbClr val="0000FF"/>
-                </a:solidFill>
-              </a:rPr>
-              <a:t>W=f(a</a:t>
-            </a:r>
-            <a:r>
-              <a:rPr lang="en-US" baseline="-25000" dirty="0" smtClean="0">
-                <a:solidFill>
-                  <a:srgbClr val="0000FF"/>
-                </a:solidFill>
-              </a:rPr>
-              <a:t>0</a:t>
-            </a:r>
-            <a:r>
-              <a:rPr lang="en-US" dirty="0" smtClean="0">
-                <a:solidFill>
-                  <a:srgbClr val="0000FF"/>
-                </a:solidFill>
-              </a:rPr>
-              <a:t>)</a:t>
-            </a:r>
-            <a:r>
-              <a:rPr lang="en-US" dirty="0" smtClean="0"/>
-              <a:t>, some</a:t>
-            </a:r>
-            <a:r>
-              <a:rPr lang="en-US" dirty="0" smtClean="0">
-                <a:solidFill>
-                  <a:srgbClr val="0000FF"/>
-                </a:solidFill>
-              </a:rPr>
-              <a:t> a</a:t>
-            </a:r>
-            <a:r>
-              <a:rPr lang="en-US" baseline="-25000" dirty="0" smtClean="0">
-                <a:solidFill>
-                  <a:srgbClr val="0000FF"/>
-                </a:solidFill>
-              </a:rPr>
-              <a:t>0</a:t>
-            </a:r>
-            <a:r>
-              <a:rPr lang="en-US" dirty="0" smtClean="0">
-                <a:solidFill>
-                  <a:srgbClr val="0000FF"/>
-                </a:solidFill>
-              </a:rPr>
-              <a:t> </a:t>
-            </a:r>
-            <a:r>
-              <a:rPr lang="en-US" b="1" dirty="0" smtClean="0">
-                <a:solidFill>
-                  <a:srgbClr val="0000FF"/>
-                </a:solidFill>
-                <a:latin typeface="Symbol" charset="2"/>
-                <a:cs typeface="Symbol" charset="2"/>
-              </a:rPr>
-              <a:t>∈</a:t>
-            </a:r>
-            <a:r>
-              <a:rPr lang="en-US" dirty="0" smtClean="0">
-                <a:solidFill>
-                  <a:srgbClr val="0000FF"/>
-                </a:solidFill>
-              </a:rPr>
-              <a:t>A</a:t>
-            </a:r>
-            <a:r>
-              <a:rPr lang="en-US" dirty="0" smtClean="0"/>
-              <a:t>.</a:t>
-            </a:r>
-          </a:p>
-          <a:p>
-            <a:r>
-              <a:rPr lang="en-US" dirty="0" smtClean="0"/>
-              <a:t>So</a:t>
-            </a:r>
-            <a:r>
-              <a:rPr lang="en-US" sz="4400" dirty="0" smtClean="0"/>
-              <a:t>,   </a:t>
-            </a:r>
-            <a:r>
-              <a:rPr lang="en-US" sz="4400" dirty="0" smtClean="0">
-                <a:solidFill>
-                  <a:srgbClr val="0000FF"/>
-                </a:solidFill>
-              </a:rPr>
-              <a:t>  a </a:t>
-            </a:r>
-            <a:r>
-              <a:rPr lang="en-US" sz="4400" baseline="-25000" dirty="0" smtClean="0">
-                <a:solidFill>
-                  <a:srgbClr val="0000FF"/>
-                </a:solidFill>
-              </a:rPr>
-              <a:t> </a:t>
-            </a:r>
-            <a:r>
-              <a:rPr lang="en-US" sz="4400" b="1" dirty="0" smtClean="0">
-                <a:solidFill>
-                  <a:srgbClr val="0000FF"/>
-                </a:solidFill>
-                <a:latin typeface="Symbol" charset="2"/>
-                <a:cs typeface="Symbol" charset="2"/>
-              </a:rPr>
-              <a:t>∈</a:t>
-            </a:r>
-            <a:r>
-              <a:rPr lang="en-US" sz="4400" dirty="0" smtClean="0">
-                <a:solidFill>
-                  <a:srgbClr val="0000FF"/>
-                </a:solidFill>
-              </a:rPr>
-              <a:t>f(a</a:t>
-            </a:r>
-            <a:r>
-              <a:rPr lang="en-US" sz="4400" baseline="-25000" dirty="0" smtClean="0">
-                <a:solidFill>
-                  <a:srgbClr val="0000FF"/>
-                </a:solidFill>
-              </a:rPr>
-              <a:t>0</a:t>
-            </a:r>
-            <a:r>
-              <a:rPr lang="en-US" sz="4400" dirty="0" smtClean="0">
-                <a:solidFill>
-                  <a:srgbClr val="0000FF"/>
-                </a:solidFill>
-              </a:rPr>
-              <a:t>) </a:t>
-            </a:r>
-            <a:r>
-              <a:rPr lang="en-US" sz="4400" dirty="0" err="1" smtClean="0">
-                <a:solidFill>
-                  <a:schemeClr val="tx1">
-                    <a:lumMod val="95000"/>
-                    <a:lumOff val="5000"/>
-                  </a:schemeClr>
-                </a:solidFill>
-              </a:rPr>
-              <a:t>iff</a:t>
-            </a:r>
-            <a:r>
-              <a:rPr lang="en-US" sz="4400" dirty="0" smtClean="0">
-                <a:solidFill>
-                  <a:srgbClr val="0000FF"/>
-                </a:solidFill>
-              </a:rPr>
-              <a:t> a</a:t>
-            </a:r>
-            <a:r>
-              <a:rPr lang="en-US" sz="4400" baseline="-25000" dirty="0" smtClean="0">
-                <a:solidFill>
-                  <a:srgbClr val="0000FF"/>
-                </a:solidFill>
-              </a:rPr>
-              <a:t>  </a:t>
-            </a:r>
-            <a:r>
-              <a:rPr lang="en-US" sz="4400" dirty="0" smtClean="0">
-                <a:solidFill>
-                  <a:srgbClr val="0000FF"/>
-                </a:solidFill>
-                <a:latin typeface="Symbol" charset="2"/>
-                <a:cs typeface="Symbol" charset="2"/>
-                <a:sym typeface="Euclid Symbol"/>
-              </a:rPr>
-              <a:t>∉</a:t>
-            </a:r>
-            <a:r>
-              <a:rPr lang="en-US" sz="4400" dirty="0" smtClean="0">
-                <a:solidFill>
-                  <a:srgbClr val="0000FF"/>
-                </a:solidFill>
-              </a:rPr>
-              <a:t> f(a )</a:t>
-            </a:r>
-            <a:r>
-              <a:rPr lang="en-US" sz="4400" dirty="0" smtClean="0"/>
-              <a:t>.</a:t>
-            </a:r>
-            <a:endParaRPr lang="en-US" sz="4400" dirty="0">
-              <a:solidFill>
-                <a:srgbClr val="0000FF"/>
-              </a:solidFill>
-            </a:endParaRPr>
+              <a:t>     </a:t>
+            </a:r>
+            <a:endParaRPr lang="en-US" dirty="0"/>
           </a:p>
         </p:txBody>
       </p:sp>
@@ -8947,8 +8692,8 @@
         </p:nvSpPr>
         <p:spPr>
           <a:xfrm>
-            <a:off x="503754" y="1439869"/>
-            <a:ext cx="7791942" cy="1446550"/>
+            <a:off x="270669" y="1516845"/>
+            <a:ext cx="8087570" cy="769441"/>
           </a:xfrm>
           <a:prstGeom prst="rect">
             <a:avLst/>
@@ -8966,47 +8711,7 @@
                 <a:latin typeface="Comic Sans MS"/>
                 <a:cs typeface="Comic Sans MS"/>
               </a:rPr>
-              <a:t>Pf by contradiction:  suppose</a:t>
-            </a:r>
-          </a:p>
-          <a:p>
-            <a:r>
-              <a:rPr lang="en-US" sz="4400" dirty="0" err="1" smtClean="0">
-                <a:latin typeface="Comic Sans MS"/>
-                <a:cs typeface="Comic Sans MS"/>
-              </a:rPr>
-              <a:t>surj</a:t>
-            </a:r>
-            <a:r>
-              <a:rPr lang="en-US" sz="4400" dirty="0" smtClean="0">
-                <a:latin typeface="Comic Sans MS"/>
-                <a:cs typeface="Comic Sans MS"/>
-              </a:rPr>
-              <a:t> </a:t>
-            </a:r>
-            <a:r>
-              <a:rPr lang="en-US" sz="4400" dirty="0" err="1" smtClean="0">
-                <a:latin typeface="Comic Sans MS"/>
-                <a:cs typeface="Comic Sans MS"/>
-              </a:rPr>
-              <a:t>fcn</a:t>
-            </a:r>
-            <a:r>
-              <a:rPr lang="en-US" sz="4400" dirty="0" smtClean="0">
-                <a:latin typeface="Comic Sans MS"/>
-                <a:cs typeface="Comic Sans MS"/>
-              </a:rPr>
-              <a:t> </a:t>
-            </a:r>
-            <a:r>
-              <a:rPr lang="en-US" sz="4400" dirty="0" err="1" smtClean="0">
-                <a:solidFill>
-                  <a:srgbClr val="0000FF"/>
-                </a:solidFill>
-                <a:latin typeface="Comic Sans MS"/>
-                <a:cs typeface="Comic Sans MS"/>
-              </a:rPr>
-              <a:t>f:A→pow(A</a:t>
+              <a:t>Pf: say have fcn  </a:t>
             </a:r>
             <a:r>
               <a:rPr lang="en-US" sz="4400" dirty="0" smtClean="0">
@@ -9016,180 +8721,135 @@
                 <a:latin typeface="Comic Sans MS"/>
                 <a:cs typeface="Comic Sans MS"/>
               </a:rPr>
-              <a:t>)</a:t>
+              <a:t>f:A→pow(A)</a:t>
             </a:r>
             <a:r>
               <a:rPr lang="en-US" sz="4400" dirty="0" smtClean="0">
                 <a:latin typeface="Comic Sans MS"/>
                 <a:cs typeface="Comic Sans MS"/>
               </a:rPr>
-              <a:t>.  Let</a:t>
+              <a:t>.  </a:t>
             </a:r>
           </a:p>
         </p:txBody>
       </p:sp>
-      <p:sp>
-        <p:nvSpPr>
-          <p:cNvPr id="7" name="TextBox 6"/>
-          <p:cNvSpPr txBox="1"/>
-          <p:nvPr/>
-        </p:nvSpPr>
-        <p:spPr>
-          <a:xfrm>
-            <a:off x="507998" y="1439337"/>
-            <a:ext cx="5402666" cy="769441"/>
-          </a:xfrm>
-          <a:prstGeom prst="rect">
-            <a:avLst/>
-          </a:prstGeom>
-          <a:noFill/>
-        </p:spPr>
-        <p:txBody>
-          <a:bodyPr wrap="none" rtlCol="0">
-            <a:spAutoFit/>
-          </a:bodyPr>
-          <a:lstStyle/>
-          <a:p>
-            <a:r>
-              <a:rPr lang="en-US" sz="4400" dirty="0" smtClean="0">
-                <a:solidFill>
-                  <a:srgbClr val="000000"/>
-                </a:solidFill>
-                <a:latin typeface="Comic Sans MS"/>
-                <a:cs typeface="Comic Sans MS"/>
-              </a:rPr>
-              <a:t>Pf by contradiction: </a:t>
-            </a:r>
-            <a:endParaRPr lang="en-US" sz="5400" dirty="0" smtClean="0">
-              <a:latin typeface="Comic Sans MS" pitchFamily="66" charset="0"/>
-              <a:cs typeface="Comic Sans MS"/>
-            </a:endParaRPr>
-          </a:p>
-        </p:txBody>
-      </p:sp>
-      <p:grpSp>
-        <p:nvGrpSpPr>
-          <p:cNvPr id="11" name="Group 10"/>
-          <p:cNvGrpSpPr/>
-          <p:nvPr/>
-        </p:nvGrpSpPr>
-        <p:grpSpPr>
-          <a:xfrm>
-            <a:off x="2359747" y="5532260"/>
-            <a:ext cx="5171438" cy="566693"/>
-            <a:chOff x="2359747" y="5532260"/>
-            <a:chExt cx="5171438" cy="566693"/>
-          </a:xfrm>
-        </p:grpSpPr>
-        <p:sp>
-          <p:nvSpPr>
-            <p:cNvPr id="6" name="TextBox 5"/>
-            <p:cNvSpPr txBox="1"/>
-            <p:nvPr/>
-          </p:nvSpPr>
-          <p:spPr>
-            <a:xfrm>
-              <a:off x="2359747" y="5555215"/>
-              <a:ext cx="414263" cy="543738"/>
-            </a:xfrm>
-            <a:prstGeom prst="rect">
-              <a:avLst/>
-            </a:prstGeom>
-            <a:noFill/>
-          </p:spPr>
-          <p:txBody>
-            <a:bodyPr wrap="none" rtlCol="0">
-              <a:spAutoFit/>
-            </a:bodyPr>
-            <a:lstStyle/>
-            <a:p>
-              <a:r>
-                <a:rPr lang="en-US" sz="4400" baseline="-25000" dirty="0" smtClean="0">
-                  <a:solidFill>
-                    <a:srgbClr val="0000FF"/>
-                  </a:solidFill>
-                  <a:latin typeface="Comic Sans MS"/>
-                  <a:cs typeface="Comic Sans MS"/>
-                </a:rPr>
-                <a:t>0</a:t>
-              </a:r>
-            </a:p>
-          </p:txBody>
-        </p:sp>
-        <p:sp>
-          <p:nvSpPr>
-            <p:cNvPr id="8" name="TextBox 7"/>
-            <p:cNvSpPr txBox="1"/>
-            <p:nvPr/>
-          </p:nvSpPr>
-          <p:spPr>
-            <a:xfrm>
-              <a:off x="7116922" y="5543739"/>
-              <a:ext cx="414263" cy="543738"/>
-            </a:xfrm>
-            <a:prstGeom prst="rect">
-              <a:avLst/>
-            </a:prstGeom>
-            <a:noFill/>
-          </p:spPr>
-          <p:txBody>
-            <a:bodyPr wrap="none" rtlCol="0">
-              <a:spAutoFit/>
-            </a:bodyPr>
-            <a:lstStyle/>
-            <a:p>
-              <a:r>
-                <a:rPr lang="en-US" sz="4400" baseline="-25000" dirty="0" smtClean="0">
-                  <a:solidFill>
-                    <a:srgbClr val="0000FF"/>
-                  </a:solidFill>
-                  <a:latin typeface="Comic Sans MS"/>
-                  <a:cs typeface="Comic Sans MS"/>
-                </a:rPr>
-                <a:t>0</a:t>
-              </a:r>
-            </a:p>
-          </p:txBody>
-        </p:sp>
-        <p:sp>
-          <p:nvSpPr>
-            <p:cNvPr id="9" name="TextBox 8"/>
-            <p:cNvSpPr txBox="1"/>
-            <p:nvPr/>
-          </p:nvSpPr>
-          <p:spPr>
-            <a:xfrm>
-              <a:off x="5565064" y="5532260"/>
-              <a:ext cx="414263" cy="543738"/>
-            </a:xfrm>
-            <a:prstGeom prst="rect">
-              <a:avLst/>
-            </a:prstGeom>
-            <a:noFill/>
-          </p:spPr>
-          <p:txBody>
-            <a:bodyPr wrap="none" rtlCol="0">
-              <a:spAutoFit/>
-            </a:bodyPr>
-            <a:lstStyle/>
-            <a:p>
-              <a:r>
-                <a:rPr lang="en-US" sz="4400" baseline="-25000" dirty="0" smtClean="0">
-                  <a:solidFill>
-                    <a:srgbClr val="0000FF"/>
-                  </a:solidFill>
-                  <a:latin typeface="Comic Sans MS"/>
-                  <a:cs typeface="Comic Sans MS"/>
-                </a:rPr>
-                <a:t>0</a:t>
-              </a:r>
-            </a:p>
-          </p:txBody>
-        </p:sp>
-      </p:grpSp>
+      <p:graphicFrame>
+        <p:nvGraphicFramePr>
+          <p:cNvPr id="6" name="Object 5"/>
+          <p:cNvGraphicFramePr>
+            <a:graphicFrameLocks noChangeAspect="1"/>
+          </p:cNvGraphicFramePr>
+          <p:nvPr>
+            <p:extLst>
+              <p:ext uri="{D42A27DB-BD31-4B8C-83A1-F6EECF244321}">
+                <p14:modId xmlns:p14="http://schemas.microsoft.com/office/powerpoint/2010/main" val="203542317"/>
+              </p:ext>
+            </p:extLst>
+          </p:nvPr>
+        </p:nvGraphicFramePr>
+        <p:xfrm>
+          <a:off x="1147846" y="3547667"/>
+          <a:ext cx="6808593" cy="1487592"/>
+        </p:xfrm>
+        <a:graphic>
+          <a:graphicData uri="http://schemas.openxmlformats.org/presentationml/2006/ole">
+            <mc:AlternateContent xmlns:mc="http://schemas.openxmlformats.org/markup-compatibility/2006">
+              <mc:Choice xmlns:v="urn:schemas-microsoft-com:vml" Requires="v">
+                <p:oleObj spid="_x0000_s79897" name="Equation" r:id="rId5" imgW="1511300" imgH="330200" progId="Equation.DSMT4">
+                  <p:embed/>
+                </p:oleObj>
+              </mc:Choice>
+              <mc:Fallback>
+                <p:oleObj name="Equation" r:id="rId5" imgW="1511300" imgH="330200" progId="Equation.DSMT4">
+                  <p:embed/>
+                  <p:pic>
+                    <p:nvPicPr>
+                      <p:cNvPr id="0" name=""/>
+                      <p:cNvPicPr/>
+                      <p:nvPr/>
+                    </p:nvPicPr>
+                    <p:blipFill>
+                      <a:blip r:embed="rId6"/>
+                      <a:stretch>
+                        <a:fillRect/>
+                      </a:stretch>
+                    </p:blipFill>
+                    <p:spPr>
+                      <a:xfrm>
+                        <a:off x="1147846" y="3547667"/>
+                        <a:ext cx="6808593" cy="1487592"/>
+                      </a:xfrm>
+                      <a:prstGeom prst="rect">
+                        <a:avLst/>
+                      </a:prstGeom>
+                    </p:spPr>
+                  </p:pic>
+                </p:oleObj>
+              </mc:Fallback>
+            </mc:AlternateContent>
+          </a:graphicData>
+        </a:graphic>
+      </p:graphicFrame>
+      <p:graphicFrame>
+        <p:nvGraphicFramePr>
+          <p:cNvPr id="8" name="Object 7"/>
+          <p:cNvGraphicFramePr>
+            <a:graphicFrameLocks noChangeAspect="1"/>
+          </p:cNvGraphicFramePr>
+          <p:nvPr>
+            <p:extLst>
+              <p:ext uri="{D42A27DB-BD31-4B8C-83A1-F6EECF244321}">
+                <p14:modId xmlns:p14="http://schemas.microsoft.com/office/powerpoint/2010/main" val="3053401875"/>
+              </p:ext>
+            </p:extLst>
+          </p:nvPr>
+        </p:nvGraphicFramePr>
+        <p:xfrm>
+          <a:off x="1223963" y="5073650"/>
+          <a:ext cx="6621462" cy="1192213"/>
+        </p:xfrm>
+        <a:graphic>
+          <a:graphicData uri="http://schemas.openxmlformats.org/presentationml/2006/ole">
+            <mc:AlternateContent xmlns:mc="http://schemas.openxmlformats.org/markup-compatibility/2006">
+              <mc:Choice xmlns:v="urn:schemas-microsoft-com:vml" Requires="v">
+                <p:oleObj spid="_x0000_s79898" name="Equation" r:id="rId7" imgW="1270000" imgH="228600" progId="Equation.DSMT4">
+                  <p:embed/>
+                </p:oleObj>
+              </mc:Choice>
+              <mc:Fallback>
+                <p:oleObj name="Equation" r:id="rId7" imgW="1270000" imgH="228600" progId="Equation.DSMT4">
+                  <p:embed/>
+                  <p:pic>
+                    <p:nvPicPr>
+                      <p:cNvPr id="0" name=""/>
+                      <p:cNvPicPr/>
+                      <p:nvPr/>
+                    </p:nvPicPr>
+                    <p:blipFill>
+                      <a:blip r:embed="rId8"/>
+                      <a:stretch>
+                        <a:fillRect/>
+                      </a:stretch>
+                    </p:blipFill>
+                    <p:spPr>
+                      <a:xfrm>
+                        <a:off x="1223963" y="5073650"/>
+                        <a:ext cx="6621462" cy="1192213"/>
+                      </a:xfrm>
+                      <a:prstGeom prst="rect">
+                        <a:avLst/>
+                      </a:prstGeom>
+                    </p:spPr>
+                  </p:pic>
+                </p:oleObj>
+              </mc:Fallback>
+            </mc:AlternateContent>
+          </a:graphicData>
+        </a:graphic>
+      </p:graphicFrame>
     </p:spTree>
     <p:custDataLst>
-      <p:tags r:id="rId1"/>
+      <p:tags r:id="rId2"/>
     </p:custDataLst>
   </p:cSld>
   <p:clrMapOvr>
@@ -9197,12 +8857,12 @@
   </p:clrMapOvr>
   <mc:AlternateContent xmlns:mc="http://schemas.openxmlformats.org/markup-compatibility/2006" xmlns:p14="http://schemas.microsoft.com/office/powerpoint/2010/main">
     <mc:Choice Requires="p14">
-      <p:transition spd="slow" p14:dur="1050" advTm="145642">
+      <p:transition spd="slow" p14:dur="1050" advTm="100254">
         <p:fade/>
       </p:transition>
     </mc:Choice>
     <mc:Fallback xmlns="">
-      <p:transition xmlns:p14="http://schemas.microsoft.com/office/powerpoint/2010/main" spd="slow" advTm="145642">
+      <p:transition xmlns:p14="http://schemas.microsoft.com/office/powerpoint/2010/main" spd="slow" advTm="100254">
         <p:fade/>
       </p:transition>
     </mc:Fallback>
@@ -9228,7 +8888,7 @@
                             </p:stCondLst>
                             <p:childTnLst>
                               <p:par>
-                                <p:cTn id="5" presetID="9" presetClass="entr" presetSubtype="0" fill="hold" grpId="0" nodeType="clickEffect">
+                                <p:cTn id="5" presetID="1" presetClass="entr" presetSubtype="0" fill="hold" grpId="0" nodeType="clickEffect">
                                   <p:stCondLst>
                                     <p:cond delay="0"/>
                                   </p:stCondLst>
@@ -9236,59 +8896,6 @@
                                     <p:set>
                                       <p:cBhvr>
                                         <p:cTn id="6" dur="1" fill="hold">
-                                          <p:stCondLst>
-                                            <p:cond delay="0"/>
-                                          </p:stCondLst>
-                                        </p:cTn>
-                                        <p:tgtEl>
-                                          <p:spTgt spid="7"/>
-                                        </p:tgtEl>
-                                        <p:attrNameLst>
-                                          <p:attrName>style.visibility</p:attrName>
-                                        </p:attrNameLst>
-                                      </p:cBhvr>
-                                      <p:to>
-                                        <p:strVal val="visible"/>
-                                      </p:to>
-                                    </p:set>
-                                    <p:animEffect transition="in" filter="dissolve">
-                                      <p:cBhvr>
-                                        <p:cTn id="7" dur="500"/>
-                                        <p:tgtEl>
-                                          <p:spTgt spid="7"/>
-                                        </p:tgtEl>
-                                      </p:cBhvr>
-                                    </p:animEffect>
-                                  </p:childTnLst>
-                                </p:cTn>
-                              </p:par>
-                            </p:childTnLst>
-                          </p:cTn>
-                        </p:par>
-                      </p:childTnLst>
-                    </p:cTn>
-                  </p:par>
-                  <p:par>
-                    <p:cTn id="8" fill="hold">
-                      <p:stCondLst>
-                        <p:cond delay="indefinite"/>
-                      </p:stCondLst>
-                      <p:childTnLst>
-                        <p:par>
-                          <p:cTn id="9" fill="hold">
-                            <p:stCondLst>
-                              <p:cond delay="0"/>
-                            </p:stCondLst>
-                            <p:childTnLst>
-                              <p:par>
-                                <p:cTn id="10" presetID="1" presetClass="entr" presetSubtype="0" fill="hold" grpId="0" nodeType="clickEffect">
-                                  <p:stCondLst>
-                                    <p:cond delay="0"/>
-                                  </p:stCondLst>
-                                  <p:childTnLst>
-                                    <p:set>
-                                      <p:cBhvr>
-                                        <p:cTn id="11" dur="1" fill="hold">
                                           <p:stCondLst>
                                             <p:cond delay="0"/>
                                           </p:stCondLst>
@@ -9314,26 +8921,26 @@
                     </p:cTn>
                   </p:par>
                   <p:par>
-                    <p:cTn id="12" fill="hold">
+                    <p:cTn id="7" fill="hold">
                       <p:stCondLst>
                         <p:cond delay="indefinite"/>
                       </p:stCondLst>
                       <p:childTnLst>
                         <p:par>
-                          <p:cTn id="13" fill="hold">
+                          <p:cTn id="8" fill="hold">
                             <p:stCondLst>
                               <p:cond delay="0"/>
                             </p:stCondLst>
                             <p:childTnLst>
                               <p:par>
-                                <p:cTn id="14" presetID="22" presetClass="entr" presetSubtype="8" fill="hold" grpId="0" nodeType="clickEffect">
+                                <p:cTn id="9" presetID="9" presetClass="entr" presetSubtype="0" fill="hold" grpId="0" nodeType="clickEffect">
                                   <p:stCondLst>
                                     <p:cond delay="0"/>
                                   </p:stCondLst>
                                   <p:childTnLst>
                                     <p:set>
                                       <p:cBhvr>
-                                        <p:cTn id="15" dur="1" fill="hold">
+                                        <p:cTn id="10" dur="1" fill="hold">
                                           <p:stCondLst>
                                             <p:cond delay="0"/>
                                           </p:stCondLst>
@@ -9353,9 +8960,9 @@
                                         <p:strVal val="visible"/>
                                       </p:to>
                                     </p:set>
-                                    <p:animEffect transition="in" filter="wipe(left)">
+                                    <p:animEffect transition="in" filter="dissolve">
                                       <p:cBhvr>
-                                        <p:cTn id="16" dur="500"/>
+                                        <p:cTn id="11" dur="500"/>
                                         <p:tgtEl>
                                           <p:spTgt spid="3">
                                             <p:txEl>
@@ -9368,33 +8975,15 @@
                                   </p:childTnLst>
                                 </p:cTn>
                               </p:par>
-                            </p:childTnLst>
-                          </p:cTn>
-                        </p:par>
-                      </p:childTnLst>
-                    </p:cTn>
-                  </p:par>
-                  <p:par>
-                    <p:cTn id="17" fill="hold">
-                      <p:stCondLst>
-                        <p:cond delay="indefinite"/>
-                      </p:stCondLst>
-                      <p:childTnLst>
-                        <p:par>
-                          <p:cTn id="18" fill="hold">
-                            <p:stCondLst>
-                              <p:cond delay="0"/>
-                            </p:stCondLst>
-                            <p:childTnLst>
                               <p:par>
-                                <p:cTn id="19" presetID="22" presetClass="entr" presetSubtype="8" fill="hold" grpId="0" nodeType="clickEffect">
+                                <p:cTn id="12" presetID="9" presetClass="entr" presetSubtype="0" fill="hold" grpId="0" nodeType="withEffect">
                                   <p:stCondLst>
                                     <p:cond delay="0"/>
                                   </p:stCondLst>
                                   <p:childTnLst>
                                     <p:set>
                                       <p:cBhvr>
-                                        <p:cTn id="20" dur="1" fill="hold">
+                                        <p:cTn id="13" dur="1" fill="hold">
                                           <p:stCondLst>
                                             <p:cond delay="0"/>
                                           </p:stCondLst>
@@ -9414,9 +9003,9 @@
                                         <p:strVal val="visible"/>
                                       </p:to>
                                     </p:set>
-                                    <p:animEffect transition="in" filter="wipe(left)">
+                                    <p:animEffect transition="in" filter="dissolve">
                                       <p:cBhvr>
-                                        <p:cTn id="21" dur="500"/>
+                                        <p:cTn id="14" dur="500"/>
                                         <p:tgtEl>
                                           <p:spTgt spid="3">
                                             <p:txEl>
@@ -9436,34 +9025,609 @@
                     </p:cTn>
                   </p:par>
                   <p:par>
-                    <p:cTn id="22" fill="hold">
+                    <p:cTn id="15" fill="hold">
                       <p:stCondLst>
                         <p:cond delay="indefinite"/>
                       </p:stCondLst>
                       <p:childTnLst>
                         <p:par>
-                          <p:cTn id="23" fill="hold">
+                          <p:cTn id="16" fill="hold">
                             <p:stCondLst>
                               <p:cond delay="0"/>
                             </p:stCondLst>
                             <p:childTnLst>
                               <p:par>
-                                <p:cTn id="24" presetID="22" presetClass="entr" presetSubtype="8" fill="hold" grpId="0" nodeType="clickEffect">
+                                <p:cTn id="17" presetID="22" presetClass="entr" presetSubtype="8" fill="hold" nodeType="clickEffect">
                                   <p:stCondLst>
                                     <p:cond delay="0"/>
                                   </p:stCondLst>
                                   <p:childTnLst>
                                     <p:set>
                                       <p:cBhvr>
-                                        <p:cTn id="25" dur="1" fill="hold">
+                                        <p:cTn id="18" dur="1" fill="hold">
                                           <p:stCondLst>
                                             <p:cond delay="0"/>
                                           </p:stCondLst>
                                         </p:cTn>
                                         <p:tgtEl>
-                                          <p:spTgt spid="3">
+                                          <p:spTgt spid="6"/>
+                                        </p:tgtEl>
+                                        <p:attrNameLst>
+                                          <p:attrName>style.visibility</p:attrName>
+                                        </p:attrNameLst>
+                                      </p:cBhvr>
+                                      <p:to>
+                                        <p:strVal val="visible"/>
+                                      </p:to>
+                                    </p:set>
+                                    <p:animEffect transition="in" filter="wipe(left)">
+                                      <p:cBhvr>
+                                        <p:cTn id="19" dur="500"/>
+                                        <p:tgtEl>
+                                          <p:spTgt spid="6"/>
+                                        </p:tgtEl>
+                                      </p:cBhvr>
+                                    </p:animEffect>
+                                  </p:childTnLst>
+                                </p:cTn>
+                              </p:par>
+                            </p:childTnLst>
+                          </p:cTn>
+                        </p:par>
+                      </p:childTnLst>
+                    </p:cTn>
+                  </p:par>
+                  <p:par>
+                    <p:cTn id="20" fill="hold">
+                      <p:stCondLst>
+                        <p:cond delay="indefinite"/>
+                      </p:stCondLst>
+                      <p:childTnLst>
+                        <p:par>
+                          <p:cTn id="21" fill="hold">
+                            <p:stCondLst>
+                              <p:cond delay="0"/>
+                            </p:stCondLst>
+                            <p:childTnLst>
+                              <p:par>
+                                <p:cTn id="22" presetID="22" presetClass="entr" presetSubtype="8" fill="hold" nodeType="clickEffect">
+                                  <p:stCondLst>
+                                    <p:cond delay="0"/>
+                                  </p:stCondLst>
+                                  <p:childTnLst>
+                                    <p:set>
+                                      <p:cBhvr>
+                                        <p:cTn id="23" dur="1" fill="hold">
+                                          <p:stCondLst>
+                                            <p:cond delay="0"/>
+                                          </p:stCondLst>
+                                        </p:cTn>
+                                        <p:tgtEl>
+                                          <p:spTgt spid="8"/>
+                                        </p:tgtEl>
+                                        <p:attrNameLst>
+                                          <p:attrName>style.visibility</p:attrName>
+                                        </p:attrNameLst>
+                                      </p:cBhvr>
+                                      <p:to>
+                                        <p:strVal val="visible"/>
+                                      </p:to>
+                                    </p:set>
+                                    <p:animEffect transition="in" filter="wipe(left)">
+                                      <p:cBhvr>
+                                        <p:cTn id="24" dur="500"/>
+                                        <p:tgtEl>
+                                          <p:spTgt spid="8"/>
+                                        </p:tgtEl>
+                                      </p:cBhvr>
+                                    </p:animEffect>
+                                  </p:childTnLst>
+                                </p:cTn>
+                              </p:par>
+                            </p:childTnLst>
+                          </p:cTn>
+                        </p:par>
+                      </p:childTnLst>
+                    </p:cTn>
+                  </p:par>
+                </p:childTnLst>
+              </p:cTn>
+              <p:prevCondLst>
+                <p:cond evt="onPrev" delay="0">
+                  <p:tgtEl>
+                    <p:sldTgt/>
+                  </p:tgtEl>
+                </p:cond>
+              </p:prevCondLst>
+              <p:nextCondLst>
+                <p:cond evt="onNext" delay="0">
+                  <p:tgtEl>
+                    <p:sldTgt/>
+                  </p:tgtEl>
+                </p:cond>
+              </p:nextCondLst>
+            </p:seq>
+          </p:childTnLst>
+        </p:cTn>
+      </p:par>
+    </p:tnLst>
+    <p:bldLst>
+      <p:bldP spid="3" grpId="0" build="p"/>
+      <p:bldP spid="5" grpId="0"/>
+    </p:bldLst>
+  </p:timing>
+</p:sld>
+</file>
+
+<file path=ppt/slides/slide12.xml><?xml version="1.0" encoding="utf-8"?>
+<p:sld xmlns:a="http://schemas.openxmlformats.org/drawingml/2006/main" xmlns:r="http://schemas.openxmlformats.org/officeDocument/2006/relationships" xmlns:p="http://schemas.openxmlformats.org/presentationml/2006/main">
+  <p:cSld>
+    <p:spTree>
+      <p:nvGrpSpPr>
+        <p:cNvPr id="1" name=""/>
+        <p:cNvGrpSpPr/>
+        <p:nvPr/>
+      </p:nvGrpSpPr>
+      <p:grpSpPr>
+        <a:xfrm>
+          <a:off x="0" y="0"/>
+          <a:ext cx="0" cy="0"/>
+          <a:chOff x="0" y="0"/>
+          <a:chExt cx="0" cy="0"/>
+        </a:xfrm>
+      </p:grpSpPr>
+      <p:sp>
+        <p:nvSpPr>
+          <p:cNvPr id="11" name="Rectangle 10"/>
+          <p:cNvSpPr/>
+          <p:nvPr/>
+        </p:nvSpPr>
+        <p:spPr>
+          <a:xfrm>
+            <a:off x="112062" y="1730841"/>
+            <a:ext cx="8915205" cy="3317831"/>
+          </a:xfrm>
+          <a:prstGeom prst="rect">
+            <a:avLst/>
+          </a:prstGeom>
+        </p:spPr>
+        <p:txBody>
+          <a:bodyPr wrap="square">
+            <a:spAutoFit/>
+          </a:bodyPr>
+          <a:lstStyle/>
+          <a:p>
+            <a:r>
+              <a:rPr lang="en-US" sz="4800" dirty="0" smtClean="0">
+                <a:latin typeface="Comic Sans MS"/>
+                <a:cs typeface="Comic Sans MS"/>
+              </a:rPr>
+              <a:t>                              -</a:t>
+            </a:r>
+            <a:r>
+              <a:rPr lang="en-US" sz="4800" dirty="0">
+                <a:latin typeface="Comic Sans MS"/>
+                <a:cs typeface="Comic Sans MS"/>
+              </a:rPr>
+              <a:t>-it differs</a:t>
+            </a:r>
+          </a:p>
+          <a:p>
+            <a:r>
+              <a:rPr lang="en-US" sz="4800" dirty="0" smtClean="0">
+                <a:latin typeface="Comic Sans MS"/>
+                <a:cs typeface="Comic Sans MS"/>
+              </a:rPr>
+              <a:t>from </a:t>
+            </a:r>
+            <a:r>
+              <a:rPr lang="en-US" sz="4800" dirty="0">
+                <a:latin typeface="Comic Sans MS"/>
+                <a:cs typeface="Comic Sans MS"/>
+              </a:rPr>
+              <a:t>set </a:t>
+            </a:r>
+            <a:r>
+              <a:rPr lang="en-US" sz="4800" dirty="0">
+                <a:solidFill>
+                  <a:srgbClr val="0000FF"/>
+                </a:solidFill>
+                <a:latin typeface="Comic Sans MS"/>
+                <a:cs typeface="Comic Sans MS"/>
+              </a:rPr>
+              <a:t>f(a)</a:t>
+            </a:r>
+            <a:r>
+              <a:rPr lang="en-US" sz="4800" dirty="0">
+                <a:latin typeface="Comic Sans MS"/>
+                <a:cs typeface="Comic Sans MS"/>
+              </a:rPr>
+              <a:t> at element </a:t>
+            </a:r>
+            <a:r>
+              <a:rPr lang="en-US" sz="4800" dirty="0">
+                <a:solidFill>
+                  <a:srgbClr val="0000FF"/>
+                </a:solidFill>
+                <a:latin typeface="Comic Sans MS"/>
+                <a:cs typeface="Comic Sans MS"/>
+              </a:rPr>
+              <a:t>a</a:t>
+            </a:r>
+            <a:r>
+              <a:rPr lang="en-US" sz="4800" dirty="0" smtClean="0">
+                <a:latin typeface="Comic Sans MS"/>
+                <a:cs typeface="Comic Sans MS"/>
+              </a:rPr>
+              <a:t>!</a:t>
+            </a:r>
+          </a:p>
+          <a:p>
+            <a:pPr>
+              <a:lnSpc>
+                <a:spcPct val="120000"/>
+              </a:lnSpc>
+            </a:pPr>
+            <a:r>
+              <a:rPr lang="en-US" sz="4800" dirty="0" smtClean="0">
+                <a:latin typeface="Comic Sans MS"/>
+                <a:cs typeface="Comic Sans MS"/>
+              </a:rPr>
+              <a:t>No </a:t>
+            </a:r>
+            <a:r>
+              <a:rPr lang="en-US" sz="4800" dirty="0" smtClean="0">
+                <a:solidFill>
+                  <a:srgbClr val="0000FF"/>
+                </a:solidFill>
+                <a:latin typeface="Comic Sans MS"/>
+                <a:cs typeface="Comic Sans MS"/>
+              </a:rPr>
+              <a:t>f</a:t>
+            </a:r>
+            <a:r>
+              <a:rPr lang="en-US" sz="4800" dirty="0" smtClean="0">
+                <a:latin typeface="Comic Sans MS"/>
+                <a:cs typeface="Comic Sans MS"/>
+              </a:rPr>
+              <a:t>-arrow into                    .</a:t>
+            </a:r>
+          </a:p>
+          <a:p>
+            <a:pPr>
+              <a:lnSpc>
+                <a:spcPct val="120000"/>
+              </a:lnSpc>
+            </a:pPr>
+            <a:r>
+              <a:rPr lang="en-US" sz="4800" dirty="0" smtClean="0">
+                <a:latin typeface="Comic Sans MS"/>
+                <a:cs typeface="Comic Sans MS"/>
+              </a:rPr>
+              <a:t>                    </a:t>
+            </a:r>
+            <a:r>
+              <a:rPr lang="en-US" sz="4800" dirty="0" smtClean="0">
+                <a:solidFill>
+                  <a:srgbClr val="008000"/>
+                </a:solidFill>
+                <a:latin typeface="Comic Sans MS"/>
+                <a:cs typeface="Comic Sans MS"/>
+              </a:rPr>
+              <a:t>QED</a:t>
+            </a:r>
+            <a:endParaRPr lang="en-US" sz="4800" dirty="0">
+              <a:solidFill>
+                <a:srgbClr val="008000"/>
+              </a:solidFill>
+              <a:latin typeface="Comic Sans MS"/>
+              <a:cs typeface="Comic Sans MS"/>
+            </a:endParaRPr>
+          </a:p>
+        </p:txBody>
+      </p:sp>
+      <p:sp>
+        <p:nvSpPr>
+          <p:cNvPr id="2" name="Title 1"/>
+          <p:cNvSpPr>
+            <a:spLocks noGrp="1"/>
+          </p:cNvSpPr>
+          <p:nvPr>
+            <p:ph type="title"/>
+          </p:nvPr>
+        </p:nvSpPr>
+        <p:spPr>
+          <a:xfrm>
+            <a:off x="1748862" y="355344"/>
+            <a:ext cx="5649452" cy="980204"/>
+          </a:xfrm>
+        </p:spPr>
+        <p:txBody>
+          <a:bodyPr/>
+          <a:lstStyle/>
+          <a:p>
+            <a:r>
+              <a:rPr lang="en-US" b="0" dirty="0" smtClean="0">
+                <a:solidFill>
+                  <a:srgbClr val="FF0000"/>
+                </a:solidFill>
+              </a:rPr>
+              <a:t>NOT</a:t>
+            </a:r>
+            <a:r>
+              <a:rPr lang="en-US" sz="4400" b="0" dirty="0" smtClean="0">
+                <a:solidFill>
+                  <a:srgbClr val="0000FF"/>
+                </a:solidFill>
+              </a:rPr>
+              <a:t>[</a:t>
+            </a:r>
+            <a:r>
+              <a:rPr lang="en-US" sz="4000" b="0" dirty="0" smtClean="0">
+                <a:solidFill>
+                  <a:srgbClr val="0000FF"/>
+                </a:solidFill>
+              </a:rPr>
+              <a:t>A </a:t>
+            </a:r>
+            <a:r>
+              <a:rPr lang="en-US" sz="4000" b="0" dirty="0">
+                <a:solidFill>
+                  <a:srgbClr val="9933FF"/>
+                </a:solidFill>
+              </a:rPr>
+              <a:t>surj</a:t>
+            </a:r>
+            <a:r>
+              <a:rPr lang="en-US" sz="4000" b="0" dirty="0">
+                <a:solidFill>
+                  <a:srgbClr val="0000FF"/>
+                </a:solidFill>
+              </a:rPr>
+              <a:t> </a:t>
+            </a:r>
+            <a:r>
+              <a:rPr lang="en-US" sz="4000" b="0" dirty="0" smtClean="0">
+                <a:solidFill>
+                  <a:srgbClr val="0000FF"/>
+                </a:solidFill>
+              </a:rPr>
+              <a:t>Pow(A)</a:t>
+            </a:r>
+            <a:r>
+              <a:rPr lang="en-US" sz="4400" b="0" dirty="0" smtClean="0">
+                <a:solidFill>
+                  <a:srgbClr val="0000FF"/>
+                </a:solidFill>
+              </a:rPr>
+              <a:t>]</a:t>
+            </a:r>
+            <a:endParaRPr lang="en-US" sz="4000" b="0" dirty="0">
+              <a:solidFill>
+                <a:srgbClr val="0000FF"/>
+              </a:solidFill>
+            </a:endParaRPr>
+          </a:p>
+        </p:txBody>
+      </p:sp>
+      <p:sp>
+        <p:nvSpPr>
+          <p:cNvPr id="3" name="Content Placeholder 2"/>
+          <p:cNvSpPr>
+            <a:spLocks noGrp="1"/>
+          </p:cNvSpPr>
+          <p:nvPr>
+            <p:ph idx="1"/>
+          </p:nvPr>
+        </p:nvSpPr>
+        <p:spPr>
+          <a:xfrm>
+            <a:off x="224125" y="1677039"/>
+            <a:ext cx="2091836" cy="1186945"/>
+          </a:xfrm>
+        </p:spPr>
+        <p:txBody>
+          <a:bodyPr/>
+          <a:lstStyle/>
+          <a:p>
+            <a:r>
+              <a:rPr lang="en-US" sz="4800" dirty="0">
+                <a:solidFill>
+                  <a:schemeClr val="tx1">
+                    <a:lumMod val="95000"/>
+                    <a:lumOff val="5000"/>
+                  </a:schemeClr>
+                </a:solidFill>
+              </a:rPr>
+              <a:t>Now                     </a:t>
+            </a:r>
+            <a:endParaRPr lang="en-US" sz="4800" dirty="0" smtClean="0">
+              <a:solidFill>
+                <a:schemeClr val="tx1">
+                  <a:lumMod val="95000"/>
+                  <a:lumOff val="5000"/>
+                </a:schemeClr>
+              </a:solidFill>
+            </a:endParaRPr>
+          </a:p>
+        </p:txBody>
+      </p:sp>
+      <p:graphicFrame>
+        <p:nvGraphicFramePr>
+          <p:cNvPr id="4" name="Object 3"/>
+          <p:cNvGraphicFramePr>
+            <a:graphicFrameLocks noChangeAspect="1"/>
+          </p:cNvGraphicFramePr>
+          <p:nvPr>
+            <p:extLst>
+              <p:ext uri="{D42A27DB-BD31-4B8C-83A1-F6EECF244321}">
+                <p14:modId xmlns:p14="http://schemas.microsoft.com/office/powerpoint/2010/main" val="2911754828"/>
+              </p:ext>
+            </p:extLst>
+          </p:nvPr>
+        </p:nvGraphicFramePr>
+        <p:xfrm>
+          <a:off x="1668950" y="1682882"/>
+          <a:ext cx="3818379" cy="981869"/>
+        </p:xfrm>
+        <a:graphic>
+          <a:graphicData uri="http://schemas.openxmlformats.org/presentationml/2006/ole">
+            <mc:AlternateContent xmlns:mc="http://schemas.openxmlformats.org/markup-compatibility/2006">
+              <mc:Choice xmlns:v="urn:schemas-microsoft-com:vml" Requires="v">
+                <p:oleObj spid="_x0000_s95243" name="Equation" r:id="rId5" imgW="889000" imgH="228600" progId="Equation.DSMT4">
+                  <p:embed/>
+                </p:oleObj>
+              </mc:Choice>
+              <mc:Fallback>
+                <p:oleObj name="Equation" r:id="rId5" imgW="889000" imgH="228600" progId="Equation.DSMT4">
+                  <p:embed/>
+                  <p:pic>
+                    <p:nvPicPr>
+                      <p:cNvPr id="0" name=""/>
+                      <p:cNvPicPr/>
+                      <p:nvPr/>
+                    </p:nvPicPr>
+                    <p:blipFill>
+                      <a:blip r:embed="rId6"/>
+                      <a:stretch>
+                        <a:fillRect/>
+                      </a:stretch>
+                    </p:blipFill>
+                    <p:spPr>
+                      <a:xfrm>
+                        <a:off x="1668950" y="1682882"/>
+                        <a:ext cx="3818379" cy="981869"/>
+                      </a:xfrm>
+                      <a:prstGeom prst="rect">
+                        <a:avLst/>
+                      </a:prstGeom>
+                    </p:spPr>
+                  </p:pic>
+                </p:oleObj>
+              </mc:Fallback>
+            </mc:AlternateContent>
+          </a:graphicData>
+        </a:graphic>
+      </p:graphicFrame>
+      <p:graphicFrame>
+        <p:nvGraphicFramePr>
+          <p:cNvPr id="7" name="Object 6"/>
+          <p:cNvGraphicFramePr>
+            <a:graphicFrameLocks noChangeAspect="1"/>
+          </p:cNvGraphicFramePr>
+          <p:nvPr>
+            <p:extLst>
+              <p:ext uri="{D42A27DB-BD31-4B8C-83A1-F6EECF244321}">
+                <p14:modId xmlns:p14="http://schemas.microsoft.com/office/powerpoint/2010/main" val="260858182"/>
+              </p:ext>
+            </p:extLst>
+          </p:nvPr>
+        </p:nvGraphicFramePr>
+        <p:xfrm>
+          <a:off x="4850813" y="3274905"/>
+          <a:ext cx="3451430" cy="946360"/>
+        </p:xfrm>
+        <a:graphic>
+          <a:graphicData uri="http://schemas.openxmlformats.org/presentationml/2006/ole">
+            <mc:AlternateContent xmlns:mc="http://schemas.openxmlformats.org/markup-compatibility/2006">
+              <mc:Choice xmlns:v="urn:schemas-microsoft-com:vml" Requires="v">
+                <p:oleObj spid="_x0000_s95244" name="Equation" r:id="rId7" imgW="787400" imgH="215900" progId="Equation.DSMT4">
+                  <p:embed/>
+                </p:oleObj>
+              </mc:Choice>
+              <mc:Fallback>
+                <p:oleObj name="Equation" r:id="rId7" imgW="787400" imgH="215900" progId="Equation.DSMT4">
+                  <p:embed/>
+                  <p:pic>
+                    <p:nvPicPr>
+                      <p:cNvPr id="0" name=""/>
+                      <p:cNvPicPr/>
+                      <p:nvPr/>
+                    </p:nvPicPr>
+                    <p:blipFill>
+                      <a:blip r:embed="rId8"/>
+                      <a:stretch>
+                        <a:fillRect/>
+                      </a:stretch>
+                    </p:blipFill>
+                    <p:spPr>
+                      <a:xfrm>
+                        <a:off x="4850813" y="3274905"/>
+                        <a:ext cx="3451430" cy="946360"/>
+                      </a:xfrm>
+                      <a:prstGeom prst="rect">
+                        <a:avLst/>
+                      </a:prstGeom>
+                    </p:spPr>
+                  </p:pic>
+                </p:oleObj>
+              </mc:Fallback>
+            </mc:AlternateContent>
+          </a:graphicData>
+        </a:graphic>
+      </p:graphicFrame>
+    </p:spTree>
+    <p:custDataLst>
+      <p:tags r:id="rId2"/>
+    </p:custDataLst>
+    <p:extLst>
+      <p:ext uri="{BB962C8B-B14F-4D97-AF65-F5344CB8AC3E}">
+        <p14:creationId xmlns:p14="http://schemas.microsoft.com/office/powerpoint/2010/main" val="3905913044"/>
+      </p:ext>
+    </p:extLst>
+  </p:cSld>
+  <p:clrMapOvr>
+    <a:masterClrMapping/>
+  </p:clrMapOvr>
+  <mc:AlternateContent xmlns:mc="http://schemas.openxmlformats.org/markup-compatibility/2006" xmlns:p14="http://schemas.microsoft.com/office/powerpoint/2010/main">
+    <mc:Choice Requires="p14">
+      <p:transition spd="slow" p14:dur="1050" advTm="19678">
+        <p:fade/>
+      </p:transition>
+    </mc:Choice>
+    <mc:Fallback xmlns="">
+      <p:transition xmlns:p14="http://schemas.microsoft.com/office/powerpoint/2010/main" spd="slow" advTm="19678">
+        <p:fade/>
+      </p:transition>
+    </mc:Fallback>
+  </mc:AlternateContent>
+  <p:timing>
+    <p:tnLst>
+      <p:par>
+        <p:cTn xmlns:p14="http://schemas.microsoft.com/office/powerpoint/2010/main" id="1" dur="indefinite" restart="never" nodeType="tmRoot">
+          <p:childTnLst>
+            <p:seq concurrent="1" nextAc="seek">
+              <p:cTn id="2" dur="indefinite" nodeType="mainSeq">
+                <p:childTnLst>
+                  <p:par>
+                    <p:cTn id="3" fill="hold">
+                      <p:stCondLst>
+                        <p:cond delay="indefinite"/>
+                      </p:stCondLst>
+                      <p:childTnLst>
+                        <p:par>
+                          <p:cTn id="4" fill="hold">
+                            <p:stCondLst>
+                              <p:cond delay="0"/>
+                            </p:stCondLst>
+                            <p:childTnLst>
+                              <p:par>
+                                <p:cTn id="5" presetID="9" presetClass="entr" presetSubtype="0" fill="hold" nodeType="clickEffect">
+                                  <p:stCondLst>
+                                    <p:cond delay="0"/>
+                                  </p:stCondLst>
+                                  <p:childTnLst>
+                                    <p:set>
+                                      <p:cBhvr>
+                                        <p:cTn id="6" dur="1" fill="hold">
+                                          <p:stCondLst>
+                                            <p:cond delay="0"/>
+                                          </p:stCondLst>
+                                        </p:cTn>
+                                        <p:tgtEl>
+                                          <p:spTgt spid="11">
                                             <p:txEl>
-                                              <p:pRg st="2" end="2"/>
+                                              <p:pRg st="0" end="0"/>
                                             </p:txEl>
                                           </p:spTgt>
                                         </p:tgtEl>
@@ -9475,13 +9639,56 @@
                                         <p:strVal val="visible"/>
                                       </p:to>
                                     </p:set>
-                                    <p:animEffect transition="in" filter="wipe(left)">
+                                    <p:animEffect transition="in" filter="dissolve">
                                       <p:cBhvr>
-                                        <p:cTn id="26" dur="500"/>
+                                        <p:cTn id="7" dur="500"/>
                                         <p:tgtEl>
-                                          <p:spTgt spid="3">
+                                          <p:spTgt spid="11">
                                             <p:txEl>
-                                              <p:pRg st="2" end="2"/>
+                                              <p:pRg st="0" end="0"/>
+                                            </p:txEl>
+                                          </p:spTgt>
+                                        </p:tgtEl>
+                                      </p:cBhvr>
+                                    </p:animEffect>
+                                  </p:childTnLst>
+                                </p:cTn>
+                              </p:par>
+                              <p:par>
+                                <p:cTn id="8" presetID="9" presetClass="entr" presetSubtype="0" fill="hold" nodeType="withEffect">
+                                  <p:stCondLst>
+                                    <p:cond delay="0"/>
+                                  </p:stCondLst>
+                                  <p:childTnLst>
+                                    <p:set>
+                                      <p:cBhvr>
+                                        <p:cTn id="9" dur="1" fill="hold">
+                                          <p:stCondLst>
+                                            <p:cond delay="0"/>
+                                          </p:stCondLst>
+                                        </p:cTn>
+                                        <p:tgtEl>
+                                          <p:spTgt spid="11">
+                                            <p:txEl>
+                                              <p:pRg st="1" end="1"/>
+                                            </p:txEl>
+                                          </p:spTgt>
+                                        </p:tgtEl>
+                                        <p:attrNameLst>
+                                          <p:attrName>style.visibility</p:attrName>
+                                        </p:attrNameLst>
+                                      </p:cBhvr>
+                                      <p:to>
+                                        <p:strVal val="visible"/>
+                                      </p:to>
+                                    </p:set>
+                                    <p:animEffect transition="in" filter="dissolve">
+                                      <p:cBhvr>
+                                        <p:cTn id="10" dur="500"/>
+                                        <p:tgtEl>
+                                          <p:spTgt spid="11">
+                                            <p:txEl>
+                                              <p:pRg st="1" end="1"/>
                                             </p:txEl>
                                           </p:spTgt>
                                         </p:tgtEl>
@@ -9497,32 +9704,128 @@
                     </p:cTn>
                   </p:par>
                   <p:par>
-                    <p:cTn id="27" fill="hold">
+                    <p:cTn id="11" fill="hold">
                       <p:stCondLst>
                         <p:cond delay="indefinite"/>
                       </p:stCondLst>
                       <p:childTnLst>
                         <p:par>
-                          <p:cTn id="28" fill="hold">
+                          <p:cTn id="12" fill="hold">
                             <p:stCondLst>
                               <p:cond delay="0"/>
                             </p:stCondLst>
                             <p:childTnLst>
                               <p:par>
-                                <p:cTn id="29" presetID="22" presetClass="entr" presetSubtype="8" fill="hold" grpId="0" nodeType="clickEffect">
+                                <p:cTn id="13" presetID="9" presetClass="entr" presetSubtype="0" fill="hold" nodeType="clickEffect">
                                   <p:stCondLst>
                                     <p:cond delay="0"/>
                                   </p:stCondLst>
                                   <p:childTnLst>
                                     <p:set>
                                       <p:cBhvr>
-                                        <p:cTn id="30" dur="1" fill="hold">
+                                        <p:cTn id="14" dur="1" fill="hold">
                                           <p:stCondLst>
                                             <p:cond delay="0"/>
                                           </p:stCondLst>
                                         </p:cTn>
                                         <p:tgtEl>
-                                          <p:spTgt spid="3">
+                                          <p:spTgt spid="11">
+                                            <p:txEl>
+                                              <p:pRg st="2" end="2"/>
+                                            </p:txEl>
+                                          </p:spTgt>
+                                        </p:tgtEl>
+                                        <p:attrNameLst>
+                                          <p:attrName>style.visibility</p:attrName>
+                                        </p:attrNameLst>
+                                      </p:cBhvr>
+                                      <p:to>
+                                        <p:strVal val="visible"/>
+                                      </p:to>
+                                    </p:set>
+                                    <p:animEffect transition="in" filter="dissolve">
+                                      <p:cBhvr>
+                                        <p:cTn id="15" dur="500"/>
+                                        <p:tgtEl>
+                                          <p:spTgt spid="11">
+                                            <p:txEl>
+                                              <p:pRg st="2" end="2"/>
+                                            </p:txEl>
+                                          </p:spTgt>
+                                        </p:tgtEl>
+                                      </p:cBhvr>
+                                    </p:animEffect>
+                                  </p:childTnLst>
+                                </p:cTn>
+                              </p:par>
+                              <p:par>
+                                <p:cTn id="16" presetID="9" presetClass="entr" presetSubtype="0" fill="hold" nodeType="withEffect">
+                                  <p:stCondLst>
+                                    <p:cond delay="0"/>
+                                  </p:stCondLst>
+                                  <p:childTnLst>
+                                    <p:set>
+                                      <p:cBhvr>
+                                        <p:cTn id="17" dur="1" fill="hold">
+                                          <p:stCondLst>
+                                            <p:cond delay="0"/>
+                                          </p:stCondLst>
+                                        </p:cTn>
+                                        <p:tgtEl>
+                                          <p:spTgt spid="7"/>
+                                        </p:tgtEl>
+                                        <p:attrNameLst>
+                                          <p:attrName>style.visibility</p:attrName>
+                                        </p:attrNameLst>
+                                      </p:cBhvr>
+                                      <p:to>
+                                        <p:strVal val="visible"/>
+                                      </p:to>
+                                    </p:set>
+                                    <p:animEffect transition="in" filter="dissolve">
+                                      <p:cBhvr>
+                                        <p:cTn id="18" dur="500"/>
+                                        <p:tgtEl>
+                                          <p:spTgt spid="7"/>
+                                        </p:tgtEl>
+                                      </p:cBhvr>
+                                    </p:animEffect>
+                                  </p:childTnLst>
+                                </p:cTn>
+                              </p:par>
+                            </p:childTnLst>
+                          </p:cTn>
+                        </p:par>
+                      </p:childTnLst>
+                    </p:cTn>
+                  </p:par>
+                  <p:par>
+                    <p:cTn id="19" fill="hold">
+                      <p:stCondLst>
+                        <p:cond delay="indefinite"/>
+                      </p:stCondLst>
+                      <p:childTnLst>
+                        <p:par>
+                          <p:cTn id="20" fill="hold">
+                            <p:stCondLst>
+                              <p:cond delay="0"/>
+                            </p:stCondLst>
+                            <p:childTnLst>
+                              <p:par>
+                                <p:cTn id="21" presetID="15" presetClass="entr" presetSubtype="0" fill="hold" nodeType="clickEffect">
+                                  <p:stCondLst>
+                                    <p:cond delay="0"/>
+                                  </p:stCondLst>
+                                  <p:childTnLst>
+                                    <p:set>
+                                      <p:cBhvr>
+                                        <p:cTn id="22" dur="1" fill="hold">
+                                          <p:stCondLst>
+                                            <p:cond delay="0"/>
+                                          </p:stCondLst>
+                                        </p:cTn>
+                                        <p:tgtEl>
+                                          <p:spTgt spid="11">
                                             <p:txEl>
                                               <p:pRg st="3" end="3"/>
                                             </p:txEl>
@@ -9536,68 +9839,15 @@
                                         <p:strVal val="visible"/>
                                       </p:to>
                                     </p:set>
-                                    <p:animEffect transition="in" filter="wipe(left)">
+                                    <p:anim calcmode="lin" valueType="num">
                                       <p:cBhvr>
-                                        <p:cTn id="31" dur="500"/>
+                                        <p:cTn id="23" dur="1000" fill="hold"/>
                                         <p:tgtEl>
-                                          <p:spTgt spid="3">
+                                          <p:spTgt spid="11">
                                             <p:txEl>
                                               <p:pRg st="3" end="3"/>
                                             </p:txEl>
                                           </p:spTgt>
-                                        </p:tgtEl>
-                                      </p:cBhvr>
-                                    </p:animEffect>
-                                  </p:childTnLst>
-                                </p:cTn>
-                              </p:par>
-                            </p:childTnLst>
-                          </p:cTn>
-                        </p:par>
-                      </p:childTnLst>
-                    </p:cTn>
-                  </p:par>
-                  <p:par>
-                    <p:cTn id="32" fill="hold">
-                      <p:stCondLst>
-                        <p:cond delay="indefinite"/>
-                      </p:stCondLst>
-                      <p:childTnLst>
-                        <p:par>
-                          <p:cTn id="33" fill="hold">
-                            <p:stCondLst>
-                              <p:cond delay="0"/>
-                            </p:stCondLst>
-                            <p:childTnLst>
-                              <p:par>
-                                <p:cTn id="34" presetID="15" presetClass="entr" presetSubtype="0" fill="hold" nodeType="clickEffect">
-                                  <p:stCondLst>
-                                    <p:cond delay="0"/>
-                                  </p:stCondLst>
-                                  <p:childTnLst>
-                                    <p:set>
-                                      <p:cBhvr>
-                                        <p:cTn id="35" dur="1" fill="hold">
-                                          <p:stCondLst>
-                                            <p:cond delay="0"/>
-                                          </p:stCondLst>
-                                        </p:cTn>
-                                        <p:tgtEl>
-                                          <p:spTgt spid="11"/>
-                                        </p:tgtEl>
-                                        <p:attrNameLst>
-                                          <p:attrName>style.visibility</p:attrName>
-                                        </p:attrNameLst>
-                                      </p:cBhvr>
-                                      <p:to>
-                                        <p:strVal val="visible"/>
-                                      </p:to>
-                                    </p:set>
-                                    <p:anim calcmode="lin" valueType="num">
-                                      <p:cBhvr>
-                                        <p:cTn id="36" dur="1000" fill="hold"/>
-                                        <p:tgtEl>
-                                          <p:spTgt spid="11"/>
                                         </p:tgtEl>
                                         <p:attrNameLst>
                                           <p:attrName>ppt_w</p:attrName>
@@ -9618,9 +9868,13 @@
                                     </p:anim>
                                     <p:anim calcmode="lin" valueType="num">
                                       <p:cBhvr>
-                                        <p:cTn id="37" dur="1000" fill="hold"/>
+                                        <p:cTn id="24" dur="1000" fill="hold"/>
                                         <p:tgtEl>
-                                          <p:spTgt spid="11"/>
+                                          <p:spTgt spid="11">
+                                            <p:txEl>
+                                              <p:pRg st="3" end="3"/>
+                                            </p:txEl>
+                                          </p:spTgt>
                                         </p:tgtEl>
                                         <p:attrNameLst>
                                           <p:attrName>ppt_h</p:attrName>
@@ -9641,9 +9895,13 @@
                                     </p:anim>
                                     <p:anim calcmode="lin" valueType="num">
                                       <p:cBhvr>
-                                        <p:cTn id="38" dur="1000" fill="hold"/>
+                                        <p:cTn id="25" dur="1000" fill="hold"/>
                                         <p:tgtEl>
-                                          <p:spTgt spid="11"/>
+                                          <p:spTgt spid="11">
+                                            <p:txEl>
+                                              <p:pRg st="3" end="3"/>
+                                            </p:txEl>
+                                          </p:spTgt>
                                         </p:tgtEl>
                                         <p:attrNameLst>
                                           <p:attrName>ppt_x</p:attrName>
@@ -9664,9 +9922,13 @@
                                     </p:anim>
                                     <p:anim calcmode="lin" valueType="num">
                                       <p:cBhvr>
-                                        <p:cTn id="39" dur="1000" fill="hold"/>
+                                        <p:cTn id="26" dur="1000" fill="hold"/>
                                         <p:tgtEl>
-                                          <p:spTgt spid="11"/>
+                                          <p:spTgt spid="11">
+                                            <p:txEl>
+                                              <p:pRg st="3" end="3"/>
+                                            </p:txEl>
+                                          </p:spTgt>
                                         </p:tgtEl>
                                         <p:attrNameLst>
                                           <p:attrName>ppt_y</p:attrName>
@@ -9715,924 +9977,6 @@
         </p:cTn>
       </p:par>
     </p:tnLst>
-    <p:bldLst>
-      <p:bldP spid="3" grpId="0" build="p"/>
-      <p:bldP spid="5" grpId="0"/>
-      <p:bldP spid="7" grpId="0"/>
-    </p:bldLst>
-  </p:timing>
-</p:sld>
-</file>
-
-<file path=ppt/slides/slide12.xml><?xml version="1.0" encoding="utf-8"?>
-<p:sld xmlns:a="http://schemas.openxmlformats.org/drawingml/2006/main" xmlns:r="http://schemas.openxmlformats.org/officeDocument/2006/relationships" xmlns:p="http://schemas.openxmlformats.org/presentationml/2006/main">
-  <p:cSld>
-    <p:spTree>
-      <p:nvGrpSpPr>
-        <p:cNvPr id="1" name=""/>
-        <p:cNvGrpSpPr/>
-        <p:nvPr/>
-      </p:nvGrpSpPr>
-      <p:grpSpPr>
-        <a:xfrm>
-          <a:off x="0" y="0"/>
-          <a:ext cx="0" cy="0"/>
-          <a:chOff x="0" y="0"/>
-          <a:chExt cx="0" cy="0"/>
-        </a:xfrm>
-      </p:grpSpPr>
-      <p:sp>
-        <p:nvSpPr>
-          <p:cNvPr id="2" name="Title 1"/>
-          <p:cNvSpPr>
-            <a:spLocks noGrp="1"/>
-          </p:cNvSpPr>
-          <p:nvPr>
-            <p:ph type="title"/>
-          </p:nvPr>
-        </p:nvSpPr>
-        <p:spPr>
-          <a:xfrm>
-            <a:off x="1748862" y="355344"/>
-            <a:ext cx="5649452" cy="980204"/>
-          </a:xfrm>
-        </p:spPr>
-        <p:txBody>
-          <a:bodyPr/>
-          <a:lstStyle/>
-          <a:p>
-            <a:r>
-              <a:rPr lang="en-US" b="0" dirty="0" smtClean="0">
-                <a:solidFill>
-                  <a:srgbClr val="FF0000"/>
-                </a:solidFill>
-              </a:rPr>
-              <a:t>NOT</a:t>
-            </a:r>
-            <a:r>
-              <a:rPr lang="en-US" sz="4400" b="0" dirty="0" smtClean="0">
-                <a:solidFill>
-                  <a:srgbClr val="0000FF"/>
-                </a:solidFill>
-              </a:rPr>
-              <a:t>[</a:t>
-            </a:r>
-            <a:r>
-              <a:rPr lang="en-US" sz="4000" b="0" dirty="0" smtClean="0">
-                <a:solidFill>
-                  <a:srgbClr val="0000FF"/>
-                </a:solidFill>
-              </a:rPr>
-              <a:t>A </a:t>
-            </a:r>
-            <a:r>
-              <a:rPr lang="en-US" sz="4000" b="0" dirty="0" err="1">
-                <a:solidFill>
-                  <a:srgbClr val="9933FF"/>
-                </a:solidFill>
-              </a:rPr>
-              <a:t>surj</a:t>
-            </a:r>
-            <a:r>
-              <a:rPr lang="en-US" sz="4000" b="0" dirty="0">
-                <a:solidFill>
-                  <a:srgbClr val="0000FF"/>
-                </a:solidFill>
-              </a:rPr>
-              <a:t> </a:t>
-            </a:r>
-            <a:r>
-              <a:rPr lang="en-US" sz="4000" b="0" dirty="0" err="1" smtClean="0">
-                <a:solidFill>
-                  <a:srgbClr val="0000FF"/>
-                </a:solidFill>
-              </a:rPr>
-              <a:t>Pow</a:t>
-            </a:r>
-            <a:r>
-              <a:rPr lang="en-US" sz="4000" b="0" dirty="0" smtClean="0">
-                <a:solidFill>
-                  <a:srgbClr val="0000FF"/>
-                </a:solidFill>
-              </a:rPr>
-              <a:t>(A)</a:t>
-            </a:r>
-            <a:r>
-              <a:rPr lang="en-US" sz="4400" b="0" dirty="0" smtClean="0">
-                <a:solidFill>
-                  <a:srgbClr val="0000FF"/>
-                </a:solidFill>
-              </a:rPr>
-              <a:t>]</a:t>
-            </a:r>
-            <a:endParaRPr lang="en-US" sz="4000" b="0" dirty="0">
-              <a:solidFill>
-                <a:srgbClr val="0000FF"/>
-              </a:solidFill>
-            </a:endParaRPr>
-          </a:p>
-        </p:txBody>
-      </p:sp>
-      <p:sp>
-        <p:nvSpPr>
-          <p:cNvPr id="3" name="Content Placeholder 2"/>
-          <p:cNvSpPr>
-            <a:spLocks noGrp="1"/>
-          </p:cNvSpPr>
-          <p:nvPr>
-            <p:ph idx="1"/>
-          </p:nvPr>
-        </p:nvSpPr>
-        <p:spPr>
-          <a:xfrm>
-            <a:off x="446616" y="2962006"/>
-            <a:ext cx="8335497" cy="3462847"/>
-          </a:xfrm>
-        </p:spPr>
-        <p:txBody>
-          <a:bodyPr/>
-          <a:lstStyle/>
-          <a:p>
-            <a:r>
-              <a:rPr lang="en-US" dirty="0" smtClean="0">
-                <a:solidFill>
-                  <a:srgbClr val="0000FF"/>
-                </a:solidFill>
-              </a:rPr>
-              <a:t>W::= {a </a:t>
-            </a:r>
-            <a:r>
-              <a:rPr lang="en-US" sz="4400" b="1" dirty="0" smtClean="0">
-                <a:solidFill>
-                  <a:srgbClr val="0000FF"/>
-                </a:solidFill>
-                <a:latin typeface="Symbol" charset="2"/>
-                <a:cs typeface="Symbol" charset="2"/>
-              </a:rPr>
-              <a:t>∈</a:t>
-            </a:r>
-            <a:r>
-              <a:rPr lang="en-US" dirty="0" smtClean="0">
-                <a:solidFill>
-                  <a:srgbClr val="0000FF"/>
-                </a:solidFill>
-              </a:rPr>
-              <a:t>A | a</a:t>
-            </a:r>
-            <a:r>
-              <a:rPr lang="en-US" sz="4400" dirty="0" smtClean="0">
-                <a:solidFill>
-                  <a:srgbClr val="0000FF"/>
-                </a:solidFill>
-              </a:rPr>
-              <a:t> </a:t>
-            </a:r>
-            <a:r>
-              <a:rPr lang="en-US" sz="4400" dirty="0" smtClean="0">
-                <a:solidFill>
-                  <a:srgbClr val="0000FF"/>
-                </a:solidFill>
-                <a:latin typeface="Symbol" charset="2"/>
-                <a:cs typeface="Symbol" charset="2"/>
-                <a:sym typeface="Euclid Symbol"/>
-              </a:rPr>
-              <a:t>∉</a:t>
-            </a:r>
-            <a:r>
-              <a:rPr lang="en-US" dirty="0" smtClean="0">
-                <a:solidFill>
-                  <a:srgbClr val="0000FF"/>
-                </a:solidFill>
-              </a:rPr>
-              <a:t> f(a)}</a:t>
-            </a:r>
-            <a:r>
-              <a:rPr lang="en-US" dirty="0" smtClean="0"/>
-              <a:t>, so</a:t>
-            </a:r>
-          </a:p>
-          <a:p>
-            <a:pPr algn="ctr"/>
-            <a:r>
-              <a:rPr lang="en-US" dirty="0" smtClean="0">
-                <a:solidFill>
-                  <a:srgbClr val="0000FF"/>
-                </a:solidFill>
-              </a:rPr>
-              <a:t>a </a:t>
-            </a:r>
-            <a:r>
-              <a:rPr lang="en-US" b="1" dirty="0" smtClean="0">
-                <a:solidFill>
-                  <a:srgbClr val="0000FF"/>
-                </a:solidFill>
-                <a:latin typeface="Symbol" charset="2"/>
-                <a:cs typeface="Symbol" charset="2"/>
-              </a:rPr>
-              <a:t>∈</a:t>
-            </a:r>
-            <a:r>
-              <a:rPr lang="en-US" dirty="0" smtClean="0">
-                <a:solidFill>
-                  <a:srgbClr val="0000FF"/>
-                </a:solidFill>
-              </a:rPr>
-              <a:t>W </a:t>
-            </a:r>
-            <a:r>
-              <a:rPr lang="en-US" dirty="0" err="1" smtClean="0">
-                <a:solidFill>
-                  <a:schemeClr val="tx1">
-                    <a:lumMod val="95000"/>
-                    <a:lumOff val="5000"/>
-                  </a:schemeClr>
-                </a:solidFill>
-              </a:rPr>
-              <a:t>iff</a:t>
-            </a:r>
-            <a:r>
-              <a:rPr lang="en-US" dirty="0" smtClean="0">
-                <a:solidFill>
-                  <a:srgbClr val="0000FF"/>
-                </a:solidFill>
-              </a:rPr>
-              <a:t> a </a:t>
-            </a:r>
-            <a:r>
-              <a:rPr lang="en-US" sz="4400" dirty="0" smtClean="0">
-                <a:solidFill>
-                  <a:srgbClr val="0000FF"/>
-                </a:solidFill>
-                <a:latin typeface="Symbol" charset="2"/>
-                <a:cs typeface="Symbol" charset="2"/>
-                <a:sym typeface="Euclid Symbol"/>
-              </a:rPr>
-              <a:t>∉</a:t>
-            </a:r>
-            <a:r>
-              <a:rPr lang="en-US" dirty="0" smtClean="0">
-                <a:solidFill>
-                  <a:srgbClr val="0000FF"/>
-                </a:solidFill>
-              </a:rPr>
-              <a:t> f(a)</a:t>
-            </a:r>
-            <a:r>
-              <a:rPr lang="en-US" dirty="0" smtClean="0">
-                <a:solidFill>
-                  <a:schemeClr val="tx1">
-                    <a:lumMod val="95000"/>
-                    <a:lumOff val="5000"/>
-                  </a:schemeClr>
-                </a:solidFill>
-              </a:rPr>
-              <a:t>.</a:t>
-            </a:r>
-          </a:p>
-          <a:p>
-            <a:r>
-              <a:rPr lang="en-US" dirty="0" smtClean="0">
-                <a:solidFill>
-                  <a:srgbClr val="0000FF"/>
-                </a:solidFill>
-              </a:rPr>
-              <a:t>f </a:t>
-            </a:r>
-            <a:r>
-              <a:rPr lang="en-US" dirty="0" smtClean="0"/>
-              <a:t>a </a:t>
-            </a:r>
-            <a:r>
-              <a:rPr lang="en-US" dirty="0" err="1" smtClean="0"/>
-              <a:t>surj</a:t>
-            </a:r>
-            <a:r>
-              <a:rPr lang="en-US" dirty="0" smtClean="0"/>
-              <a:t>, so </a:t>
-            </a:r>
-            <a:r>
-              <a:rPr lang="en-US" dirty="0" smtClean="0">
-                <a:solidFill>
-                  <a:srgbClr val="0000FF"/>
-                </a:solidFill>
-              </a:rPr>
-              <a:t>W=f(a</a:t>
-            </a:r>
-            <a:r>
-              <a:rPr lang="en-US" baseline="-25000" dirty="0" smtClean="0">
-                <a:solidFill>
-                  <a:srgbClr val="0000FF"/>
-                </a:solidFill>
-              </a:rPr>
-              <a:t>0</a:t>
-            </a:r>
-            <a:r>
-              <a:rPr lang="en-US" dirty="0" smtClean="0">
-                <a:solidFill>
-                  <a:srgbClr val="0000FF"/>
-                </a:solidFill>
-              </a:rPr>
-              <a:t>)</a:t>
-            </a:r>
-            <a:r>
-              <a:rPr lang="en-US" dirty="0" smtClean="0"/>
-              <a:t>, some</a:t>
-            </a:r>
-            <a:r>
-              <a:rPr lang="en-US" dirty="0" smtClean="0">
-                <a:solidFill>
-                  <a:srgbClr val="0000FF"/>
-                </a:solidFill>
-              </a:rPr>
-              <a:t> a</a:t>
-            </a:r>
-            <a:r>
-              <a:rPr lang="en-US" baseline="-25000" dirty="0" smtClean="0">
-                <a:solidFill>
-                  <a:srgbClr val="0000FF"/>
-                </a:solidFill>
-              </a:rPr>
-              <a:t>0</a:t>
-            </a:r>
-            <a:r>
-              <a:rPr lang="en-US" dirty="0" smtClean="0">
-                <a:solidFill>
-                  <a:srgbClr val="0000FF"/>
-                </a:solidFill>
-              </a:rPr>
-              <a:t> </a:t>
-            </a:r>
-            <a:r>
-              <a:rPr lang="en-US" b="1" dirty="0" smtClean="0">
-                <a:solidFill>
-                  <a:srgbClr val="0000FF"/>
-                </a:solidFill>
-                <a:latin typeface="Symbol" charset="2"/>
-                <a:cs typeface="Symbol" charset="2"/>
-              </a:rPr>
-              <a:t>∈</a:t>
-            </a:r>
-            <a:r>
-              <a:rPr lang="en-US" dirty="0" smtClean="0">
-                <a:solidFill>
-                  <a:srgbClr val="0000FF"/>
-                </a:solidFill>
-              </a:rPr>
-              <a:t>A</a:t>
-            </a:r>
-            <a:r>
-              <a:rPr lang="en-US" dirty="0" smtClean="0"/>
-              <a:t>.</a:t>
-            </a:r>
-          </a:p>
-          <a:p>
-            <a:r>
-              <a:rPr lang="en-US" dirty="0" smtClean="0"/>
-              <a:t>So</a:t>
-            </a:r>
-            <a:r>
-              <a:rPr lang="en-US" sz="4400" dirty="0" smtClean="0"/>
-              <a:t>,   </a:t>
-            </a:r>
-            <a:r>
-              <a:rPr lang="en-US" sz="4400" dirty="0" smtClean="0">
-                <a:solidFill>
-                  <a:srgbClr val="0000FF"/>
-                </a:solidFill>
-              </a:rPr>
-              <a:t>  a </a:t>
-            </a:r>
-            <a:r>
-              <a:rPr lang="en-US" sz="4400" baseline="-25000" dirty="0" smtClean="0">
-                <a:solidFill>
-                  <a:srgbClr val="0000FF"/>
-                </a:solidFill>
-              </a:rPr>
-              <a:t> </a:t>
-            </a:r>
-            <a:r>
-              <a:rPr lang="en-US" sz="4400" b="1" dirty="0" smtClean="0">
-                <a:solidFill>
-                  <a:srgbClr val="008000"/>
-                </a:solidFill>
-                <a:latin typeface="Symbol" charset="2"/>
-                <a:cs typeface="Symbol" charset="2"/>
-              </a:rPr>
-              <a:t>∈</a:t>
-            </a:r>
-            <a:r>
-              <a:rPr lang="en-US" sz="4400" dirty="0" smtClean="0">
-                <a:solidFill>
-                  <a:srgbClr val="0000FF"/>
-                </a:solidFill>
-              </a:rPr>
-              <a:t>f(a</a:t>
-            </a:r>
-            <a:r>
-              <a:rPr lang="en-US" sz="4400" baseline="-25000" dirty="0" smtClean="0">
-                <a:solidFill>
-                  <a:srgbClr val="0000FF"/>
-                </a:solidFill>
-              </a:rPr>
-              <a:t>0</a:t>
-            </a:r>
-            <a:r>
-              <a:rPr lang="en-US" sz="4400" dirty="0" smtClean="0">
-                <a:solidFill>
-                  <a:srgbClr val="0000FF"/>
-                </a:solidFill>
-              </a:rPr>
-              <a:t>) </a:t>
-            </a:r>
-            <a:r>
-              <a:rPr lang="en-US" sz="4400" dirty="0" err="1" smtClean="0">
-                <a:solidFill>
-                  <a:schemeClr val="tx1">
-                    <a:lumMod val="95000"/>
-                    <a:lumOff val="5000"/>
-                  </a:schemeClr>
-                </a:solidFill>
-              </a:rPr>
-              <a:t>iff</a:t>
-            </a:r>
-            <a:r>
-              <a:rPr lang="en-US" sz="4400" dirty="0" smtClean="0">
-                <a:solidFill>
-                  <a:srgbClr val="0000FF"/>
-                </a:solidFill>
-              </a:rPr>
-              <a:t> a</a:t>
-            </a:r>
-            <a:r>
-              <a:rPr lang="en-US" sz="4400" baseline="-25000" dirty="0" smtClean="0">
-                <a:solidFill>
-                  <a:srgbClr val="0000FF"/>
-                </a:solidFill>
-              </a:rPr>
-              <a:t>  </a:t>
-            </a:r>
-            <a:r>
-              <a:rPr lang="en-US" sz="4400" dirty="0" smtClean="0">
-                <a:solidFill>
-                  <a:srgbClr val="F50802"/>
-                </a:solidFill>
-                <a:latin typeface="Symbol" charset="2"/>
-                <a:cs typeface="Symbol" charset="2"/>
-                <a:sym typeface="Euclid Symbol"/>
-              </a:rPr>
-              <a:t>∉</a:t>
-            </a:r>
-            <a:r>
-              <a:rPr lang="en-US" sz="4400" dirty="0" smtClean="0">
-                <a:solidFill>
-                  <a:srgbClr val="0000FF"/>
-                </a:solidFill>
-              </a:rPr>
-              <a:t> f(a )</a:t>
-            </a:r>
-            <a:r>
-              <a:rPr lang="en-US" sz="4400" dirty="0" smtClean="0"/>
-              <a:t>.</a:t>
-            </a:r>
-            <a:endParaRPr lang="en-US" sz="4400" dirty="0">
-              <a:solidFill>
-                <a:srgbClr val="0000FF"/>
-              </a:solidFill>
-            </a:endParaRPr>
-          </a:p>
-        </p:txBody>
-      </p:sp>
-      <p:sp>
-        <p:nvSpPr>
-          <p:cNvPr id="5" name="TextBox 4"/>
-          <p:cNvSpPr txBox="1"/>
-          <p:nvPr/>
-        </p:nvSpPr>
-        <p:spPr>
-          <a:xfrm>
-            <a:off x="503754" y="1439869"/>
-            <a:ext cx="7791942" cy="1446550"/>
-          </a:xfrm>
-          <a:prstGeom prst="rect">
-            <a:avLst/>
-          </a:prstGeom>
-          <a:noFill/>
-        </p:spPr>
-        <p:txBody>
-          <a:bodyPr wrap="none" rtlCol="0">
-            <a:spAutoFit/>
-          </a:bodyPr>
-          <a:lstStyle/>
-          <a:p>
-            <a:r>
-              <a:rPr lang="en-US" sz="4400" dirty="0" smtClean="0">
-                <a:latin typeface="Comic Sans MS"/>
-                <a:cs typeface="Comic Sans MS"/>
-              </a:rPr>
-              <a:t>Pf by contradiction:  suppose</a:t>
-            </a:r>
-          </a:p>
-          <a:p>
-            <a:r>
-              <a:rPr lang="en-US" sz="4400" dirty="0" err="1" smtClean="0">
-                <a:latin typeface="Comic Sans MS"/>
-                <a:cs typeface="Comic Sans MS"/>
-              </a:rPr>
-              <a:t>surj</a:t>
-            </a:r>
-            <a:r>
-              <a:rPr lang="en-US" sz="4400" dirty="0" smtClean="0">
-                <a:latin typeface="Comic Sans MS"/>
-                <a:cs typeface="Comic Sans MS"/>
-              </a:rPr>
-              <a:t> </a:t>
-            </a:r>
-            <a:r>
-              <a:rPr lang="en-US" sz="4400" dirty="0" err="1" smtClean="0">
-                <a:latin typeface="Comic Sans MS"/>
-                <a:cs typeface="Comic Sans MS"/>
-              </a:rPr>
-              <a:t>fcn</a:t>
-            </a:r>
-            <a:r>
-              <a:rPr lang="en-US" sz="4400" dirty="0" smtClean="0">
-                <a:latin typeface="Comic Sans MS"/>
-                <a:cs typeface="Comic Sans MS"/>
-              </a:rPr>
-              <a:t> </a:t>
-            </a:r>
-            <a:r>
-              <a:rPr lang="en-US" sz="4400" dirty="0" err="1" smtClean="0">
-                <a:solidFill>
-                  <a:srgbClr val="0000FF"/>
-                </a:solidFill>
-                <a:latin typeface="Comic Sans MS"/>
-                <a:cs typeface="Comic Sans MS"/>
-              </a:rPr>
-              <a:t>f:A→pow(A</a:t>
-            </a:r>
-            <a:r>
-              <a:rPr lang="en-US" sz="4400" dirty="0" smtClean="0">
-                <a:solidFill>
-                  <a:srgbClr val="0000FF"/>
-                </a:solidFill>
-                <a:latin typeface="Comic Sans MS"/>
-                <a:cs typeface="Comic Sans MS"/>
-              </a:rPr>
-              <a:t>)</a:t>
-            </a:r>
-            <a:r>
-              <a:rPr lang="en-US" sz="4400" dirty="0" smtClean="0">
-                <a:latin typeface="Comic Sans MS"/>
-                <a:cs typeface="Comic Sans MS"/>
-              </a:rPr>
-              <a:t>.  Let</a:t>
-            </a:r>
-          </a:p>
-        </p:txBody>
-      </p:sp>
-      <p:sp>
-        <p:nvSpPr>
-          <p:cNvPr id="7" name="TextBox 6"/>
-          <p:cNvSpPr txBox="1"/>
-          <p:nvPr/>
-        </p:nvSpPr>
-        <p:spPr>
-          <a:xfrm>
-            <a:off x="507998" y="1439337"/>
-            <a:ext cx="5402666" cy="769441"/>
-          </a:xfrm>
-          <a:prstGeom prst="rect">
-            <a:avLst/>
-          </a:prstGeom>
-          <a:noFill/>
-        </p:spPr>
-        <p:txBody>
-          <a:bodyPr wrap="none" rtlCol="0">
-            <a:spAutoFit/>
-          </a:bodyPr>
-          <a:lstStyle/>
-          <a:p>
-            <a:r>
-              <a:rPr lang="en-US" sz="4400" dirty="0" smtClean="0">
-                <a:solidFill>
-                  <a:srgbClr val="000000"/>
-                </a:solidFill>
-                <a:latin typeface="Comic Sans MS"/>
-                <a:cs typeface="Comic Sans MS"/>
-              </a:rPr>
-              <a:t>Pf by contradiction: </a:t>
-            </a:r>
-            <a:endParaRPr lang="en-US" sz="5400" dirty="0" smtClean="0">
-              <a:latin typeface="Comic Sans MS" pitchFamily="66" charset="0"/>
-              <a:cs typeface="Comic Sans MS"/>
-            </a:endParaRPr>
-          </a:p>
-        </p:txBody>
-      </p:sp>
-      <p:grpSp>
-        <p:nvGrpSpPr>
-          <p:cNvPr id="11" name="Group 10"/>
-          <p:cNvGrpSpPr/>
-          <p:nvPr/>
-        </p:nvGrpSpPr>
-        <p:grpSpPr>
-          <a:xfrm>
-            <a:off x="2359747" y="5532260"/>
-            <a:ext cx="5171438" cy="566693"/>
-            <a:chOff x="2359747" y="5532260"/>
-            <a:chExt cx="5171438" cy="566693"/>
-          </a:xfrm>
-        </p:grpSpPr>
-        <p:sp>
-          <p:nvSpPr>
-            <p:cNvPr id="6" name="TextBox 5"/>
-            <p:cNvSpPr txBox="1"/>
-            <p:nvPr/>
-          </p:nvSpPr>
-          <p:spPr>
-            <a:xfrm>
-              <a:off x="2359747" y="5555215"/>
-              <a:ext cx="414263" cy="543738"/>
-            </a:xfrm>
-            <a:prstGeom prst="rect">
-              <a:avLst/>
-            </a:prstGeom>
-            <a:noFill/>
-          </p:spPr>
-          <p:txBody>
-            <a:bodyPr wrap="none" rtlCol="0">
-              <a:spAutoFit/>
-            </a:bodyPr>
-            <a:lstStyle/>
-            <a:p>
-              <a:r>
-                <a:rPr lang="en-US" sz="4400" baseline="-25000" dirty="0" smtClean="0">
-                  <a:solidFill>
-                    <a:srgbClr val="0000FF"/>
-                  </a:solidFill>
-                  <a:latin typeface="Comic Sans MS"/>
-                  <a:cs typeface="Comic Sans MS"/>
-                </a:rPr>
-                <a:t>0</a:t>
-              </a:r>
-            </a:p>
-          </p:txBody>
-        </p:sp>
-        <p:sp>
-          <p:nvSpPr>
-            <p:cNvPr id="8" name="TextBox 7"/>
-            <p:cNvSpPr txBox="1"/>
-            <p:nvPr/>
-          </p:nvSpPr>
-          <p:spPr>
-            <a:xfrm>
-              <a:off x="7116922" y="5543739"/>
-              <a:ext cx="414263" cy="543738"/>
-            </a:xfrm>
-            <a:prstGeom prst="rect">
-              <a:avLst/>
-            </a:prstGeom>
-            <a:noFill/>
-          </p:spPr>
-          <p:txBody>
-            <a:bodyPr wrap="none" rtlCol="0">
-              <a:spAutoFit/>
-            </a:bodyPr>
-            <a:lstStyle/>
-            <a:p>
-              <a:r>
-                <a:rPr lang="en-US" sz="4400" baseline="-25000" dirty="0" smtClean="0">
-                  <a:solidFill>
-                    <a:srgbClr val="0000FF"/>
-                  </a:solidFill>
-                  <a:latin typeface="Comic Sans MS"/>
-                  <a:cs typeface="Comic Sans MS"/>
-                </a:rPr>
-                <a:t>0</a:t>
-              </a:r>
-            </a:p>
-          </p:txBody>
-        </p:sp>
-        <p:sp>
-          <p:nvSpPr>
-            <p:cNvPr id="9" name="TextBox 8"/>
-            <p:cNvSpPr txBox="1"/>
-            <p:nvPr/>
-          </p:nvSpPr>
-          <p:spPr>
-            <a:xfrm>
-              <a:off x="5565064" y="5532260"/>
-              <a:ext cx="414263" cy="543738"/>
-            </a:xfrm>
-            <a:prstGeom prst="rect">
-              <a:avLst/>
-            </a:prstGeom>
-            <a:noFill/>
-          </p:spPr>
-          <p:txBody>
-            <a:bodyPr wrap="none" rtlCol="0">
-              <a:spAutoFit/>
-            </a:bodyPr>
-            <a:lstStyle/>
-            <a:p>
-              <a:r>
-                <a:rPr lang="en-US" sz="4400" baseline="-25000" dirty="0" smtClean="0">
-                  <a:solidFill>
-                    <a:srgbClr val="0000FF"/>
-                  </a:solidFill>
-                  <a:latin typeface="Comic Sans MS"/>
-                  <a:cs typeface="Comic Sans MS"/>
-                </a:rPr>
-                <a:t>0</a:t>
-              </a:r>
-            </a:p>
-          </p:txBody>
-        </p:sp>
-      </p:grpSp>
-      <p:sp>
-        <p:nvSpPr>
-          <p:cNvPr id="12" name="TextBox 11"/>
-          <p:cNvSpPr txBox="1"/>
-          <p:nvPr/>
-        </p:nvSpPr>
-        <p:spPr>
-          <a:xfrm>
-            <a:off x="2564513" y="5848367"/>
-            <a:ext cx="3687853" cy="769441"/>
-          </a:xfrm>
-          <a:prstGeom prst="rect">
-            <a:avLst/>
-          </a:prstGeom>
-          <a:noFill/>
-        </p:spPr>
-        <p:txBody>
-          <a:bodyPr wrap="none" rtlCol="0">
-            <a:spAutoFit/>
-          </a:bodyPr>
-          <a:lstStyle/>
-          <a:p>
-            <a:r>
-              <a:rPr lang="en-US" sz="4400" dirty="0" smtClean="0">
-                <a:solidFill>
-                  <a:srgbClr val="F50802"/>
-                </a:solidFill>
-                <a:latin typeface="Comic Sans MS"/>
-                <a:cs typeface="Comic Sans MS"/>
-              </a:rPr>
-              <a:t>contradiction</a:t>
-            </a:r>
-          </a:p>
-        </p:txBody>
-      </p:sp>
-    </p:spTree>
-    <p:custDataLst>
-      <p:tags r:id="rId1"/>
-    </p:custDataLst>
-    <p:extLst>
-      <p:ext uri="{BB962C8B-B14F-4D97-AF65-F5344CB8AC3E}">
-        <p14:creationId xmlns:p14="http://schemas.microsoft.com/office/powerpoint/2010/main" val="2919060325"/>
-      </p:ext>
-    </p:extLst>
-  </p:cSld>
-  <p:clrMapOvr>
-    <a:masterClrMapping/>
-  </p:clrMapOvr>
-  <mc:AlternateContent xmlns:mc="http://schemas.openxmlformats.org/markup-compatibility/2006" xmlns:p14="http://schemas.microsoft.com/office/powerpoint/2010/main">
-    <mc:Choice Requires="p14">
-      <p:transition p14:dur="100" advTm="145642">
-        <p:cut/>
-      </p:transition>
-    </mc:Choice>
-    <mc:Fallback xmlns="">
-      <p:transition xmlns:p14="http://schemas.microsoft.com/office/powerpoint/2010/main" advTm="145642">
-        <p:cut/>
-      </p:transition>
-    </mc:Fallback>
-  </mc:AlternateContent>
-  <p:timing>
-    <p:tnLst>
-      <p:par>
-        <p:cTn xmlns:p14="http://schemas.microsoft.com/office/powerpoint/2010/main" id="1" dur="indefinite" restart="never" nodeType="tmRoot">
-          <p:childTnLst>
-            <p:seq concurrent="1" nextAc="seek">
-              <p:cTn id="2" dur="indefinite" nodeType="mainSeq">
-                <p:childTnLst>
-                  <p:par>
-                    <p:cTn id="3" fill="hold">
-                      <p:stCondLst>
-                        <p:cond delay="indefinite"/>
-                      </p:stCondLst>
-                      <p:childTnLst>
-                        <p:par>
-                          <p:cTn id="4" fill="hold">
-                            <p:stCondLst>
-                              <p:cond delay="0"/>
-                            </p:stCondLst>
-                            <p:childTnLst>
-                              <p:par>
-                                <p:cTn id="5" presetID="2" presetClass="entr" presetSubtype="9" fill="hold" grpId="0" nodeType="clickEffect">
-                                  <p:stCondLst>
-                                    <p:cond delay="0"/>
-                                  </p:stCondLst>
-                                  <p:childTnLst>
-                                    <p:set>
-                                      <p:cBhvr>
-                                        <p:cTn id="6" dur="1" fill="hold">
-                                          <p:stCondLst>
-                                            <p:cond delay="0"/>
-                                          </p:stCondLst>
-                                        </p:cTn>
-                                        <p:tgtEl>
-                                          <p:spTgt spid="12"/>
-                                        </p:tgtEl>
-                                        <p:attrNameLst>
-                                          <p:attrName>style.visibility</p:attrName>
-                                        </p:attrNameLst>
-                                      </p:cBhvr>
-                                      <p:to>
-                                        <p:strVal val="visible"/>
-                                      </p:to>
-                                    </p:set>
-                                    <p:anim calcmode="lin" valueType="num">
-                                      <p:cBhvr additive="base">
-                                        <p:cTn id="7" dur="500" fill="hold"/>
-                                        <p:tgtEl>
-                                          <p:spTgt spid="12"/>
-                                        </p:tgtEl>
-                                        <p:attrNameLst>
-                                          <p:attrName>ppt_x</p:attrName>
-                                        </p:attrNameLst>
-                                      </p:cBhvr>
-                                      <p:tavLst>
-                                        <p:tav tm="0">
-                                          <p:val>
-                                            <p:strVal val="0-#ppt_w/2"/>
-                                          </p:val>
-                                        </p:tav>
-                                        <p:tav tm="100000">
-                                          <p:val>
-                                            <p:strVal val="#ppt_x"/>
-                                          </p:val>
-                                        </p:tav>
-                                      </p:tavLst>
-                                    </p:anim>
-                                    <p:anim calcmode="lin" valueType="num">
-                                      <p:cBhvr additive="base">
-                                        <p:cTn id="8" dur="500" fill="hold"/>
-                                        <p:tgtEl>
-                                          <p:spTgt spid="12"/>
-                                        </p:tgtEl>
-                                        <p:attrNameLst>
-                                          <p:attrName>ppt_y</p:attrName>
-                                        </p:attrNameLst>
-                                      </p:cBhvr>
-                                      <p:tavLst>
-                                        <p:tav tm="0">
-                                          <p:val>
-                                            <p:strVal val="0-#ppt_h/2"/>
-                                          </p:val>
-                                        </p:tav>
-                                        <p:tav tm="100000">
-                                          <p:val>
-                                            <p:strVal val="#ppt_y"/>
-                                          </p:val>
-                                        </p:tav>
-                                      </p:tavLst>
-                                    </p:anim>
-                                  </p:childTnLst>
-                                </p:cTn>
-                              </p:par>
-                            </p:childTnLst>
-                          </p:cTn>
-                        </p:par>
-                      </p:childTnLst>
-                    </p:cTn>
-                  </p:par>
-                </p:childTnLst>
-              </p:cTn>
-              <p:prevCondLst>
-                <p:cond evt="onPrev" delay="0">
-                  <p:tgtEl>
-                    <p:sldTgt/>
-                  </p:tgtEl>
-                </p:cond>
-              </p:prevCondLst>
-              <p:nextCondLst>
-                <p:cond evt="onNext" delay="0">
-                  <p:tgtEl>
-                    <p:sldTgt/>
-                  </p:tgtEl>
-                </p:cond>
-              </p:nextCondLst>
-            </p:seq>
-          </p:childTnLst>
-        </p:cTn>
-      </p:par>
-    </p:tnLst>
-    <p:bldLst>
-      <p:bldP spid="12" grpId="0"/>
-    </p:bldLst>
   </p:timing>
 </p:sld>
 </file>
@@ -10676,7 +10020,7 @@
           <a:graphicData uri="http://schemas.openxmlformats.org/presentationml/2006/ole">
             <mc:AlternateContent xmlns:mc="http://schemas.openxmlformats.org/markup-compatibility/2006">
               <mc:Choice xmlns:v="urn:schemas-microsoft-com:vml" Requires="v">
-                <p:oleObj spid="_x0000_s55397" name="Equation" r:id="rId5" imgW="838200" imgH="482600" progId="Equation.DSMT4">
+                <p:oleObj spid="_x0000_s55451" name="Equation" r:id="rId5" imgW="838200" imgH="482600" progId="Equation.DSMT4">
                   <p:embed/>
                 </p:oleObj>
               </mc:Choice>
@@ -10752,7 +10096,7 @@
           <a:graphicData uri="http://schemas.openxmlformats.org/presentationml/2006/ole">
             <mc:AlternateContent xmlns:mc="http://schemas.openxmlformats.org/markup-compatibility/2006">
               <mc:Choice xmlns:v="urn:schemas-microsoft-com:vml" Requires="v">
-                <p:oleObj spid="_x0000_s55398" name="Equation" r:id="rId7" imgW="939800" imgH="495300" progId="Equation.DSMT4">
+                <p:oleObj spid="_x0000_s55452" name="Equation" r:id="rId7" imgW="939800" imgH="495300" progId="Equation.DSMT4">
                   <p:embed/>
                 </p:oleObj>
               </mc:Choice>
@@ -11118,7 +10462,7 @@
             <a:lstStyle/>
             <a:p>
               <a:r>
-                <a:rPr lang="en-US" sz="3200" dirty="0" err="1" smtClean="0">
+                <a:rPr lang="en-US" sz="3200" dirty="0" smtClean="0">
                   <a:solidFill>
                     <a:srgbClr val="FF0000"/>
                   </a:solidFill>
@@ -11241,7 +10585,7 @@
           <a:graphicData uri="http://schemas.openxmlformats.org/presentationml/2006/ole">
             <mc:AlternateContent xmlns:mc="http://schemas.openxmlformats.org/markup-compatibility/2006">
               <mc:Choice xmlns:v="urn:schemas-microsoft-com:vml" Requires="v">
-                <p:oleObj spid="_x0000_s55399" name="Equation" r:id="rId9" imgW="723900" imgH="228600" progId="Equation.DSMT4">
+                <p:oleObj spid="_x0000_s55453" name="Equation" r:id="rId9" imgW="723900" imgH="228600" progId="Equation.DSMT4">
                   <p:embed/>
                 </p:oleObj>
               </mc:Choice>
@@ -11927,16 +11271,6 @@
               <a:t>{0,1}</a:t>
             </a:r>
             <a:r>
-              <a:rPr lang="en-US" sz="4400" baseline="30000" dirty="0" err="1" smtClean="0">
-                <a:solidFill>
-                  <a:srgbClr val="0000FF"/>
-                </a:solidFill>
-                <a:latin typeface="Euclid Symbol" charset="2"/>
-                <a:cs typeface="Euclid Symbol" charset="2"/>
-              </a:rPr>
-              <a:t>ω</a:t>
-            </a:r>
-            <a:r>
               <a:rPr lang="en-US" sz="4400" baseline="30000" dirty="0" smtClean="0">
                 <a:solidFill>
                   <a:srgbClr val="0000FF"/>
@@ -11944,7 +11278,7 @@
                 <a:latin typeface="Euclid Symbol" charset="2"/>
                 <a:cs typeface="Euclid Symbol" charset="2"/>
               </a:rPr>
-              <a:t> </a:t>
+              <a:t>ω </a:t>
             </a:r>
             <a:r>
               <a:rPr lang="en-US" sz="4400" dirty="0" smtClean="0">
@@ -11977,16 +11311,10 @@
               <a:t>computable </a:t>
             </a:r>
             <a:r>
-              <a:rPr lang="en-US" sz="4400" dirty="0" err="1" smtClean="0">
-                <a:latin typeface="Comic Sans MS"/>
-              </a:rPr>
-              <a:t>iff</a:t>
-            </a:r>
-            <a:r>
               <a:rPr lang="en-US" sz="4400" dirty="0" smtClean="0">
                 <a:latin typeface="Comic Sans MS"/>
               </a:rPr>
-              <a:t> </a:t>
+              <a:t>iff </a:t>
             </a:r>
             <a:r>
               <a:rPr lang="en-US" sz="5400" b="1" dirty="0" smtClean="0">
@@ -12090,7 +11418,7 @@
   <p:clrMapOvr>
     <a:masterClrMapping/>
   </p:clrMapOvr>
-  <p:transition xmlns:p14="http://schemas.microsoft.com/office/powerpoint/2010/main" spd="slow" advTm="73120">
+  <p:transition xmlns:p14="http://schemas.microsoft.com/office/powerpoint/2010/main" spd="slow" advTm="70222">
     <p:fade thruBlk="1"/>
   </p:transition>
   <p:timing>
@@ -12434,15 +11762,7 @@
           <a:p>
             <a:r>
               <a:rPr lang="en-US" sz="4400" dirty="0" smtClean="0"/>
-              <a:t>Only </a:t>
-            </a:r>
-            <a:r>
-              <a:rPr lang="en-US" sz="4400" dirty="0" err="1" smtClean="0"/>
-              <a:t>countably</a:t>
-            </a:r>
-            <a:r>
-              <a:rPr lang="en-US" sz="4400" dirty="0" smtClean="0"/>
-              <a:t> many finite </a:t>
+              <a:t>Only countably many finite </a:t>
             </a:r>
           </a:p>
           <a:p>
@@ -12476,15 +11796,7 @@
           <a:p>
             <a:r>
               <a:rPr lang="en-US" sz="4400" dirty="0"/>
-              <a:t>So only </a:t>
-            </a:r>
-            <a:r>
-              <a:rPr lang="en-US" sz="4400" dirty="0" err="1"/>
-              <a:t>countably</a:t>
-            </a:r>
-            <a:r>
-              <a:rPr lang="en-US" sz="4400" dirty="0"/>
-              <a:t> </a:t>
+              <a:t>So only countably </a:t>
             </a:r>
             <a:r>
               <a:rPr lang="en-US" sz="4400" dirty="0" smtClean="0"/>
@@ -12582,7 +11894,7 @@
   <p:clrMapOvr>
     <a:masterClrMapping/>
   </p:clrMapOvr>
-  <p:transition xmlns:p14="http://schemas.microsoft.com/office/powerpoint/2010/main" advTm="119670">
+  <p:transition xmlns:p14="http://schemas.microsoft.com/office/powerpoint/2010/main" advTm="115765">
     <p:fade/>
   </p:transition>
   <p:timing>
@@ -12992,21 +12304,7 @@
                 <a:latin typeface="Comic Sans MS"/>
                 <a:cs typeface="Comic Sans MS"/>
               </a:rPr>
-              <a:t>So only </a:t>
-            </a:r>
-            <a:r>
-              <a:rPr lang="en-US" sz="4400" dirty="0" err="1" smtClean="0">
-                <a:latin typeface="Comic Sans MS"/>
-                <a:cs typeface="Comic Sans MS"/>
-              </a:rPr>
-              <a:t>countably</a:t>
-            </a:r>
-            <a:r>
-              <a:rPr lang="en-US" sz="4400" dirty="0" smtClean="0">
-                <a:latin typeface="Comic Sans MS"/>
-                <a:cs typeface="Comic Sans MS"/>
-              </a:rPr>
-              <a:t> many</a:t>
+              <a:t>So only countably many</a:t>
             </a:r>
           </a:p>
           <a:p>
@@ -13035,7 +12333,7 @@
               <a:t>{0,1}</a:t>
             </a:r>
             <a:r>
-              <a:rPr lang="en-US" sz="4400" baseline="30000" dirty="0" err="1">
+              <a:rPr lang="en-US" sz="4400" baseline="30000" dirty="0">
                 <a:solidFill>
                   <a:srgbClr val="0000FF"/>
                 </a:solidFill>
@@ -13085,7 +12383,7 @@
           <a:lstStyle/>
           <a:p>
             <a:r>
-              <a:rPr lang="en-US" sz="4400" b="0" dirty="0" err="1">
+              <a:rPr lang="en-US" sz="4400" b="0" dirty="0">
                 <a:solidFill>
                   <a:srgbClr val="F50802"/>
                 </a:solidFill>
@@ -13094,7 +12392,7 @@
               <a:t>N</a:t>
             </a:r>
             <a:r>
-              <a:rPr lang="en-US" dirty="0" err="1" smtClean="0">
+              <a:rPr lang="en-US" dirty="0" smtClean="0">
                 <a:solidFill>
                   <a:srgbClr val="F50802"/>
                 </a:solidFill>
@@ -13102,16 +12400,8 @@
               <a:t>on</a:t>
             </a:r>
             <a:r>
-              <a:rPr lang="en-US" dirty="0" err="1" smtClean="0"/>
-              <a:t>computable</a:t>
-            </a:r>
-            <a:r>
               <a:rPr lang="en-US" dirty="0" smtClean="0"/>
-              <a:t> </a:t>
-            </a:r>
-            <a:r>
-              <a:rPr lang="en-US" dirty="0" smtClean="0"/>
-              <a:t>strings </a:t>
+              <a:t>computable strings </a:t>
             </a:r>
             <a:r>
               <a:rPr lang="en-US" dirty="0">
@@ -13129,7 +12419,7 @@
               <a:t>{0,1}</a:t>
             </a:r>
             <a:r>
-              <a:rPr lang="en-US" baseline="30000" dirty="0" err="1">
+              <a:rPr lang="en-US" baseline="30000" dirty="0">
                 <a:solidFill>
                   <a:srgbClr val="0000FF"/>
                 </a:solidFill>
@@ -13184,16 +12474,6 @@
               <a:t>{0,1}</a:t>
             </a:r>
             <a:r>
-              <a:rPr lang="en-US" sz="4400" baseline="30000" dirty="0" err="1">
-                <a:solidFill>
-                  <a:srgbClr val="0000FF"/>
-                </a:solidFill>
-                <a:latin typeface="Comic Sans MS"/>
-                <a:cs typeface="Comic Sans MS"/>
-              </a:rPr>
-              <a:t>ω</a:t>
-            </a:r>
-            <a:r>
               <a:rPr lang="en-US" sz="4400" baseline="30000" dirty="0">
                 <a:solidFill>
                   <a:srgbClr val="0000FF"/>
@@ -13201,7 +12481,7 @@
                 <a:latin typeface="Comic Sans MS"/>
                 <a:cs typeface="Comic Sans MS"/>
               </a:rPr>
-              <a:t> </a:t>
+              <a:t>ω </a:t>
             </a:r>
             <a:r>
               <a:rPr lang="en-US" sz="4400" dirty="0" smtClean="0">
@@ -13214,7 +12494,7 @@
               <a:t>uncountable, so there must be </a:t>
             </a:r>
             <a:r>
-              <a:rPr lang="en-US" sz="4400" dirty="0" err="1" smtClean="0">
+              <a:rPr lang="en-US" sz="4400" dirty="0" smtClean="0">
                 <a:solidFill>
                   <a:srgbClr val="F50802"/>
                 </a:solidFill>
@@ -13224,16 +12504,6 @@
               <a:t>non</a:t>
             </a:r>
             <a:r>
-              <a:rPr lang="en-US" sz="4400" dirty="0" err="1" smtClean="0">
-                <a:solidFill>
-                  <a:schemeClr val="tx2"/>
-                </a:solidFill>
-                <a:latin typeface="Comic Sans MS"/>
-                <a:cs typeface="Comic Sans MS"/>
-              </a:rPr>
-              <a:t>computable</a:t>
-            </a:r>
-            <a:r>
               <a:rPr lang="en-US" sz="4400" dirty="0" smtClean="0">
                 <a:solidFill>
                   <a:schemeClr val="tx2"/>
@@ -13241,7 +12511,7 @@
                 <a:latin typeface="Comic Sans MS"/>
                 <a:cs typeface="Comic Sans MS"/>
               </a:rPr>
-              <a:t> strings,</a:t>
+              <a:t>computable strings,</a:t>
             </a:r>
           </a:p>
           <a:p>
@@ -13263,27 +12533,7 @@
                 <a:latin typeface="Comic Sans MS"/>
                 <a:cs typeface="Comic Sans MS"/>
               </a:rPr>
-              <a:t>fact, </a:t>
-            </a:r>
-            <a:r>
-              <a:rPr lang="en-US" sz="4400" dirty="0" err="1">
-                <a:solidFill>
-                  <a:schemeClr val="tx2"/>
-                </a:solidFill>
-                <a:latin typeface="Comic Sans MS"/>
-                <a:cs typeface="Comic Sans MS"/>
-              </a:rPr>
-              <a:t>uncountably</a:t>
-            </a:r>
-            <a:r>
-              <a:rPr lang="en-US" sz="4400" dirty="0">
-                <a:solidFill>
-                  <a:schemeClr val="tx2"/>
-                </a:solidFill>
-                <a:latin typeface="Comic Sans MS"/>
-                <a:cs typeface="Comic Sans MS"/>
-              </a:rPr>
-              <a:t> many!</a:t>
+              <a:t>fact, uncountably many!</a:t>
             </a:r>
           </a:p>
           <a:p>
@@ -13310,7 +12560,7 @@
   <p:clrMapOvr>
     <a:masterClrMapping/>
   </p:clrMapOvr>
-  <p:transition xmlns:p14="http://schemas.microsoft.com/office/powerpoint/2010/main" advTm="93473">
+  <p:transition xmlns:p14="http://schemas.microsoft.com/office/powerpoint/2010/main" advTm="109054">
     <p:fade/>
   </p:transition>
   <p:timing>
@@ -13604,7 +12854,7 @@
           <a:lstStyle/>
           <a:p>
             <a:r>
-              <a:rPr lang="en-US" smtClean="0">
+              <a:rPr lang="en-US" dirty="0" smtClean="0">
                 <a:solidFill>
                   <a:srgbClr val="000000"/>
                 </a:solidFill>
@@ -13716,12 +12966,12 @@
           <a:graphicData uri="http://schemas.openxmlformats.org/presentationml/2006/ole">
             <mc:AlternateContent xmlns:mc="http://schemas.openxmlformats.org/markup-compatibility/2006">
               <mc:Choice xmlns:v="urn:schemas-microsoft-com:vml" Requires="v">
-                <p:oleObj spid="_x0000_s1057" name="Equation" r:id="rId3" imgW="2133600" imgH="215900" progId="Equation.DSMT4">
+                <p:oleObj spid="_x0000_s1097" name="Equation" r:id="rId4" imgW="2133600" imgH="215900" progId="Equation.DSMT4">
                   <p:embed/>
                 </p:oleObj>
               </mc:Choice>
               <mc:Fallback>
-                <p:oleObj name="Equation" r:id="rId3" imgW="2133600" imgH="215900" progId="Equation.DSMT4">
+                <p:oleObj name="Equation" r:id="rId4" imgW="2133600" imgH="215900" progId="Equation.DSMT4">
                   <p:embed/>
                   <p:pic>
                     <p:nvPicPr>
@@ -13732,7 +12982,7 @@
                       <p:nvPr/>
                     </p:nvPicPr>
                     <p:blipFill>
-                      <a:blip r:embed="rId4"/>
+                      <a:blip r:embed="rId5"/>
                       <a:srcRect/>
                       <a:stretch>
                         <a:fillRect/>
@@ -13841,12 +13091,12 @@
           <a:graphicData uri="http://schemas.openxmlformats.org/presentationml/2006/ole">
             <mc:AlternateContent xmlns:mc="http://schemas.openxmlformats.org/markup-compatibility/2006">
               <mc:Choice xmlns:v="urn:schemas-microsoft-com:vml" Requires="v">
-                <p:oleObj spid="_x0000_s1058" name="Equation" r:id="rId5" imgW="1549400" imgH="215900" progId="Equation.DSMT4">
+                <p:oleObj spid="_x0000_s1098" name="Equation" r:id="rId6" imgW="1549400" imgH="215900" progId="Equation.DSMT4">
                   <p:embed/>
                 </p:oleObj>
               </mc:Choice>
               <mc:Fallback>
-                <p:oleObj name="Equation" r:id="rId5" imgW="1549400" imgH="215900" progId="Equation.DSMT4">
+                <p:oleObj name="Equation" r:id="rId6" imgW="1549400" imgH="215900" progId="Equation.DSMT4">
                   <p:embed/>
                   <p:pic>
                     <p:nvPicPr>
@@ -13857,7 +13107,7 @@
                       <p:nvPr/>
                     </p:nvPicPr>
                     <p:blipFill>
-                      <a:blip r:embed="rId6"/>
+                      <a:blip r:embed="rId7"/>
                       <a:srcRect/>
                       <a:stretch>
                         <a:fillRect/>
@@ -13890,6 +13140,9 @@
         </a:graphic>
       </p:graphicFrame>
     </p:spTree>
+    <p:custDataLst>
+      <p:tags r:id="rId2"/>
+    </p:custDataLst>
     <p:extLst>
       <p:ext uri="{BB962C8B-B14F-4D97-AF65-F5344CB8AC3E}">
         <p14:creationId xmlns:p14="http://schemas.microsoft.com/office/powerpoint/2010/main" val="3944227324"/>
@@ -13899,7 +13152,7 @@
   <p:clrMapOvr>
     <a:masterClrMapping/>
   </p:clrMapOvr>
-  <p:transition xmlns:p14="http://schemas.microsoft.com/office/powerpoint/2010/main" spd="slow">
+  <p:transition xmlns:p14="http://schemas.microsoft.com/office/powerpoint/2010/main" spd="slow" advTm="191070">
     <p:fade thruBlk="1"/>
   </p:transition>
   <p:timing>
@@ -14168,7 +13421,7 @@
           <a:lstStyle/>
           <a:p>
             <a:r>
-              <a:rPr lang="en-US"/>
+              <a:rPr lang="en-US" dirty="0"/>
               <a:t>Sets &amp; Logical Formulas</a:t>
             </a:r>
           </a:p>
@@ -14205,7 +13458,7 @@
           <a:bodyPr wrap="none" anchor="ctr"/>
           <a:lstStyle/>
           <a:p>
-            <a:endParaRPr lang="en-US"/>
+            <a:endParaRPr lang="en-US" dirty="0"/>
           </a:p>
         </p:txBody>
       </p:sp>
@@ -14240,7 +13493,7 @@
           <a:bodyPr wrap="none" anchor="ctr"/>
           <a:lstStyle/>
           <a:p>
-            <a:endParaRPr lang="en-US"/>
+            <a:endParaRPr lang="en-US" dirty="0"/>
           </a:p>
         </p:txBody>
       </p:sp>
@@ -14266,7 +13519,7 @@
           <a:graphicData uri="http://schemas.openxmlformats.org/presentationml/2006/ole">
             <mc:AlternateContent xmlns:mc="http://schemas.openxmlformats.org/markup-compatibility/2006">
               <mc:Choice xmlns:v="urn:schemas-microsoft-com:vml" Requires="v">
-                <p:oleObj spid="_x0000_s56379" name="Equation" r:id="rId4" imgW="698500" imgH="381000" progId="Equation.DSMT4">
+                <p:oleObj spid="_x0000_s56449" name="Equation" r:id="rId4" imgW="698500" imgH="381000" progId="Equation.DSMT4">
                   <p:embed/>
                 </p:oleObj>
               </mc:Choice>
@@ -14345,7 +13598,7 @@
           <a:bodyPr wrap="none" anchor="ctr"/>
           <a:lstStyle/>
           <a:p>
-            <a:endParaRPr lang="en-US"/>
+            <a:endParaRPr lang="en-US" dirty="0"/>
           </a:p>
         </p:txBody>
       </p:sp>
@@ -14380,7 +13633,7 @@
           <a:bodyPr wrap="none" anchor="ctr"/>
           <a:lstStyle/>
           <a:p>
-            <a:endParaRPr lang="en-US"/>
+            <a:endParaRPr lang="en-US" dirty="0"/>
           </a:p>
         </p:txBody>
       </p:sp>
@@ -14406,7 +13659,7 @@
           <a:graphicData uri="http://schemas.openxmlformats.org/presentationml/2006/ole">
             <mc:AlternateContent xmlns:mc="http://schemas.openxmlformats.org/markup-compatibility/2006">
               <mc:Choice xmlns:v="urn:schemas-microsoft-com:vml" Requires="v">
-                <p:oleObj spid="_x0000_s56380" name="Equation" r:id="rId6" imgW="977900" imgH="330200" progId="Equation.DSMT4">
+                <p:oleObj spid="_x0000_s56450" name="Equation" r:id="rId6" imgW="977900" imgH="330200" progId="Equation.DSMT4">
                   <p:embed/>
                 </p:oleObj>
               </mc:Choice>
@@ -14476,7 +13729,7 @@
           <a:graphicData uri="http://schemas.openxmlformats.org/presentationml/2006/ole">
             <mc:AlternateContent xmlns:mc="http://schemas.openxmlformats.org/markup-compatibility/2006">
               <mc:Choice xmlns:v="urn:schemas-microsoft-com:vml" Requires="v">
-                <p:oleObj spid="_x0000_s56381" name="Equation" r:id="rId8" imgW="965200" imgH="330200" progId="Equation.DSMT4">
+                <p:oleObj spid="_x0000_s56451" name="Equation" r:id="rId8" imgW="965200" imgH="330200" progId="Equation.DSMT4">
                   <p:embed/>
                 </p:oleObj>
               </mc:Choice>
@@ -14546,7 +13799,7 @@
           <a:graphicData uri="http://schemas.openxmlformats.org/presentationml/2006/ole">
             <mc:AlternateContent xmlns:mc="http://schemas.openxmlformats.org/markup-compatibility/2006">
               <mc:Choice xmlns:v="urn:schemas-microsoft-com:vml" Requires="v">
-                <p:oleObj spid="_x0000_s56382" name="Equation" r:id="rId10" imgW="647700" imgH="381000" progId="Equation.DSMT4">
+                <p:oleObj spid="_x0000_s56452" name="Equation" r:id="rId10" imgW="647700" imgH="381000" progId="Equation.DSMT4">
                   <p:embed/>
                 </p:oleObj>
               </mc:Choice>
@@ -15088,7 +14341,7 @@
   <p:clrMapOvr>
     <a:masterClrMapping/>
   </p:clrMapOvr>
-  <p:transition xmlns:p14="http://schemas.microsoft.com/office/powerpoint/2010/main" spd="slow" advTm="36205">
+  <p:transition xmlns:p14="http://schemas.microsoft.com/office/powerpoint/2010/main" spd="slow" advTm="32125">
     <p:fade thruBlk="1"/>
   </p:transition>
   <p:timing>
@@ -15438,16 +14691,10 @@
           <a:lstStyle/>
           <a:p>
             <a:r>
-              <a:rPr lang="en-US" sz="5400" dirty="0" err="1">
-                <a:latin typeface="Comic Sans MS" pitchFamily="66" charset="0"/>
-              </a:rPr>
-              <a:t>DeMorgan's</a:t>
-            </a:r>
-            <a:r>
               <a:rPr lang="en-US" sz="5400" dirty="0">
                 <a:latin typeface="Comic Sans MS" pitchFamily="66" charset="0"/>
               </a:rPr>
-              <a:t> Law</a:t>
+              <a:t>DeMorgan's Law</a:t>
             </a:r>
           </a:p>
         </p:txBody>
@@ -15474,7 +14721,7 @@
           <a:graphicData uri="http://schemas.openxmlformats.org/presentationml/2006/ole">
             <mc:AlternateContent xmlns:mc="http://schemas.openxmlformats.org/markup-compatibility/2006">
               <mc:Choice xmlns:v="urn:schemas-microsoft-com:vml" Requires="v">
-                <p:oleObj spid="_x0000_s57377" name="Equation" r:id="rId4" imgW="1524000" imgH="406400" progId="Equation.DSMT4">
+                <p:oleObj spid="_x0000_s57415" name="Equation" r:id="rId4" imgW="1524000" imgH="406400" progId="Equation.DSMT4">
                   <p:embed/>
                 </p:oleObj>
               </mc:Choice>
@@ -15538,7 +14785,7 @@
           <a:graphicData uri="http://schemas.openxmlformats.org/presentationml/2006/ole">
             <mc:AlternateContent xmlns:mc="http://schemas.openxmlformats.org/markup-compatibility/2006">
               <mc:Choice xmlns:v="urn:schemas-microsoft-com:vml" Requires="v">
-                <p:oleObj spid="_x0000_s57378" name="Equation" r:id="rId6" imgW="1384200" imgH="266400" progId="Equation.DSMT4">
+                <p:oleObj spid="_x0000_s57416" name="Equation" r:id="rId6" imgW="1384200" imgH="266400" progId="Equation.DSMT4">
                   <p:embed/>
                 </p:oleObj>
               </mc:Choice>
@@ -15836,12 +15083,12 @@
           <a:graphicData uri="http://schemas.openxmlformats.org/presentationml/2006/ole">
             <mc:AlternateContent xmlns:mc="http://schemas.openxmlformats.org/markup-compatibility/2006">
               <mc:Choice xmlns:v="urn:schemas-microsoft-com:vml" Requires="v">
-                <p:oleObj spid="_x0000_s58414" name="Equation" r:id="rId4" imgW="1841400" imgH="279360" progId="Equation.DSMT4">
+                <p:oleObj spid="_x0000_s58471" name="Equation" r:id="rId5" imgW="1841400" imgH="279360" progId="Equation.DSMT4">
                   <p:embed/>
                 </p:oleObj>
               </mc:Choice>
               <mc:Fallback>
-                <p:oleObj name="Equation" r:id="rId4" imgW="1841400" imgH="279360" progId="Equation.DSMT4">
+                <p:oleObj name="Equation" r:id="rId5" imgW="1841400" imgH="279360" progId="Equation.DSMT4">
                   <p:embed/>
                   <p:pic>
                     <p:nvPicPr>
@@ -15852,7 +15099,7 @@
                       <p:nvPr/>
                     </p:nvPicPr>
                     <p:blipFill>
-                      <a:blip r:embed="rId5">
+                      <a:blip r:embed="rId6">
                         <a:extLst>
                           <a:ext uri="{28A0092B-C50C-407E-A947-70E740481C1C}">
                             <a14:useLocalDpi xmlns:a14="http://schemas.microsoft.com/office/drawing/2010/main" val="0"/>
@@ -15906,12 +15153,12 @@
           <a:graphicData uri="http://schemas.openxmlformats.org/presentationml/2006/ole">
             <mc:AlternateContent xmlns:mc="http://schemas.openxmlformats.org/markup-compatibility/2006">
               <mc:Choice xmlns:v="urn:schemas-microsoft-com:vml" Requires="v">
-                <p:oleObj spid="_x0000_s58415" name="Equation" r:id="rId6" imgW="1600200" imgH="279360" progId="Equation.DSMT4">
+                <p:oleObj spid="_x0000_s58472" name="Equation" r:id="rId7" imgW="1600200" imgH="279360" progId="Equation.DSMT4">
                   <p:embed/>
                 </p:oleObj>
               </mc:Choice>
               <mc:Fallback>
-                <p:oleObj name="Equation" r:id="rId6" imgW="1600200" imgH="279360" progId="Equation.DSMT4">
+                <p:oleObj name="Equation" r:id="rId7" imgW="1600200" imgH="279360" progId="Equation.DSMT4">
                   <p:embed/>
                   <p:pic>
                     <p:nvPicPr>
@@ -15922,7 +15169,7 @@
                       <p:nvPr/>
                     </p:nvPicPr>
                     <p:blipFill>
-                      <a:blip r:embed="rId7">
+                      <a:blip r:embed="rId8">
                         <a:extLst>
                           <a:ext uri="{28A0092B-C50C-407E-A947-70E740481C1C}">
                             <a14:useLocalDpi xmlns:a14="http://schemas.microsoft.com/office/drawing/2010/main" val="0"/>
@@ -15976,12 +15223,12 @@
           <a:graphicData uri="http://schemas.openxmlformats.org/presentationml/2006/ole">
             <mc:AlternateContent xmlns:mc="http://schemas.openxmlformats.org/markup-compatibility/2006">
               <mc:Choice xmlns:v="urn:schemas-microsoft-com:vml" Requires="v">
-                <p:oleObj spid="_x0000_s58416" name="Equation" r:id="rId8" imgW="1574640" imgH="279360" progId="Equation.DSMT4">
+                <p:oleObj spid="_x0000_s58473" name="Equation" r:id="rId9" imgW="1574640" imgH="279360" progId="Equation.DSMT4">
                   <p:embed/>
                 </p:oleObj>
               </mc:Choice>
               <mc:Fallback>
-                <p:oleObj name="Equation" r:id="rId8" imgW="1574640" imgH="279360" progId="Equation.DSMT4">
+                <p:oleObj name="Equation" r:id="rId9" imgW="1574640" imgH="279360" progId="Equation.DSMT4">
                   <p:embed/>
                   <p:pic>
                     <p:nvPicPr>
@@ -15992,7 +15239,7 @@
                       <p:nvPr/>
                     </p:nvPicPr>
                     <p:blipFill>
-                      <a:blip r:embed="rId9">
+                      <a:blip r:embed="rId10">
                         <a:extLst>
                           <a:ext uri="{28A0092B-C50C-407E-A947-70E740481C1C}">
                             <a14:useLocalDpi xmlns:a14="http://schemas.microsoft.com/office/drawing/2010/main" val="0"/>
@@ -16031,6 +15278,9 @@
         </a:graphic>
       </p:graphicFrame>
     </p:spTree>
+    <p:custDataLst>
+      <p:tags r:id="rId2"/>
+    </p:custDataLst>
     <p:extLst>
       <p:ext uri="{BB962C8B-B14F-4D97-AF65-F5344CB8AC3E}">
         <p14:creationId xmlns:p14="http://schemas.microsoft.com/office/powerpoint/2010/main" val="3251367973"/>
@@ -16040,7 +15290,7 @@
   <p:clrMapOvr>
     <a:masterClrMapping/>
   </p:clrMapOvr>
-  <p:transition xmlns:p14="http://schemas.microsoft.com/office/powerpoint/2010/main" spd="med">
+  <p:transition xmlns:p14="http://schemas.microsoft.com/office/powerpoint/2010/main" spd="med" advTm="137663">
     <p:fade thruBlk="1"/>
   </p:transition>
   <p:timing>
@@ -16421,6 +15671,9 @@
         </p:txBody>
       </p:sp>
     </p:spTree>
+    <p:custDataLst>
+      <p:tags r:id="rId1"/>
+    </p:custDataLst>
     <p:extLst>
       <p:ext uri="{BB962C8B-B14F-4D97-AF65-F5344CB8AC3E}">
         <p14:creationId xmlns:p14="http://schemas.microsoft.com/office/powerpoint/2010/main" val="1442472296"/>
@@ -16432,12 +15685,12 @@
   </p:clrMapOvr>
   <mc:AlternateContent xmlns:mc="http://schemas.openxmlformats.org/markup-compatibility/2006" xmlns:p14="http://schemas.microsoft.com/office/powerpoint/2010/main">
     <mc:Choice Requires="p14">
-      <p:transition spd="med" p14:dur="700">
+      <p:transition spd="med" p14:dur="700" advTm="58982">
         <p:fade/>
       </p:transition>
     </mc:Choice>
     <mc:Fallback xmlns="">
-      <p:transition xmlns:p14="http://schemas.microsoft.com/office/powerpoint/2010/main" spd="med">
+      <p:transition xmlns:p14="http://schemas.microsoft.com/office/powerpoint/2010/main" spd="med" advTm="58982">
         <p:fade/>
       </p:transition>
     </mc:Fallback>
@@ -16728,12 +15981,12 @@
           <a:graphicData uri="http://schemas.openxmlformats.org/presentationml/2006/ole">
             <mc:AlternateContent xmlns:mc="http://schemas.openxmlformats.org/markup-compatibility/2006">
               <mc:Choice xmlns:v="urn:schemas-microsoft-com:vml" Requires="v">
-                <p:oleObj spid="_x0000_s59412" name="Equation" r:id="rId4" imgW="1790640" imgH="279360" progId="Equation.DSMT4">
+                <p:oleObj spid="_x0000_s59435" name="Equation" r:id="rId5" imgW="1790640" imgH="279360" progId="Equation.DSMT4">
                   <p:embed/>
                 </p:oleObj>
               </mc:Choice>
               <mc:Fallback>
-                <p:oleObj name="Equation" r:id="rId4" imgW="1790640" imgH="279360" progId="Equation.DSMT4">
+                <p:oleObj name="Equation" r:id="rId5" imgW="1790640" imgH="279360" progId="Equation.DSMT4">
                   <p:embed/>
                   <p:pic>
                     <p:nvPicPr>
@@ -16744,7 +15997,7 @@
                       <p:nvPr/>
                     </p:nvPicPr>
                     <p:blipFill>
-                      <a:blip r:embed="rId5">
+                      <a:blip r:embed="rId6">
                         <a:extLst>
                           <a:ext uri="{28A0092B-C50C-407E-A947-70E740481C1C}">
                             <a14:useLocalDpi xmlns:a14="http://schemas.microsoft.com/office/drawing/2010/main" val="0"/>
@@ -16977,6 +16230,9 @@
         </p:txBody>
       </p:sp>
     </p:spTree>
+    <p:custDataLst>
+      <p:tags r:id="rId2"/>
+    </p:custDataLst>
     <p:extLst>
       <p:ext uri="{BB962C8B-B14F-4D97-AF65-F5344CB8AC3E}">
         <p14:creationId xmlns:p14="http://schemas.microsoft.com/office/powerpoint/2010/main" val="2784766187"/>
@@ -16986,7 +16242,7 @@
   <p:clrMapOvr>
     <a:masterClrMapping/>
   </p:clrMapOvr>
-  <p:transition xmlns:p14="http://schemas.microsoft.com/office/powerpoint/2010/main">
+  <p:transition xmlns:p14="http://schemas.microsoft.com/office/powerpoint/2010/main" advTm="47850">
     <p:fade/>
   </p:transition>
   <p:timing>
@@ -17627,6 +16883,9 @@
         </p:txBody>
       </p:sp>
     </p:spTree>
+    <p:custDataLst>
+      <p:tags r:id="rId1"/>
+    </p:custDataLst>
     <p:extLst>
       <p:ext uri="{BB962C8B-B14F-4D97-AF65-F5344CB8AC3E}">
         <p14:creationId xmlns:p14="http://schemas.microsoft.com/office/powerpoint/2010/main" val="1731554168"/>
@@ -17636,7 +16895,7 @@
   <p:clrMapOvr>
     <a:masterClrMapping/>
   </p:clrMapOvr>
-  <p:transition xmlns:p14="http://schemas.microsoft.com/office/powerpoint/2010/main" spd="slow">
+  <p:transition xmlns:p14="http://schemas.microsoft.com/office/powerpoint/2010/main" spd="slow" advTm="66079">
     <p:fade/>
   </p:transition>
   <p:timing>
@@ -17852,12 +17111,8 @@
           <a:lstStyle/>
           <a:p>
             <a:r>
-              <a:rPr lang="en-US" dirty="0" err="1" smtClean="0"/>
-              <a:t>Zermelo</a:t>
-            </a:r>
-            <a:r>
               <a:rPr lang="en-US" dirty="0" smtClean="0"/>
-              <a:t>-Frankel Set Theory</a:t>
+              <a:t>Zermelo-Frankel Set Theory</a:t>
             </a:r>
             <a:endParaRPr lang="en-US" dirty="0"/>
           </a:p>
@@ -17891,15 +17146,7 @@
           <a:p>
             <a:r>
               <a:rPr lang="en-US" sz="4400" dirty="0" smtClean="0"/>
-              <a:t>axioms of </a:t>
-            </a:r>
-            <a:r>
-              <a:rPr lang="en-US" sz="4400" dirty="0" err="1" smtClean="0"/>
-              <a:t>Zermelo</a:t>
-            </a:r>
-            <a:r>
-              <a:rPr lang="en-US" sz="4400" dirty="0" smtClean="0"/>
-              <a:t>-Frankel </a:t>
+              <a:t>axioms of Zermelo-Frankel </a:t>
             </a:r>
           </a:p>
           <a:p>
@@ -17926,7 +17173,7 @@
   <p:clrMapOvr>
     <a:masterClrMapping/>
   </p:clrMapOvr>
-  <p:transition xmlns:p14="http://schemas.microsoft.com/office/powerpoint/2010/main" spd="slow">
+  <p:transition xmlns:p14="http://schemas.microsoft.com/office/powerpoint/2010/main" spd="slow" advTm="43780">
     <p:fade thruBlk="1"/>
   </p:transition>
   <p:timing>
@@ -18017,12 +17264,8 @@
           <a:lstStyle/>
           <a:p>
             <a:r>
-              <a:rPr lang="en-US" dirty="0" err="1" smtClean="0"/>
-              <a:t>Zermelo</a:t>
-            </a:r>
-            <a:r>
               <a:rPr lang="en-US" dirty="0" smtClean="0"/>
-              <a:t>-Frankel Set Theory</a:t>
+              <a:t>Zermelo-Frankel Set Theory</a:t>
             </a:r>
             <a:endParaRPr lang="en-US" dirty="0"/>
           </a:p>
@@ -18038,7 +17281,7 @@
   <p:clrMapOvr>
     <a:masterClrMapping/>
   </p:clrMapOvr>
-  <p:transition xmlns:p14="http://schemas.microsoft.com/office/powerpoint/2010/main">
+  <p:transition xmlns:p14="http://schemas.microsoft.com/office/powerpoint/2010/main" advTm="33504">
     <p:fade/>
   </p:transition>
   <p:timing>
@@ -18165,18 +17408,17 @@
           <a:lstStyle/>
           <a:p>
             <a:r>
-              <a:rPr lang="en-US" dirty="0" err="1" smtClean="0"/>
-              <a:t>Zermelo</a:t>
-            </a:r>
-            <a:r>
               <a:rPr lang="en-US" dirty="0" smtClean="0"/>
-              <a:t>-Frankel Set Theory</a:t>
+              <a:t>Zermelo-Frankel Set Theory</a:t>
             </a:r>
             <a:endParaRPr lang="en-US" dirty="0"/>
           </a:p>
         </p:txBody>
       </p:sp>
     </p:spTree>
+    <p:custDataLst>
+      <p:tags r:id="rId1"/>
+    </p:custDataLst>
     <p:extLst>
       <p:ext uri="{BB962C8B-B14F-4D97-AF65-F5344CB8AC3E}">
         <p14:creationId xmlns:p14="http://schemas.microsoft.com/office/powerpoint/2010/main" val="1282792272"/>
@@ -18186,7 +17428,7 @@
   <p:clrMapOvr>
     <a:masterClrMapping/>
   </p:clrMapOvr>
-  <p:transition xmlns:p14="http://schemas.microsoft.com/office/powerpoint/2010/main">
+  <p:transition xmlns:p14="http://schemas.microsoft.com/office/powerpoint/2010/main" advTm="61995">
     <p:fade/>
   </p:transition>
   <p:timing>
@@ -18490,15 +17732,7 @@
             </a:r>
             <a:r>
               <a:rPr lang="en-US" sz="4800" dirty="0" smtClean="0"/>
-              <a:t> </a:t>
-            </a:r>
-            <a:r>
-              <a:rPr lang="en-US" sz="4800" dirty="0" err="1" smtClean="0"/>
-              <a:t>iff</a:t>
-            </a:r>
-            <a:r>
-              <a:rPr lang="en-US" sz="4800" dirty="0" smtClean="0"/>
-              <a:t> can list it:</a:t>
+              <a:t> iff can list it:</a:t>
             </a:r>
             <a:r>
               <a:rPr lang="en-US" sz="4800" dirty="0" smtClean="0">
@@ -18848,12 +18082,12 @@
           <a:graphicData uri="http://schemas.openxmlformats.org/presentationml/2006/ole">
             <mc:AlternateContent xmlns:mc="http://schemas.openxmlformats.org/markup-compatibility/2006">
               <mc:Choice xmlns:v="urn:schemas-microsoft-com:vml" Requires="v">
-                <p:oleObj spid="_x0000_s70691" name="Equation" r:id="rId4" imgW="457200" imgH="393700" progId="Equation.DSMT4">
+                <p:oleObj spid="_x0000_s70729" name="Equation" r:id="rId5" imgW="457200" imgH="393700" progId="Equation.DSMT4">
                   <p:embed/>
                 </p:oleObj>
               </mc:Choice>
               <mc:Fallback>
-                <p:oleObj name="Equation" r:id="rId4" imgW="457200" imgH="393700" progId="Equation.DSMT4">
+                <p:oleObj name="Equation" r:id="rId5" imgW="457200" imgH="393700" progId="Equation.DSMT4">
                   <p:embed/>
                   <p:pic>
                     <p:nvPicPr>
@@ -18862,7 +18096,7 @@
                       <p:nvPr/>
                     </p:nvPicPr>
                     <p:blipFill>
-                      <a:blip r:embed="rId5"/>
+                      <a:blip r:embed="rId6"/>
                       <a:stretch>
                         <a:fillRect/>
                       </a:stretch>
@@ -18919,12 +18153,12 @@
             <a:graphicData uri="http://schemas.openxmlformats.org/presentationml/2006/ole">
               <mc:AlternateContent xmlns:mc="http://schemas.openxmlformats.org/markup-compatibility/2006">
                 <mc:Choice xmlns:v="urn:schemas-microsoft-com:vml" Requires="v">
-                  <p:oleObj spid="_x0000_s70692" name="Equation" r:id="rId6" imgW="444500" imgH="393700" progId="Equation.DSMT4">
+                  <p:oleObj spid="_x0000_s70730" name="Equation" r:id="rId7" imgW="444500" imgH="393700" progId="Equation.DSMT4">
                     <p:embed/>
                   </p:oleObj>
                 </mc:Choice>
                 <mc:Fallback>
-                  <p:oleObj name="Equation" r:id="rId6" imgW="444500" imgH="393700" progId="Equation.DSMT4">
+                  <p:oleObj name="Equation" r:id="rId7" imgW="444500" imgH="393700" progId="Equation.DSMT4">
                     <p:embed/>
                     <p:pic>
                       <p:nvPicPr>
@@ -18933,7 +18167,7 @@
                         <p:nvPr/>
                       </p:nvPicPr>
                       <p:blipFill>
-                        <a:blip r:embed="rId7"/>
+                        <a:blip r:embed="rId8"/>
                         <a:stretch>
                           <a:fillRect/>
                         </a:stretch>
@@ -19041,6 +18275,9 @@
         </p:sp>
       </p:grpSp>
     </p:spTree>
+    <p:custDataLst>
+      <p:tags r:id="rId2"/>
+    </p:custDataLst>
     <p:extLst>
       <p:ext uri="{BB962C8B-B14F-4D97-AF65-F5344CB8AC3E}">
         <p14:creationId xmlns:p14="http://schemas.microsoft.com/office/powerpoint/2010/main" val="3424049359"/>
@@ -19050,7 +18287,7 @@
   <p:clrMapOvr>
     <a:masterClrMapping/>
   </p:clrMapOvr>
-  <p:transition xmlns:p14="http://schemas.microsoft.com/office/powerpoint/2010/main">
+  <p:transition xmlns:p14="http://schemas.microsoft.com/office/powerpoint/2010/main" advTm="59181">
     <p:fade thruBlk="1"/>
   </p:transition>
   <p:timing>
@@ -19389,12 +18626,12 @@
           <a:graphicData uri="http://schemas.openxmlformats.org/presentationml/2006/ole">
             <mc:AlternateContent xmlns:mc="http://schemas.openxmlformats.org/markup-compatibility/2006">
               <mc:Choice xmlns:v="urn:schemas-microsoft-com:vml" Requires="v">
-                <p:oleObj spid="_x0000_s63513" name="Equation" r:id="rId3" imgW="1333500" imgH="393700" progId="Equation.DSMT4">
+                <p:oleObj spid="_x0000_s63535" name="Equation" r:id="rId4" imgW="1333500" imgH="393700" progId="Equation.DSMT4">
                   <p:embed/>
                 </p:oleObj>
               </mc:Choice>
               <mc:Fallback>
-                <p:oleObj name="Equation" r:id="rId3" imgW="1333500" imgH="393700" progId="Equation.DSMT4">
+                <p:oleObj name="Equation" r:id="rId4" imgW="1333500" imgH="393700" progId="Equation.DSMT4">
                   <p:embed/>
                   <p:pic>
                     <p:nvPicPr>
@@ -19403,7 +18640,7 @@
                       <p:nvPr/>
                     </p:nvPicPr>
                     <p:blipFill>
-                      <a:blip r:embed="rId4"/>
+                      <a:blip r:embed="rId5"/>
                       <a:stretch>
                         <a:fillRect/>
                       </a:stretch>
@@ -21035,7 +20272,7 @@
                     <a:lstStyle/>
                     <a:p>
                       <a:pPr algn="ctr"/>
-                      <a:endParaRPr lang="en-US">
+                      <a:endParaRPr lang="en-US" dirty="0">
                         <a:latin typeface="Comic Sans MS"/>
                         <a:cs typeface="Comic Sans MS"/>
                       </a:endParaRPr>
@@ -21049,7 +20286,7 @@
                     <a:lstStyle/>
                     <a:p>
                       <a:pPr algn="ctr"/>
-                      <a:endParaRPr lang="en-US">
+                      <a:endParaRPr lang="en-US" dirty="0">
                         <a:latin typeface="Comic Sans MS"/>
                         <a:cs typeface="Comic Sans MS"/>
                       </a:endParaRPr>
@@ -21098,7 +20335,7 @@
                     <a:lstStyle/>
                     <a:p>
                       <a:pPr algn="ctr"/>
-                      <a:endParaRPr lang="en-US">
+                      <a:endParaRPr lang="en-US" dirty="0">
                         <a:latin typeface="Comic Sans MS"/>
                         <a:cs typeface="Comic Sans MS"/>
                       </a:endParaRPr>
@@ -21112,7 +20349,7 @@
                     <a:lstStyle/>
                     <a:p>
                       <a:pPr algn="ctr"/>
-                      <a:endParaRPr lang="en-US">
+                      <a:endParaRPr lang="en-US" dirty="0">
                         <a:latin typeface="Comic Sans MS"/>
                         <a:cs typeface="Comic Sans MS"/>
                       </a:endParaRPr>
@@ -21125,7 +20362,7 @@
                     <a:bodyPr/>
                     <a:lstStyle/>
                     <a:p>
-                      <a:endParaRPr lang="en-US">
+                      <a:endParaRPr lang="en-US" dirty="0">
                         <a:latin typeface="Comic Sans MS"/>
                         <a:cs typeface="Comic Sans MS"/>
                       </a:endParaRPr>
@@ -21138,7 +20375,7 @@
                     <a:bodyPr/>
                     <a:lstStyle/>
                     <a:p>
-                      <a:endParaRPr lang="en-US">
+                      <a:endParaRPr lang="en-US" dirty="0">
                         <a:latin typeface="Comic Sans MS"/>
                         <a:cs typeface="Comic Sans MS"/>
                       </a:endParaRPr>
@@ -21151,7 +20388,7 @@
                     <a:bodyPr/>
                     <a:lstStyle/>
                     <a:p>
-                      <a:endParaRPr lang="en-US">
+                      <a:endParaRPr lang="en-US" dirty="0">
                         <a:latin typeface="Comic Sans MS"/>
                         <a:cs typeface="Comic Sans MS"/>
                       </a:endParaRPr>
@@ -21263,7 +20500,7 @@
                     <a:lstStyle/>
                     <a:p>
                       <a:pPr algn="ctr"/>
-                      <a:endParaRPr lang="en-US">
+                      <a:endParaRPr lang="en-US" dirty="0">
                         <a:latin typeface="Comic Sans MS"/>
                         <a:cs typeface="Comic Sans MS"/>
                       </a:endParaRPr>
@@ -21298,7 +20535,7 @@
                     <a:lstStyle/>
                     <a:p>
                       <a:pPr algn="ctr"/>
-                      <a:endParaRPr lang="en-US">
+                      <a:endParaRPr lang="en-US" dirty="0">
                         <a:latin typeface="Comic Sans MS"/>
                         <a:cs typeface="Comic Sans MS"/>
                       </a:endParaRPr>
@@ -21312,7 +20549,7 @@
                     <a:lstStyle/>
                     <a:p>
                       <a:pPr algn="ctr"/>
-                      <a:endParaRPr lang="en-US">
+                      <a:endParaRPr lang="en-US" dirty="0">
                         <a:latin typeface="Comic Sans MS"/>
                         <a:cs typeface="Comic Sans MS"/>
                       </a:endParaRPr>
@@ -21347,7 +20584,7 @@
                     <a:lstStyle/>
                     <a:p>
                       <a:pPr algn="ctr"/>
-                      <a:endParaRPr lang="en-US">
+                      <a:endParaRPr lang="en-US" dirty="0">
                         <a:latin typeface="Comic Sans MS"/>
                         <a:cs typeface="Comic Sans MS"/>
                       </a:endParaRPr>
@@ -21361,7 +20598,7 @@
                     <a:lstStyle/>
                     <a:p>
                       <a:pPr algn="ctr"/>
-                      <a:endParaRPr lang="en-US">
+                      <a:endParaRPr lang="en-US" dirty="0">
                         <a:latin typeface="Comic Sans MS"/>
                         <a:cs typeface="Comic Sans MS"/>
                       </a:endParaRPr>
@@ -21374,7 +20611,7 @@
                     <a:bodyPr/>
                     <a:lstStyle/>
                     <a:p>
-                      <a:endParaRPr lang="en-US">
+                      <a:endParaRPr lang="en-US" dirty="0">
                         <a:latin typeface="Comic Sans MS"/>
                         <a:cs typeface="Comic Sans MS"/>
                       </a:endParaRPr>
@@ -21387,7 +20624,7 @@
                     <a:bodyPr/>
                     <a:lstStyle/>
                     <a:p>
-                      <a:endParaRPr lang="en-US">
+                      <a:endParaRPr lang="en-US" dirty="0">
                         <a:latin typeface="Comic Sans MS"/>
                         <a:cs typeface="Comic Sans MS"/>
                       </a:endParaRPr>
@@ -21400,7 +20637,7 @@
                     <a:bodyPr/>
                     <a:lstStyle/>
                     <a:p>
-                      <a:endParaRPr lang="en-US">
+                      <a:endParaRPr lang="en-US" dirty="0">
                         <a:latin typeface="Comic Sans MS"/>
                         <a:cs typeface="Comic Sans MS"/>
                       </a:endParaRPr>
@@ -21413,7 +20650,7 @@
                     <a:bodyPr/>
                     <a:lstStyle/>
                     <a:p>
-                      <a:endParaRPr lang="en-US">
+                      <a:endParaRPr lang="en-US" dirty="0">
                         <a:latin typeface="Comic Sans MS"/>
                         <a:cs typeface="Comic Sans MS"/>
                       </a:endParaRPr>
@@ -21468,7 +20705,7 @@
                     <a:lstStyle/>
                     <a:p>
                       <a:pPr algn="ctr"/>
-                      <a:endParaRPr lang="en-US">
+                      <a:endParaRPr lang="en-US" dirty="0">
                         <a:latin typeface="Comic Sans MS"/>
                         <a:cs typeface="Comic Sans MS"/>
                       </a:endParaRPr>
@@ -21482,7 +20719,7 @@
                     <a:lstStyle/>
                     <a:p>
                       <a:pPr algn="ctr"/>
-                      <a:endParaRPr lang="en-US">
+                      <a:endParaRPr lang="en-US" dirty="0">
                         <a:latin typeface="Comic Sans MS"/>
                         <a:cs typeface="Comic Sans MS"/>
                       </a:endParaRPr>
@@ -21579,7 +20816,7 @@
                     <a:bodyPr/>
                     <a:lstStyle/>
                     <a:p>
-                      <a:endParaRPr lang="en-US">
+                      <a:endParaRPr lang="en-US" dirty="0">
                         <a:latin typeface="Comic Sans MS"/>
                         <a:cs typeface="Comic Sans MS"/>
                       </a:endParaRPr>
@@ -21592,7 +20829,7 @@
                     <a:bodyPr/>
                     <a:lstStyle/>
                     <a:p>
-                      <a:endParaRPr lang="en-US">
+                      <a:endParaRPr lang="en-US" dirty="0">
                         <a:latin typeface="Comic Sans MS"/>
                         <a:cs typeface="Comic Sans MS"/>
                       </a:endParaRPr>
@@ -21605,7 +20842,7 @@
                     <a:bodyPr/>
                     <a:lstStyle/>
                     <a:p>
-                      <a:endParaRPr lang="en-US">
+                      <a:endParaRPr lang="en-US" dirty="0">
                         <a:latin typeface="Comic Sans MS"/>
                         <a:cs typeface="Comic Sans MS"/>
                       </a:endParaRPr>
@@ -21632,6 +20869,9 @@
         </a:graphic>
       </p:graphicFrame>
     </p:spTree>
+    <p:custDataLst>
+      <p:tags r:id="rId2"/>
+    </p:custDataLst>
     <p:extLst>
       <p:ext uri="{BB962C8B-B14F-4D97-AF65-F5344CB8AC3E}">
         <p14:creationId xmlns:p14="http://schemas.microsoft.com/office/powerpoint/2010/main" val="3880783758"/>
@@ -21641,6 +20881,14 @@
   <p:clrMapOvr>
     <a:masterClrMapping/>
   </p:clrMapOvr>
+  <mc:AlternateContent xmlns:mc="http://schemas.openxmlformats.org/markup-compatibility/2006" xmlns:p14="http://schemas.microsoft.com/office/powerpoint/2010/main">
+    <mc:Choice Requires="p14">
+      <p:transition spd="slow" p14:dur="2000" advTm="110152"/>
+    </mc:Choice>
+    <mc:Fallback xmlns="">
+      <p:transition xmlns:p14="http://schemas.microsoft.com/office/powerpoint/2010/main" spd="slow" advTm="110152"/>
+    </mc:Fallback>
+  </mc:AlternateContent>
   <p:timing>
     <p:tnLst>
       <p:par>
@@ -21922,12 +21170,12 @@
           <a:graphicData uri="http://schemas.openxmlformats.org/presentationml/2006/ole">
             <mc:AlternateContent xmlns:mc="http://schemas.openxmlformats.org/markup-compatibility/2006">
               <mc:Choice xmlns:v="urn:schemas-microsoft-com:vml" Requires="v">
-                <p:oleObj spid="_x0000_s71699" name="Equation" r:id="rId3" imgW="1333500" imgH="393700" progId="Equation.DSMT4">
+                <p:oleObj spid="_x0000_s71721" name="Equation" r:id="rId4" imgW="1333500" imgH="393700" progId="Equation.DSMT4">
                   <p:embed/>
                 </p:oleObj>
               </mc:Choice>
               <mc:Fallback>
-                <p:oleObj name="Equation" r:id="rId3" imgW="1333500" imgH="393700" progId="Equation.DSMT4">
+                <p:oleObj name="Equation" r:id="rId4" imgW="1333500" imgH="393700" progId="Equation.DSMT4">
                   <p:embed/>
                   <p:pic>
                     <p:nvPicPr>
@@ -21936,7 +21184,7 @@
                       <p:nvPr/>
                     </p:nvPicPr>
                     <p:blipFill>
-                      <a:blip r:embed="rId4"/>
+                      <a:blip r:embed="rId5"/>
                       <a:stretch>
                         <a:fillRect/>
                       </a:stretch>
@@ -23568,7 +22816,7 @@
                     <a:lstStyle/>
                     <a:p>
                       <a:pPr algn="ctr"/>
-                      <a:endParaRPr lang="en-US">
+                      <a:endParaRPr lang="en-US" dirty="0">
                         <a:latin typeface="Comic Sans MS"/>
                         <a:cs typeface="Comic Sans MS"/>
                       </a:endParaRPr>
@@ -23582,7 +22830,7 @@
                     <a:lstStyle/>
                     <a:p>
                       <a:pPr algn="ctr"/>
-                      <a:endParaRPr lang="en-US">
+                      <a:endParaRPr lang="en-US" dirty="0">
                         <a:latin typeface="Comic Sans MS"/>
                         <a:cs typeface="Comic Sans MS"/>
                       </a:endParaRPr>
@@ -23631,7 +22879,7 @@
                     <a:lstStyle/>
                     <a:p>
                       <a:pPr algn="ctr"/>
-                      <a:endParaRPr lang="en-US">
+                      <a:endParaRPr lang="en-US" dirty="0">
                         <a:latin typeface="Comic Sans MS"/>
                         <a:cs typeface="Comic Sans MS"/>
                       </a:endParaRPr>
@@ -23645,7 +22893,7 @@
                     <a:lstStyle/>
                     <a:p>
                       <a:pPr algn="ctr"/>
-                      <a:endParaRPr lang="en-US">
+                      <a:endParaRPr lang="en-US" dirty="0">
                         <a:latin typeface="Comic Sans MS"/>
                         <a:cs typeface="Comic Sans MS"/>
                       </a:endParaRPr>
@@ -23658,7 +22906,7 @@
                     <a:bodyPr/>
                     <a:lstStyle/>
                     <a:p>
-                      <a:endParaRPr lang="en-US">
+                      <a:endParaRPr lang="en-US" dirty="0">
                         <a:latin typeface="Comic Sans MS"/>
                         <a:cs typeface="Comic Sans MS"/>
                       </a:endParaRPr>
@@ -23671,7 +22919,7 @@
                     <a:bodyPr/>
                     <a:lstStyle/>
                     <a:p>
-                      <a:endParaRPr lang="en-US">
+                      <a:endParaRPr lang="en-US" dirty="0">
                         <a:latin typeface="Comic Sans MS"/>
                         <a:cs typeface="Comic Sans MS"/>
                       </a:endParaRPr>
@@ -23684,7 +22932,7 @@
                     <a:bodyPr/>
                     <a:lstStyle/>
                     <a:p>
-                      <a:endParaRPr lang="en-US">
+                      <a:endParaRPr lang="en-US" dirty="0">
                         <a:latin typeface="Comic Sans MS"/>
                         <a:cs typeface="Comic Sans MS"/>
                       </a:endParaRPr>
@@ -23796,7 +23044,7 @@
                     <a:lstStyle/>
                     <a:p>
                       <a:pPr algn="ctr"/>
-                      <a:endParaRPr lang="en-US">
+                      <a:endParaRPr lang="en-US" dirty="0">
                         <a:latin typeface="Comic Sans MS"/>
                         <a:cs typeface="Comic Sans MS"/>
                       </a:endParaRPr>
@@ -23831,7 +23079,7 @@
                     <a:lstStyle/>
                     <a:p>
                       <a:pPr algn="ctr"/>
-                      <a:endParaRPr lang="en-US">
+                      <a:endParaRPr lang="en-US" dirty="0">
                         <a:latin typeface="Comic Sans MS"/>
                         <a:cs typeface="Comic Sans MS"/>
                       </a:endParaRPr>
@@ -23845,7 +23093,7 @@
                     <a:lstStyle/>
                     <a:p>
                       <a:pPr algn="ctr"/>
-                      <a:endParaRPr lang="en-US">
+                      <a:endParaRPr lang="en-US" dirty="0">
                         <a:latin typeface="Comic Sans MS"/>
                         <a:cs typeface="Comic Sans MS"/>
                       </a:endParaRPr>
@@ -23880,7 +23128,7 @@
                     <a:lstStyle/>
                     <a:p>
                       <a:pPr algn="ctr"/>
-                      <a:endParaRPr lang="en-US">
+                      <a:endParaRPr lang="en-US" dirty="0">
                         <a:latin typeface="Comic Sans MS"/>
                         <a:cs typeface="Comic Sans MS"/>
                       </a:endParaRPr>
@@ -23894,7 +23142,7 @@
                     <a:lstStyle/>
                     <a:p>
                       <a:pPr algn="ctr"/>
-                      <a:endParaRPr lang="en-US">
+                      <a:endParaRPr lang="en-US" dirty="0">
                         <a:latin typeface="Comic Sans MS"/>
                         <a:cs typeface="Comic Sans MS"/>
                       </a:endParaRPr>
@@ -23907,7 +23155,7 @@
                     <a:bodyPr/>
                     <a:lstStyle/>
                     <a:p>
-                      <a:endParaRPr lang="en-US">
+                      <a:endParaRPr lang="en-US" dirty="0">
                         <a:latin typeface="Comic Sans MS"/>
                         <a:cs typeface="Comic Sans MS"/>
                       </a:endParaRPr>
@@ -23920,7 +23168,7 @@
                     <a:bodyPr/>
                     <a:lstStyle/>
                     <a:p>
-                      <a:endParaRPr lang="en-US">
+                      <a:endParaRPr lang="en-US" dirty="0">
                         <a:latin typeface="Comic Sans MS"/>
                         <a:cs typeface="Comic Sans MS"/>
                       </a:endParaRPr>
@@ -23933,7 +23181,7 @@
                     <a:bodyPr/>
                     <a:lstStyle/>
                     <a:p>
-                      <a:endParaRPr lang="en-US">
+                      <a:endParaRPr lang="en-US" dirty="0">
                         <a:latin typeface="Comic Sans MS"/>
                         <a:cs typeface="Comic Sans MS"/>
                       </a:endParaRPr>
@@ -23946,7 +23194,7 @@
                     <a:bodyPr/>
                     <a:lstStyle/>
                     <a:p>
-                      <a:endParaRPr lang="en-US">
+                      <a:endParaRPr lang="en-US" dirty="0">
                         <a:latin typeface="Comic Sans MS"/>
                         <a:cs typeface="Comic Sans MS"/>
                       </a:endParaRPr>
@@ -24001,7 +23249,7 @@
                     <a:lstStyle/>
                     <a:p>
                       <a:pPr algn="ctr"/>
-                      <a:endParaRPr lang="en-US">
+                      <a:endParaRPr lang="en-US" dirty="0">
                         <a:latin typeface="Comic Sans MS"/>
                         <a:cs typeface="Comic Sans MS"/>
                       </a:endParaRPr>
@@ -24015,7 +23263,7 @@
                     <a:lstStyle/>
                     <a:p>
                       <a:pPr algn="ctr"/>
-                      <a:endParaRPr lang="en-US">
+                      <a:endParaRPr lang="en-US" dirty="0">
                         <a:latin typeface="Comic Sans MS"/>
                         <a:cs typeface="Comic Sans MS"/>
                       </a:endParaRPr>
@@ -24112,7 +23360,7 @@
                     <a:bodyPr/>
                     <a:lstStyle/>
                     <a:p>
-                      <a:endParaRPr lang="en-US">
+                      <a:endParaRPr lang="en-US" dirty="0">
                         <a:latin typeface="Comic Sans MS"/>
                         <a:cs typeface="Comic Sans MS"/>
                       </a:endParaRPr>
@@ -24125,7 +23373,7 @@
                     <a:bodyPr/>
                     <a:lstStyle/>
                     <a:p>
-                      <a:endParaRPr lang="en-US">
+                      <a:endParaRPr lang="en-US" dirty="0">
                         <a:latin typeface="Comic Sans MS"/>
                         <a:cs typeface="Comic Sans MS"/>
                       </a:endParaRPr>
@@ -24138,7 +23386,7 @@
                     <a:bodyPr/>
                     <a:lstStyle/>
                     <a:p>
-                      <a:endParaRPr lang="en-US">
+                      <a:endParaRPr lang="en-US" dirty="0">
                         <a:latin typeface="Comic Sans MS"/>
                         <a:cs typeface="Comic Sans MS"/>
                       </a:endParaRPr>
@@ -24431,6 +23679,9 @@
         </p:txBody>
       </p:sp>
     </p:spTree>
+    <p:custDataLst>
+      <p:tags r:id="rId2"/>
+    </p:custDataLst>
     <p:extLst>
       <p:ext uri="{BB962C8B-B14F-4D97-AF65-F5344CB8AC3E}">
         <p14:creationId xmlns:p14="http://schemas.microsoft.com/office/powerpoint/2010/main" val="895550347"/>
@@ -24440,6 +23691,14 @@
   <p:clrMapOvr>
     <a:masterClrMapping/>
   </p:clrMapOvr>
+  <mc:AlternateContent xmlns:mc="http://schemas.openxmlformats.org/markup-compatibility/2006" xmlns:p14="http://schemas.microsoft.com/office/powerpoint/2010/main">
+    <mc:Choice Requires="p14">
+      <p:transition spd="slow" p14:dur="2000" advTm="22508"/>
+    </mc:Choice>
+    <mc:Fallback xmlns="">
+      <p:transition xmlns:p14="http://schemas.microsoft.com/office/powerpoint/2010/main" spd="slow" advTm="22508"/>
+    </mc:Fallback>
+  </mc:AlternateContent>
   <p:timing>
     <p:tnLst>
       <p:par>
@@ -25417,12 +24676,12 @@
           <a:graphicData uri="http://schemas.openxmlformats.org/presentationml/2006/ole">
             <mc:AlternateContent xmlns:mc="http://schemas.openxmlformats.org/markup-compatibility/2006">
               <mc:Choice xmlns:v="urn:schemas-microsoft-com:vml" Requires="v">
-                <p:oleObj spid="_x0000_s73770" name="Equation" r:id="rId3" imgW="1333500" imgH="393700" progId="Equation.DSMT4">
+                <p:oleObj spid="_x0000_s73808" name="Equation" r:id="rId4" imgW="1333500" imgH="393700" progId="Equation.DSMT4">
                   <p:embed/>
                 </p:oleObj>
               </mc:Choice>
               <mc:Fallback>
-                <p:oleObj name="Equation" r:id="rId3" imgW="1333500" imgH="393700" progId="Equation.DSMT4">
+                <p:oleObj name="Equation" r:id="rId4" imgW="1333500" imgH="393700" progId="Equation.DSMT4">
                   <p:embed/>
                   <p:pic>
                     <p:nvPicPr>
@@ -25431,7 +24690,7 @@
                       <p:nvPr/>
                     </p:nvPicPr>
                     <p:blipFill>
-                      <a:blip r:embed="rId4"/>
+                      <a:blip r:embed="rId5"/>
                       <a:stretch>
                         <a:fillRect/>
                       </a:stretch>
@@ -25660,12 +24919,12 @@
           <a:graphicData uri="http://schemas.openxmlformats.org/presentationml/2006/ole">
             <mc:AlternateContent xmlns:mc="http://schemas.openxmlformats.org/markup-compatibility/2006">
               <mc:Choice xmlns:v="urn:schemas-microsoft-com:vml" Requires="v">
-                <p:oleObj spid="_x0000_s73771" name="Equation" r:id="rId5" imgW="457200" imgH="393700" progId="Equation.DSMT4">
+                <p:oleObj spid="_x0000_s73809" name="Equation" r:id="rId6" imgW="457200" imgH="393700" progId="Equation.DSMT4">
                   <p:embed/>
                 </p:oleObj>
               </mc:Choice>
               <mc:Fallback>
-                <p:oleObj name="Equation" r:id="rId5" imgW="457200" imgH="393700" progId="Equation.DSMT4">
+                <p:oleObj name="Equation" r:id="rId6" imgW="457200" imgH="393700" progId="Equation.DSMT4">
                   <p:embed/>
                   <p:pic>
                     <p:nvPicPr>
@@ -25674,7 +24933,7 @@
                       <p:nvPr/>
                     </p:nvPicPr>
                     <p:blipFill>
-                      <a:blip r:embed="rId6"/>
+                      <a:blip r:embed="rId7"/>
                       <a:stretch>
                         <a:fillRect/>
                       </a:stretch>
@@ -25696,6 +24955,9 @@
         </a:graphic>
       </p:graphicFrame>
     </p:spTree>
+    <p:custDataLst>
+      <p:tags r:id="rId2"/>
+    </p:custDataLst>
     <p:extLst>
       <p:ext uri="{BB962C8B-B14F-4D97-AF65-F5344CB8AC3E}">
         <p14:creationId xmlns:p14="http://schemas.microsoft.com/office/powerpoint/2010/main" val="3445914889"/>
@@ -25707,12 +24969,12 @@
   </p:clrMapOvr>
   <mc:AlternateContent xmlns:mc="http://schemas.openxmlformats.org/markup-compatibility/2006" xmlns:p14="http://schemas.microsoft.com/office/powerpoint/2010/main">
     <mc:Choice Requires="p14">
-      <p:transition spd="med" p14:dur="700">
+      <p:transition spd="med" p14:dur="700" advTm="37704">
         <p:fade/>
       </p:transition>
     </mc:Choice>
     <mc:Fallback xmlns="">
-      <p:transition xmlns:p14="http://schemas.microsoft.com/office/powerpoint/2010/main" spd="med">
+      <p:transition xmlns:p14="http://schemas.microsoft.com/office/powerpoint/2010/main" spd="med" advTm="37704">
         <p:fade/>
       </p:transition>
     </mc:Fallback>
@@ -26313,7 +25575,7 @@
           <a:graphicData uri="http://schemas.openxmlformats.org/presentationml/2006/ole">
             <mc:AlternateContent xmlns:mc="http://schemas.openxmlformats.org/markup-compatibility/2006">
               <mc:Choice xmlns:v="urn:schemas-microsoft-com:vml" Requires="v">
-                <p:oleObj spid="_x0000_s65581" name="Equation" r:id="rId3" imgW="1727200" imgH="393700" progId="Equation.DSMT4">
+                <p:oleObj spid="_x0000_s65635" name="Equation" r:id="rId3" imgW="1727200" imgH="393700" progId="Equation.DSMT4">
                   <p:embed/>
                 </p:oleObj>
               </mc:Choice>
@@ -26370,7 +25632,7 @@
           <a:graphicData uri="http://schemas.openxmlformats.org/presentationml/2006/ole">
             <mc:AlternateContent xmlns:mc="http://schemas.openxmlformats.org/markup-compatibility/2006">
               <mc:Choice xmlns:v="urn:schemas-microsoft-com:vml" Requires="v">
-                <p:oleObj spid="_x0000_s65582" name="Equation" r:id="rId5" imgW="1143000" imgH="228600" progId="Equation.3">
+                <p:oleObj spid="_x0000_s65636" name="Equation" r:id="rId5" imgW="1143000" imgH="228600" progId="Equation.3">
                   <p:embed/>
                 </p:oleObj>
               </mc:Choice>
@@ -26427,7 +25689,7 @@
           <a:graphicData uri="http://schemas.openxmlformats.org/presentationml/2006/ole">
             <mc:AlternateContent xmlns:mc="http://schemas.openxmlformats.org/markup-compatibility/2006">
               <mc:Choice xmlns:v="urn:schemas-microsoft-com:vml" Requires="v">
-                <p:oleObj spid="_x0000_s65583" name="Equation" r:id="rId7" imgW="698500" imgH="393700" progId="Equation.DSMT4">
+                <p:oleObj spid="_x0000_s65637" name="Equation" r:id="rId7" imgW="698500" imgH="393700" progId="Equation.DSMT4">
                   <p:embed/>
                 </p:oleObj>
               </mc:Choice>
@@ -26745,34 +26007,6 @@
           </a:p>
         </p:txBody>
       </p:sp>
-      <p:sp>
-        <p:nvSpPr>
-          <p:cNvPr id="3" name="Content Placeholder 2"/>
-          <p:cNvSpPr>
-            <a:spLocks noGrp="1"/>
-          </p:cNvSpPr>
-          <p:nvPr>
-            <p:ph idx="1"/>
-          </p:nvPr>
-        </p:nvSpPr>
-        <p:spPr>
-          <a:xfrm>
-            <a:off x="427089" y="1501879"/>
-            <a:ext cx="2284976" cy="833284"/>
-          </a:xfrm>
-        </p:spPr>
-        <p:txBody>
-          <a:bodyPr/>
-          <a:lstStyle/>
-          <a:p>
-            <a:r>
-              <a:rPr lang="en-US" dirty="0" smtClean="0"/>
-              <a:t>So </a:t>
-            </a:r>
-            <a:endParaRPr lang="en-US" dirty="0"/>
-          </a:p>
-        </p:txBody>
-      </p:sp>
       <p:graphicFrame>
         <p:nvGraphicFramePr>
           <p:cNvPr id="5" name="Object 4"/>
@@ -26782,7 +26016,7 @@
           <p:nvPr>
             <p:extLst>
               <p:ext uri="{D42A27DB-BD31-4B8C-83A1-F6EECF244321}">
-                <p14:modId xmlns:p14="http://schemas.microsoft.com/office/powerpoint/2010/main" val="673385516"/>
+                <p14:modId xmlns:p14="http://schemas.microsoft.com/office/powerpoint/2010/main" val="1802972061"/>
               </p:ext>
             </p:extLst>
           </p:nvPr>
@@ -26795,12 +26029,12 @@
           <a:graphicData uri="http://schemas.openxmlformats.org/presentationml/2006/ole">
             <mc:AlternateContent xmlns:mc="http://schemas.openxmlformats.org/markup-compatibility/2006">
               <mc:Choice xmlns:v="urn:schemas-microsoft-com:vml" Requires="v">
-                <p:oleObj spid="_x0000_s74808" name="Equation" r:id="rId3" imgW="457200" imgH="393700" progId="Equation.DSMT4">
+                <p:oleObj spid="_x0000_s85035" name="Equation" r:id="rId4" imgW="457200" imgH="393700" progId="Equation.DSMT4">
                   <p:embed/>
                 </p:oleObj>
               </mc:Choice>
               <mc:Fallback>
-                <p:oleObj name="Equation" r:id="rId3" imgW="457200" imgH="393700" progId="Equation.DSMT4">
+                <p:oleObj name="Equation" r:id="rId4" imgW="457200" imgH="393700" progId="Equation.DSMT4">
                   <p:embed/>
                   <p:pic>
                     <p:nvPicPr>
@@ -26809,7 +26043,7 @@
                       <p:nvPr/>
                     </p:nvPicPr>
                     <p:blipFill>
-                      <a:blip r:embed="rId4"/>
+                      <a:blip r:embed="rId5"/>
                       <a:stretch>
                         <a:fillRect/>
                       </a:stretch>
@@ -26832,32 +26066,32 @@
       </p:graphicFrame>
       <p:graphicFrame>
         <p:nvGraphicFramePr>
-          <p:cNvPr id="6" name="Object 5"/>
+          <p:cNvPr id="11" name="Object 10"/>
           <p:cNvGraphicFramePr>
             <a:graphicFrameLocks noChangeAspect="1"/>
           </p:cNvGraphicFramePr>
           <p:nvPr>
             <p:extLst>
               <p:ext uri="{D42A27DB-BD31-4B8C-83A1-F6EECF244321}">
-                <p14:modId xmlns:p14="http://schemas.microsoft.com/office/powerpoint/2010/main" val="715873495"/>
+                <p14:modId xmlns:p14="http://schemas.microsoft.com/office/powerpoint/2010/main" val="3095616973"/>
               </p:ext>
             </p:extLst>
           </p:nvPr>
         </p:nvGraphicFramePr>
         <p:xfrm>
-          <a:off x="1389063" y="1190625"/>
-          <a:ext cx="4124325" cy="1452563"/>
+          <a:off x="228600" y="4369940"/>
+          <a:ext cx="8689975" cy="1327150"/>
         </p:xfrm>
         <a:graphic>
           <a:graphicData uri="http://schemas.openxmlformats.org/presentationml/2006/ole">
             <mc:AlternateContent xmlns:mc="http://schemas.openxmlformats.org/markup-compatibility/2006">
               <mc:Choice xmlns:v="urn:schemas-microsoft-com:vml" Requires="v">
-                <p:oleObj spid="_x0000_s74809" name="Equation" r:id="rId5" imgW="1371600" imgH="482600" progId="Equation.DSMT4">
+                <p:oleObj spid="_x0000_s85036" name="Equation" r:id="rId6" imgW="2578100" imgH="393700" progId="Equation.DSMT4">
                   <p:embed/>
                 </p:oleObj>
               </mc:Choice>
               <mc:Fallback>
-                <p:oleObj name="Equation" r:id="rId5" imgW="1371600" imgH="482600" progId="Equation.DSMT4">
+                <p:oleObj name="Equation" r:id="rId6" imgW="2578100" imgH="393700" progId="Equation.DSMT4">
                   <p:embed/>
                   <p:pic>
                     <p:nvPicPr>
@@ -26866,15 +26100,15 @@
                       <p:nvPr/>
                     </p:nvPicPr>
                     <p:blipFill>
-                      <a:blip r:embed="rId6"/>
+                      <a:blip r:embed="rId7"/>
                       <a:stretch>
                         <a:fillRect/>
                       </a:stretch>
                     </p:blipFill>
                     <p:spPr>
                       <a:xfrm>
-                        <a:off x="1389063" y="1190625"/>
-                        <a:ext cx="4124325" cy="1452563"/>
+                        <a:off x="228600" y="4369940"/>
+                        <a:ext cx="8689975" cy="1327150"/>
                       </a:xfrm>
                       <a:prstGeom prst="rect">
                         <a:avLst/>
@@ -26889,63 +26123,218 @@
       </p:graphicFrame>
       <p:sp>
         <p:nvSpPr>
-          <p:cNvPr id="7" name="TextBox 6"/>
-          <p:cNvSpPr txBox="1"/>
+          <p:cNvPr id="13" name="Content Placeholder 2"/>
+          <p:cNvSpPr txBox="1">
+            <a:spLocks/>
+          </p:cNvSpPr>
           <p:nvPr/>
         </p:nvSpPr>
-        <p:spPr>
+        <p:spPr bwMode="auto">
           <a:xfrm>
-            <a:off x="537357" y="2417096"/>
-            <a:ext cx="8606643" cy="769441"/>
+            <a:off x="6144088" y="2805670"/>
+            <a:ext cx="2524852" cy="850647"/>
           </a:xfrm>
           <a:prstGeom prst="rect">
             <a:avLst/>
           </a:prstGeom>
           <a:noFill/>
+          <a:ln w="9525">
+            <a:noFill/>
+            <a:miter lim="800000"/>
+            <a:headEnd/>
+            <a:tailEnd/>
+          </a:ln>
+          <a:effectLst/>
         </p:spPr>
         <p:txBody>
-          <a:bodyPr wrap="none" rtlCol="0">
-            <a:spAutoFit/>
+          <a:bodyPr vert="horz" wrap="square" lIns="91440" tIns="45720" rIns="91440" bIns="45720" numCol="1" anchor="t" anchorCtr="0" compatLnSpc="1">
+            <a:prstTxWarp prst="textNoShape">
+              <a:avLst/>
+            </a:prstTxWarp>
           </a:bodyPr>
-          <a:lstStyle/>
-          <a:p>
-            <a:r>
-              <a:rPr lang="en-US" sz="4400" dirty="0" smtClean="0">
+          <a:lstStyle>
+            <a:lvl1pPr marL="342900" indent="-342900" algn="l" rtl="0" fontAlgn="base">
+              <a:spcBef>
+                <a:spcPct val="20000"/>
+              </a:spcBef>
+              <a:spcAft>
+                <a:spcPct val="0"/>
+              </a:spcAft>
+              <a:defRPr sz="4000">
+                <a:solidFill>
+                  <a:schemeClr val="tx1"/>
+                </a:solidFill>
                 <a:latin typeface="Comic Sans MS" pitchFamily="66" charset="0"/>
-              </a:rPr>
-              <a:t>In fact by Schroeder-Bernstein </a:t>
-            </a:r>
+                <a:ea typeface="+mn-ea"/>
+                <a:cs typeface="+mn-cs"/>
+              </a:defRPr>
+            </a:lvl1pPr>
+            <a:lvl2pPr marL="742950" indent="-285750" algn="l" rtl="0" fontAlgn="base">
+              <a:spcBef>
+                <a:spcPct val="20000"/>
+              </a:spcBef>
+              <a:spcAft>
+                <a:spcPct val="0"/>
+              </a:spcAft>
+              <a:buChar char="–"/>
+              <a:defRPr sz="3600">
+                <a:solidFill>
+                  <a:schemeClr val="tx1"/>
+                </a:solidFill>
+                <a:latin typeface="Comic Sans MS" pitchFamily="66" charset="0"/>
+                <a:cs typeface="+mn-cs"/>
+              </a:defRPr>
+            </a:lvl2pPr>
+            <a:lvl3pPr marL="1143000" indent="-228600" algn="l" rtl="0" fontAlgn="base">
+              <a:spcBef>
+                <a:spcPct val="20000"/>
+              </a:spcBef>
+              <a:spcAft>
+                <a:spcPct val="0"/>
+              </a:spcAft>
+              <a:buChar char="•"/>
+              <a:defRPr sz="3200">
+                <a:solidFill>
+                  <a:schemeClr val="tx1"/>
+                </a:solidFill>
+                <a:latin typeface="Comic Sans MS" pitchFamily="66" charset="0"/>
+                <a:cs typeface="+mn-cs"/>
+              </a:defRPr>
+            </a:lvl3pPr>
+            <a:lvl4pPr marL="1600200" indent="-228600" algn="l" rtl="0" fontAlgn="base">
+              <a:spcBef>
+                <a:spcPct val="20000"/>
+              </a:spcBef>
+              <a:spcAft>
+                <a:spcPct val="0"/>
+              </a:spcAft>
+              <a:buChar char="–"/>
+              <a:defRPr sz="2800">
+                <a:solidFill>
+                  <a:schemeClr val="tx1"/>
+                </a:solidFill>
+                <a:latin typeface="Comic Sans MS" pitchFamily="66" charset="0"/>
+                <a:cs typeface="+mn-cs"/>
+              </a:defRPr>
+            </a:lvl4pPr>
+            <a:lvl5pPr marL="2057400" indent="-228600" algn="l" rtl="0" fontAlgn="base">
+              <a:spcBef>
+                <a:spcPct val="20000"/>
+              </a:spcBef>
+              <a:spcAft>
+                <a:spcPct val="0"/>
+              </a:spcAft>
+              <a:buChar char="»"/>
+              <a:defRPr sz="2800">
+                <a:solidFill>
+                  <a:schemeClr val="tx1"/>
+                </a:solidFill>
+                <a:latin typeface="Comic Sans MS" pitchFamily="66" charset="0"/>
+                <a:cs typeface="+mn-cs"/>
+              </a:defRPr>
+            </a:lvl5pPr>
+            <a:lvl6pPr marL="2514600" indent="-228600" algn="l" rtl="0" fontAlgn="base">
+              <a:spcBef>
+                <a:spcPct val="20000"/>
+              </a:spcBef>
+              <a:spcAft>
+                <a:spcPct val="0"/>
+              </a:spcAft>
+              <a:buChar char="»"/>
+              <a:defRPr sz="2000">
+                <a:solidFill>
+                  <a:schemeClr val="tx1"/>
+                </a:solidFill>
+                <a:latin typeface="+mn-lt"/>
+                <a:cs typeface="+mn-cs"/>
+              </a:defRPr>
+            </a:lvl6pPr>
+            <a:lvl7pPr marL="2971800" indent="-228600" algn="l" rtl="0" fontAlgn="base">
+              <a:spcBef>
+                <a:spcPct val="20000"/>
+              </a:spcBef>
+              <a:spcAft>
+                <a:spcPct val="0"/>
+              </a:spcAft>
+              <a:buChar char="»"/>
+              <a:defRPr sz="2000">
+                <a:solidFill>
+                  <a:schemeClr val="tx1"/>
+                </a:solidFill>
+                <a:latin typeface="+mn-lt"/>
+                <a:cs typeface="+mn-cs"/>
+              </a:defRPr>
+            </a:lvl7pPr>
+            <a:lvl8pPr marL="3429000" indent="-228600" algn="l" rtl="0" fontAlgn="base">
+              <a:spcBef>
+                <a:spcPct val="20000"/>
+              </a:spcBef>
+              <a:spcAft>
+                <a:spcPct val="0"/>
+              </a:spcAft>
+              <a:buChar char="»"/>
+              <a:defRPr sz="2000">
+                <a:solidFill>
+                  <a:schemeClr val="tx1"/>
+                </a:solidFill>
+                <a:latin typeface="+mn-lt"/>
+                <a:cs typeface="+mn-cs"/>
+              </a:defRPr>
+            </a:lvl8pPr>
+            <a:lvl9pPr marL="3886200" indent="-228600" algn="l" rtl="0" fontAlgn="base">
+              <a:spcBef>
+                <a:spcPct val="20000"/>
+              </a:spcBef>
+              <a:spcAft>
+                <a:spcPct val="0"/>
+              </a:spcAft>
+              <a:buChar char="»"/>
+              <a:defRPr sz="2000">
+                <a:solidFill>
+                  <a:schemeClr val="tx1"/>
+                </a:solidFill>
+                <a:latin typeface="+mn-lt"/>
+                <a:cs typeface="+mn-cs"/>
+              </a:defRPr>
+            </a:lvl9pPr>
+          </a:lstStyle>
+          <a:p>
+            <a:r>
+              <a:rPr lang="en-US" dirty="0" smtClean="0"/>
+              <a:t>obviously </a:t>
+            </a:r>
+            <a:endParaRPr lang="en-US" dirty="0"/>
           </a:p>
         </p:txBody>
       </p:sp>
       <p:graphicFrame>
         <p:nvGraphicFramePr>
-          <p:cNvPr id="9" name="Object 8"/>
+          <p:cNvPr id="14" name="Object 13"/>
           <p:cNvGraphicFramePr>
             <a:graphicFrameLocks noChangeAspect="1"/>
           </p:cNvGraphicFramePr>
           <p:nvPr>
             <p:extLst>
               <p:ext uri="{D42A27DB-BD31-4B8C-83A1-F6EECF244321}">
-                <p14:modId xmlns:p14="http://schemas.microsoft.com/office/powerpoint/2010/main" val="2289997041"/>
+                <p14:modId xmlns:p14="http://schemas.microsoft.com/office/powerpoint/2010/main" val="120070582"/>
               </p:ext>
             </p:extLst>
           </p:nvPr>
         </p:nvGraphicFramePr>
         <p:xfrm>
-          <a:off x="1331247" y="3179405"/>
-          <a:ext cx="4427538" cy="1452563"/>
+          <a:off x="2816002" y="2476896"/>
+          <a:ext cx="2995613" cy="1292225"/>
         </p:xfrm>
         <a:graphic>
           <a:graphicData uri="http://schemas.openxmlformats.org/presentationml/2006/ole">
             <mc:AlternateContent xmlns:mc="http://schemas.openxmlformats.org/markup-compatibility/2006">
               <mc:Choice xmlns:v="urn:schemas-microsoft-com:vml" Requires="v">
-                <p:oleObj spid="_x0000_s74810" name="Equation" r:id="rId7" imgW="1473200" imgH="482600" progId="Equation.DSMT4">
+                <p:oleObj spid="_x0000_s85037" name="Equation" r:id="rId8" imgW="914400" imgH="393700" progId="Equation.DSMT4">
                   <p:embed/>
                 </p:oleObj>
               </mc:Choice>
               <mc:Fallback>
-                <p:oleObj name="Equation" r:id="rId7" imgW="1473200" imgH="482600" progId="Equation.DSMT4">
+                <p:oleObj name="Equation" r:id="rId8" imgW="914400" imgH="393700" progId="Equation.DSMT4">
                   <p:embed/>
                   <p:pic>
                     <p:nvPicPr>
@@ -26954,15 +26343,15 @@
                       <p:nvPr/>
                     </p:nvPicPr>
                     <p:blipFill>
-                      <a:blip r:embed="rId8"/>
+                      <a:blip r:embed="rId9"/>
                       <a:stretch>
                         <a:fillRect/>
                       </a:stretch>
                     </p:blipFill>
                     <p:spPr>
                       <a:xfrm>
-                        <a:off x="1331247" y="3179405"/>
-                        <a:ext cx="4427538" cy="1452563"/>
+                        <a:off x="2816002" y="2476896"/>
+                        <a:ext cx="2995613" cy="1292225"/>
                       </a:xfrm>
                       <a:prstGeom prst="rect">
                         <a:avLst/>
@@ -26975,34 +26364,62 @@
           </a:graphicData>
         </a:graphic>
       </p:graphicFrame>
+      <p:sp>
+        <p:nvSpPr>
+          <p:cNvPr id="3" name="Content Placeholder 2"/>
+          <p:cNvSpPr>
+            <a:spLocks noGrp="1"/>
+          </p:cNvSpPr>
+          <p:nvPr>
+            <p:ph idx="1"/>
+          </p:nvPr>
+        </p:nvSpPr>
+        <p:spPr>
+          <a:xfrm>
+            <a:off x="427089" y="1501879"/>
+            <a:ext cx="1112345" cy="807374"/>
+          </a:xfrm>
+        </p:spPr>
+        <p:txBody>
+          <a:bodyPr/>
+          <a:lstStyle/>
+          <a:p>
+            <a:r>
+              <a:rPr lang="en-US" dirty="0" smtClean="0"/>
+              <a:t>So </a:t>
+            </a:r>
+            <a:endParaRPr lang="en-US" dirty="0"/>
+          </a:p>
+        </p:txBody>
+      </p:sp>
       <p:graphicFrame>
         <p:nvGraphicFramePr>
-          <p:cNvPr id="11" name="Object 10"/>
+          <p:cNvPr id="9" name="Object 8"/>
           <p:cNvGraphicFramePr>
             <a:graphicFrameLocks noChangeAspect="1"/>
           </p:cNvGraphicFramePr>
           <p:nvPr>
             <p:extLst>
               <p:ext uri="{D42A27DB-BD31-4B8C-83A1-F6EECF244321}">
-                <p14:modId xmlns:p14="http://schemas.microsoft.com/office/powerpoint/2010/main" val="4093092735"/>
+                <p14:modId xmlns:p14="http://schemas.microsoft.com/office/powerpoint/2010/main" val="2171468104"/>
               </p:ext>
             </p:extLst>
           </p:nvPr>
         </p:nvGraphicFramePr>
         <p:xfrm>
-          <a:off x="235526" y="4572000"/>
-          <a:ext cx="8689975" cy="1327150"/>
+          <a:off x="1802698" y="1139565"/>
+          <a:ext cx="4826429" cy="1583429"/>
         </p:xfrm>
         <a:graphic>
           <a:graphicData uri="http://schemas.openxmlformats.org/presentationml/2006/ole">
             <mc:AlternateContent xmlns:mc="http://schemas.openxmlformats.org/markup-compatibility/2006">
               <mc:Choice xmlns:v="urn:schemas-microsoft-com:vml" Requires="v">
-                <p:oleObj spid="_x0000_s74811" name="Equation" r:id="rId9" imgW="2578100" imgH="393700" progId="Equation.DSMT4">
+                <p:oleObj spid="_x0000_s85038" name="Equation" r:id="rId10" imgW="1473200" imgH="482600" progId="Equation.3">
                   <p:embed/>
                 </p:oleObj>
               </mc:Choice>
               <mc:Fallback>
-                <p:oleObj name="Equation" r:id="rId9" imgW="2578100" imgH="393700" progId="Equation.DSMT4">
+                <p:oleObj name="Equation" r:id="rId10" imgW="1473200" imgH="482600" progId="Equation.3">
                   <p:embed/>
                   <p:pic>
                     <p:nvPicPr>
@@ -27011,15 +26428,15 @@
                       <p:nvPr/>
                     </p:nvPicPr>
                     <p:blipFill>
-                      <a:blip r:embed="rId10"/>
+                      <a:blip r:embed="rId11"/>
                       <a:stretch>
                         <a:fillRect/>
                       </a:stretch>
                     </p:blipFill>
                     <p:spPr>
                       <a:xfrm>
-                        <a:off x="235526" y="4572000"/>
-                        <a:ext cx="8689975" cy="1327150"/>
+                        <a:off x="1802698" y="1139565"/>
+                        <a:ext cx="4826429" cy="1583429"/>
                       </a:xfrm>
                       <a:prstGeom prst="rect">
                         <a:avLst/>
@@ -27032,10 +26449,199 @@
           </a:graphicData>
         </a:graphic>
       </p:graphicFrame>
+      <p:sp>
+        <p:nvSpPr>
+          <p:cNvPr id="12" name="Content Placeholder 2"/>
+          <p:cNvSpPr txBox="1">
+            <a:spLocks/>
+          </p:cNvSpPr>
+          <p:nvPr/>
+        </p:nvSpPr>
+        <p:spPr bwMode="auto">
+          <a:xfrm>
+            <a:off x="7093223" y="1750499"/>
+            <a:ext cx="1258210" cy="780057"/>
+          </a:xfrm>
+          <a:prstGeom prst="rect">
+            <a:avLst/>
+          </a:prstGeom>
+          <a:noFill/>
+          <a:ln w="9525">
+            <a:noFill/>
+            <a:miter lim="800000"/>
+            <a:headEnd/>
+            <a:tailEnd/>
+          </a:ln>
+          <a:effectLst/>
+        </p:spPr>
+        <p:txBody>
+          <a:bodyPr vert="horz" wrap="square" lIns="91440" tIns="45720" rIns="91440" bIns="45720" numCol="1" anchor="t" anchorCtr="0" compatLnSpc="1">
+            <a:prstTxWarp prst="textNoShape">
+              <a:avLst/>
+            </a:prstTxWarp>
+          </a:bodyPr>
+          <a:lstStyle>
+            <a:lvl1pPr marL="342900" indent="-342900" algn="l" rtl="0" fontAlgn="base">
+              <a:spcBef>
+                <a:spcPct val="20000"/>
+              </a:spcBef>
+              <a:spcAft>
+                <a:spcPct val="0"/>
+              </a:spcAft>
+              <a:defRPr sz="4000">
+                <a:solidFill>
+                  <a:schemeClr val="tx1"/>
+                </a:solidFill>
+                <a:latin typeface="Comic Sans MS" pitchFamily="66" charset="0"/>
+                <a:ea typeface="+mn-ea"/>
+                <a:cs typeface="+mn-cs"/>
+              </a:defRPr>
+            </a:lvl1pPr>
+            <a:lvl2pPr marL="742950" indent="-285750" algn="l" rtl="0" fontAlgn="base">
+              <a:spcBef>
+                <a:spcPct val="20000"/>
+              </a:spcBef>
+              <a:spcAft>
+                <a:spcPct val="0"/>
+              </a:spcAft>
+              <a:buChar char="–"/>
+              <a:defRPr sz="3600">
+                <a:solidFill>
+                  <a:schemeClr val="tx1"/>
+                </a:solidFill>
+                <a:latin typeface="Comic Sans MS" pitchFamily="66" charset="0"/>
+                <a:cs typeface="+mn-cs"/>
+              </a:defRPr>
+            </a:lvl2pPr>
+            <a:lvl3pPr marL="1143000" indent="-228600" algn="l" rtl="0" fontAlgn="base">
+              <a:spcBef>
+                <a:spcPct val="20000"/>
+              </a:spcBef>
+              <a:spcAft>
+                <a:spcPct val="0"/>
+              </a:spcAft>
+              <a:buChar char="•"/>
+              <a:defRPr sz="3200">
+                <a:solidFill>
+                  <a:schemeClr val="tx1"/>
+                </a:solidFill>
+                <a:latin typeface="Comic Sans MS" pitchFamily="66" charset="0"/>
+                <a:cs typeface="+mn-cs"/>
+              </a:defRPr>
+            </a:lvl3pPr>
+            <a:lvl4pPr marL="1600200" indent="-228600" algn="l" rtl="0" fontAlgn="base">
+              <a:spcBef>
+                <a:spcPct val="20000"/>
+              </a:spcBef>
+              <a:spcAft>
+                <a:spcPct val="0"/>
+              </a:spcAft>
+              <a:buChar char="–"/>
+              <a:defRPr sz="2800">
+                <a:solidFill>
+                  <a:schemeClr val="tx1"/>
+                </a:solidFill>
+                <a:latin typeface="Comic Sans MS" pitchFamily="66" charset="0"/>
+                <a:cs typeface="+mn-cs"/>
+              </a:defRPr>
+            </a:lvl4pPr>
+            <a:lvl5pPr marL="2057400" indent="-228600" algn="l" rtl="0" fontAlgn="base">
+              <a:spcBef>
+                <a:spcPct val="20000"/>
+              </a:spcBef>
+              <a:spcAft>
+                <a:spcPct val="0"/>
+              </a:spcAft>
+              <a:buChar char="»"/>
+              <a:defRPr sz="2800">
+                <a:solidFill>
+                  <a:schemeClr val="tx1"/>
+                </a:solidFill>
+                <a:latin typeface="Comic Sans MS" pitchFamily="66" charset="0"/>
+                <a:cs typeface="+mn-cs"/>
+              </a:defRPr>
+            </a:lvl5pPr>
+            <a:lvl6pPr marL="2514600" indent="-228600" algn="l" rtl="0" fontAlgn="base">
+              <a:spcBef>
+                <a:spcPct val="20000"/>
+              </a:spcBef>
+              <a:spcAft>
+                <a:spcPct val="0"/>
+              </a:spcAft>
+              <a:buChar char="»"/>
+              <a:defRPr sz="2000">
+                <a:solidFill>
+                  <a:schemeClr val="tx1"/>
+                </a:solidFill>
+                <a:latin typeface="+mn-lt"/>
+                <a:cs typeface="+mn-cs"/>
+              </a:defRPr>
+            </a:lvl6pPr>
+            <a:lvl7pPr marL="2971800" indent="-228600" algn="l" rtl="0" fontAlgn="base">
+              <a:spcBef>
+                <a:spcPct val="20000"/>
+              </a:spcBef>
+              <a:spcAft>
+                <a:spcPct val="0"/>
+              </a:spcAft>
+              <a:buChar char="»"/>
+              <a:defRPr sz="2000">
+                <a:solidFill>
+                  <a:schemeClr val="tx1"/>
+                </a:solidFill>
+                <a:latin typeface="+mn-lt"/>
+                <a:cs typeface="+mn-cs"/>
+              </a:defRPr>
+            </a:lvl7pPr>
+            <a:lvl8pPr marL="3429000" indent="-228600" algn="l" rtl="0" fontAlgn="base">
+              <a:spcBef>
+                <a:spcPct val="20000"/>
+              </a:spcBef>
+              <a:spcAft>
+                <a:spcPct val="0"/>
+              </a:spcAft>
+              <a:buChar char="»"/>
+              <a:defRPr sz="2000">
+                <a:solidFill>
+                  <a:schemeClr val="tx1"/>
+                </a:solidFill>
+                <a:latin typeface="+mn-lt"/>
+                <a:cs typeface="+mn-cs"/>
+              </a:defRPr>
+            </a:lvl8pPr>
+            <a:lvl9pPr marL="3886200" indent="-228600" algn="l" rtl="0" fontAlgn="base">
+              <a:spcBef>
+                <a:spcPct val="20000"/>
+              </a:spcBef>
+              <a:spcAft>
+                <a:spcPct val="0"/>
+              </a:spcAft>
+              <a:buChar char="»"/>
+              <a:defRPr sz="2000">
+                <a:solidFill>
+                  <a:schemeClr val="tx1"/>
+                </a:solidFill>
+                <a:latin typeface="+mn-lt"/>
+                <a:cs typeface="+mn-cs"/>
+              </a:defRPr>
+            </a:lvl9pPr>
+          </a:lstStyle>
+          <a:p>
+            <a:r>
+              <a:rPr lang="en-US" dirty="0" smtClean="0"/>
+              <a:t>and</a:t>
+            </a:r>
+            <a:endParaRPr lang="en-US" dirty="0"/>
+          </a:p>
+        </p:txBody>
+      </p:sp>
     </p:spTree>
+    <p:custDataLst>
+      <p:tags r:id="rId2"/>
+    </p:custDataLst>
     <p:extLst>
       <p:ext uri="{BB962C8B-B14F-4D97-AF65-F5344CB8AC3E}">
-        <p14:creationId xmlns:p14="http://schemas.microsoft.com/office/powerpoint/2010/main" val="2834952055"/>
+        <p14:creationId xmlns:p14="http://schemas.microsoft.com/office/powerpoint/2010/main" val="1421222476"/>
       </p:ext>
     </p:extLst>
   </p:cSld>
@@ -27044,12 +26650,12 @@
   </p:clrMapOvr>
   <mc:AlternateContent xmlns:mc="http://schemas.openxmlformats.org/markup-compatibility/2006" xmlns:p14="http://schemas.microsoft.com/office/powerpoint/2010/main">
     <mc:Choice Requires="p14">
-      <p:transition spd="med" p14:dur="700">
+      <p:transition spd="slow" p14:dur="1200" advTm="91570">
         <p:fade/>
       </p:transition>
     </mc:Choice>
     <mc:Fallback xmlns="">
-      <p:transition xmlns:p14="http://schemas.microsoft.com/office/powerpoint/2010/main" spd="med">
+      <p:transition xmlns:p14="http://schemas.microsoft.com/office/powerpoint/2010/main" spd="slow" advTm="91570">
         <p:fade/>
       </p:transition>
     </mc:Fallback>
@@ -27075,7 +26681,7 @@
                             </p:stCondLst>
                             <p:childTnLst>
                               <p:par>
-                                <p:cTn id="5" presetID="9" presetClass="entr" presetSubtype="0" fill="hold" nodeType="clickEffect">
+                                <p:cTn id="5" presetID="22" presetClass="entr" presetSubtype="8" fill="hold" grpId="0" nodeType="clickEffect">
                                   <p:stCondLst>
                                     <p:cond delay="0"/>
                                   </p:stCondLst>
@@ -27083,41 +26689,6 @@
                                     <p:set>
                                       <p:cBhvr>
                                         <p:cTn id="6" dur="1" fill="hold">
-                                          <p:stCondLst>
-                                            <p:cond delay="0"/>
-                                          </p:stCondLst>
-                                        </p:cTn>
-                                        <p:tgtEl>
-                                          <p:spTgt spid="6"/>
-                                        </p:tgtEl>
-                                        <p:attrNameLst>
-                                          <p:attrName>style.visibility</p:attrName>
-                                        </p:attrNameLst>
-                                      </p:cBhvr>
-                                      <p:to>
-                                        <p:strVal val="visible"/>
-                                      </p:to>
-                                    </p:set>
-                                    <p:animEffect transition="in" filter="dissolve">
-                                      <p:cBhvr>
-                                        <p:cTn id="7" dur="500"/>
-                                        <p:tgtEl>
-                                          <p:spTgt spid="6"/>
-                                        </p:tgtEl>
-                                      </p:cBhvr>
-                                    </p:animEffect>
-                                  </p:childTnLst>
-                                </p:cTn>
-                              </p:par>
-                              <p:par>
-                                <p:cTn id="8" presetID="9" presetClass="entr" presetSubtype="0" fill="hold" grpId="0" nodeType="withEffect">
-                                  <p:stCondLst>
-                                    <p:cond delay="0"/>
-                                  </p:stCondLst>
-                                  <p:childTnLst>
-                                    <p:set>
-                                      <p:cBhvr>
-                                        <p:cTn id="9" dur="1" fill="hold">
                                           <p:stCondLst>
                                             <p:cond delay="0"/>
                                           </p:stCondLst>
@@ -27137,9 +26708,9 @@
                                         <p:strVal val="visible"/>
                                       </p:to>
                                     </p:set>
-                                    <p:animEffect transition="in" filter="dissolve">
+                                    <p:animEffect transition="in" filter="wipe(left)">
                                       <p:cBhvr>
-                                        <p:cTn id="10" dur="500"/>
+                                        <p:cTn id="7" dur="500"/>
                                         <p:tgtEl>
                                           <p:spTgt spid="3">
                                             <p:txEl>
@@ -27155,74 +26726,21 @@
                             </p:childTnLst>
                           </p:cTn>
                         </p:par>
-                      </p:childTnLst>
-                    </p:cTn>
-                  </p:par>
-                  <p:par>
-                    <p:cTn id="11" fill="hold">
-                      <p:stCondLst>
-                        <p:cond delay="indefinite"/>
-                      </p:stCondLst>
-                      <p:childTnLst>
                         <p:par>
-                          <p:cTn id="12" fill="hold">
+                          <p:cTn id="8" fill="hold">
                             <p:stCondLst>
-                              <p:cond delay="0"/>
+                              <p:cond delay="500"/>
                             </p:stCondLst>
                             <p:childTnLst>
                               <p:par>
-                                <p:cTn id="13" presetID="9" presetClass="entr" presetSubtype="0" fill="hold" grpId="0" nodeType="clickEffect">
+                                <p:cTn id="9" presetID="22" presetClass="entr" presetSubtype="8" fill="hold" nodeType="afterEffect">
                                   <p:stCondLst>
                                     <p:cond delay="0"/>
                                   </p:stCondLst>
                                   <p:childTnLst>
                                     <p:set>
                                       <p:cBhvr>
-                                        <p:cTn id="14" dur="1" fill="hold">
-                                          <p:stCondLst>
-                                            <p:cond delay="0"/>
-                                          </p:stCondLst>
-                                        </p:cTn>
-                                        <p:tgtEl>
-                                          <p:spTgt spid="7"/>
-                                        </p:tgtEl>
-                                        <p:attrNameLst>
-                                          <p:attrName>style.visibility</p:attrName>
-                                        </p:attrNameLst>
-                                      </p:cBhvr>
-                                      <p:to>
-                                        <p:strVal val="visible"/>
-                                      </p:to>
-                                    </p:set>
-                                    <p:animEffect transition="in" filter="dissolve">
-                                      <p:cBhvr>
-                                        <p:cTn id="15" dur="500"/>
-                                        <p:tgtEl>
-                                          <p:spTgt spid="7"/>
-                                        </p:tgtEl>
-                                      </p:cBhvr>
-                                    </p:animEffect>
-                                  </p:childTnLst>
-                                </p:cTn>
-                              </p:par>
-                            </p:childTnLst>
-                          </p:cTn>
-                        </p:par>
-                        <p:par>
-                          <p:cTn id="16" fill="hold">
-                            <p:stCondLst>
-                              <p:cond delay="500"/>
-                            </p:stCondLst>
-                            <p:childTnLst>
-                              <p:par>
-                                <p:cTn id="17" presetID="22" presetClass="entr" presetSubtype="8" fill="hold" nodeType="afterEffect">
-                                  <p:stCondLst>
-                                    <p:cond delay="0"/>
-                                  </p:stCondLst>
-                                  <p:childTnLst>
-                                    <p:set>
-                                      <p:cBhvr>
-                                        <p:cTn id="18" dur="1" fill="hold">
+                                        <p:cTn id="10" dur="1" fill="hold">
                                           <p:stCondLst>
                                             <p:cond delay="0"/>
                                           </p:stCondLst>
@@ -27240,7 +26758,7 @@
                                     </p:set>
                                     <p:animEffect transition="in" filter="wipe(left)">
                                       <p:cBhvr>
-                                        <p:cTn id="19" dur="500"/>
+                                        <p:cTn id="11" dur="500"/>
                                         <p:tgtEl>
                                           <p:spTgt spid="9"/>
                                         </p:tgtEl>
@@ -27256,19 +26774,107 @@
                     </p:cTn>
                   </p:par>
                   <p:par>
-                    <p:cTn id="20" fill="hold">
+                    <p:cTn id="12" fill="hold">
                       <p:stCondLst>
                         <p:cond delay="indefinite"/>
                       </p:stCondLst>
                       <p:childTnLst>
                         <p:par>
-                          <p:cTn id="21" fill="hold">
+                          <p:cTn id="13" fill="hold">
                             <p:stCondLst>
                               <p:cond delay="0"/>
                             </p:stCondLst>
                             <p:childTnLst>
                               <p:par>
-                                <p:cTn id="22" presetID="9" presetClass="entr" presetSubtype="0" fill="hold" nodeType="clickEffect">
+                                <p:cTn id="14" presetID="9" presetClass="entr" presetSubtype="0" fill="hold" grpId="0" nodeType="clickEffect">
+                                  <p:stCondLst>
+                                    <p:cond delay="0"/>
+                                  </p:stCondLst>
+                                  <p:childTnLst>
+                                    <p:set>
+                                      <p:cBhvr>
+                                        <p:cTn id="15" dur="1" fill="hold">
+                                          <p:stCondLst>
+                                            <p:cond delay="0"/>
+                                          </p:stCondLst>
+                                        </p:cTn>
+                                        <p:tgtEl>
+                                          <p:spTgt spid="12"/>
+                                        </p:tgtEl>
+                                        <p:attrNameLst>
+                                          <p:attrName>style.visibility</p:attrName>
+                                        </p:attrNameLst>
+                                      </p:cBhvr>
+                                      <p:to>
+                                        <p:strVal val="visible"/>
+                                      </p:to>
+                                    </p:set>
+                                    <p:animEffect transition="in" filter="dissolve">
+                                      <p:cBhvr>
+                                        <p:cTn id="16" dur="500"/>
+                                        <p:tgtEl>
+                                          <p:spTgt spid="12"/>
+                                        </p:tgtEl>
+                                      </p:cBhvr>
+                                    </p:animEffect>
+                                  </p:childTnLst>
+                                </p:cTn>
+                              </p:par>
+                            </p:childTnLst>
+                          </p:cTn>
+                        </p:par>
+                        <p:par>
+                          <p:cTn id="17" fill="hold">
+                            <p:stCondLst>
+                              <p:cond delay="500"/>
+                            </p:stCondLst>
+                            <p:childTnLst>
+                              <p:par>
+                                <p:cTn id="18" presetID="22" presetClass="entr" presetSubtype="8" fill="hold" nodeType="afterEffect">
+                                  <p:stCondLst>
+                                    <p:cond delay="0"/>
+                                  </p:stCondLst>
+                                  <p:childTnLst>
+                                    <p:set>
+                                      <p:cBhvr>
+                                        <p:cTn id="19" dur="1" fill="hold">
+                                          <p:stCondLst>
+                                            <p:cond delay="0"/>
+                                          </p:stCondLst>
+                                        </p:cTn>
+                                        <p:tgtEl>
+                                          <p:spTgt spid="14"/>
+                                        </p:tgtEl>
+                                        <p:attrNameLst>
+                                          <p:attrName>style.visibility</p:attrName>
+                                        </p:attrNameLst>
+                                      </p:cBhvr>
+                                      <p:to>
+                                        <p:strVal val="visible"/>
+                                      </p:to>
+                                    </p:set>
+                                    <p:animEffect transition="in" filter="wipe(left)">
+                                      <p:cBhvr>
+                                        <p:cTn id="20" dur="500"/>
+                                        <p:tgtEl>
+                                          <p:spTgt spid="14"/>
+                                        </p:tgtEl>
+                                      </p:cBhvr>
+                                    </p:animEffect>
+                                  </p:childTnLst>
+                                </p:cTn>
+                              </p:par>
+                            </p:childTnLst>
+                          </p:cTn>
+                        </p:par>
+                        <p:par>
+                          <p:cTn id="21" fill="hold">
+                            <p:stCondLst>
+                              <p:cond delay="1000"/>
+                            </p:stCondLst>
+                            <p:childTnLst>
+                              <p:par>
+                                <p:cTn id="22" presetID="9" presetClass="entr" presetSubtype="0" fill="hold" grpId="0" nodeType="afterEffect">
                                   <p:stCondLst>
                                     <p:cond delay="0"/>
                                   </p:stCondLst>
@@ -27276,6 +26882,59 @@
                                     <p:set>
                                       <p:cBhvr>
                                         <p:cTn id="23" dur="1" fill="hold">
+                                          <p:stCondLst>
+                                            <p:cond delay="0"/>
+                                          </p:stCondLst>
+                                        </p:cTn>
+                                        <p:tgtEl>
+                                          <p:spTgt spid="13"/>
+                                        </p:tgtEl>
+                                        <p:attrNameLst>
+                                          <p:attrName>style.visibility</p:attrName>
+                                        </p:attrNameLst>
+                                      </p:cBhvr>
+                                      <p:to>
+                                        <p:strVal val="visible"/>
+                                      </p:to>
+                                    </p:set>
+                                    <p:animEffect transition="in" filter="dissolve">
+                                      <p:cBhvr>
+                                        <p:cTn id="24" dur="500"/>
+                                        <p:tgtEl>
+                                          <p:spTgt spid="13"/>
+                                        </p:tgtEl>
+                                      </p:cBhvr>
+                                    </p:animEffect>
+                                  </p:childTnLst>
+                                </p:cTn>
+                              </p:par>
+                            </p:childTnLst>
+                          </p:cTn>
+                        </p:par>
+                      </p:childTnLst>
+                    </p:cTn>
+                  </p:par>
+                  <p:par>
+                    <p:cTn id="25" fill="hold">
+                      <p:stCondLst>
+                        <p:cond delay="indefinite"/>
+                      </p:stCondLst>
+                      <p:childTnLst>
+                        <p:par>
+                          <p:cTn id="26" fill="hold">
+                            <p:stCondLst>
+                              <p:cond delay="0"/>
+                            </p:stCondLst>
+                            <p:childTnLst>
+                              <p:par>
+                                <p:cTn id="27" presetID="9" presetClass="entr" presetSubtype="0" fill="hold" nodeType="clickEffect">
+                                  <p:stCondLst>
+                                    <p:cond delay="0"/>
+                                  </p:stCondLst>
+                                  <p:childTnLst>
+                                    <p:set>
+                                      <p:cBhvr>
+                                        <p:cTn id="28" dur="1" fill="hold">
                                           <p:stCondLst>
                                             <p:cond delay="0"/>
                                           </p:stCondLst>
@@ -27293,7 +26952,7 @@
                                     </p:set>
                                     <p:animEffect transition="in" filter="dissolve">
                                       <p:cBhvr>
-                                        <p:cTn id="24" dur="500"/>
+                                        <p:cTn id="29" dur="500"/>
                                         <p:tgtEl>
                                           <p:spTgt spid="11"/>
                                         </p:tgtEl>
@@ -27330,8 +26989,9 @@
       </p:par>
     </p:tnLst>
     <p:bldLst>
+      <p:bldP spid="13" grpId="0"/>
       <p:bldP spid="3" grpId="0" build="p"/>
-      <p:bldP spid="7" grpId="0"/>
+      <p:bldP spid="12" grpId="0"/>
     </p:bldLst>
   </p:timing>
 </p:sld>
@@ -27436,7 +27096,7 @@
               <a:t>   B </a:t>
             </a:r>
             <a:r>
-              <a:rPr lang="en-US" sz="4800" dirty="0" err="1" smtClean="0">
+              <a:rPr lang="en-US" sz="4800" dirty="0" smtClean="0">
                 <a:solidFill>
                   <a:srgbClr val="9933FF"/>
                 </a:solidFill>
@@ -27492,7 +27152,7 @@
               <a:t>(A </a:t>
             </a:r>
             <a:r>
-              <a:rPr lang="en-US" sz="4800" dirty="0" err="1" smtClean="0">
+              <a:rPr lang="en-US" sz="4800" dirty="0" smtClean="0">
                 <a:solidFill>
                   <a:srgbClr val="9933FF"/>
                 </a:solidFill>
@@ -27586,7 +27246,7 @@
   <p:clrMapOvr>
     <a:masterClrMapping/>
   </p:clrMapOvr>
-  <p:transition xmlns:p14="http://schemas.microsoft.com/office/powerpoint/2010/main" advTm="74093">
+  <p:transition xmlns:p14="http://schemas.microsoft.com/office/powerpoint/2010/main" advTm="31835">
     <p:fade/>
   </p:transition>
   <p:timing>
@@ -27774,55 +27434,121 @@
 
 <file path=ppt/tags/tag10.xml><?xml version="1.0" encoding="utf-8"?>
 <p:tagLst xmlns:a="http://schemas.openxmlformats.org/drawingml/2006/main" xmlns:r="http://schemas.openxmlformats.org/officeDocument/2006/relationships" xmlns:p="http://schemas.openxmlformats.org/presentationml/2006/main">
-  <p:tag name="TIMING" val="|14.2|2.3|32.8|14.7|5.6"/>
+  <p:tag name="TIMING" val="|24.3|47.1|2.2|15.1"/>
+</p:tagLst>
+</file>
+
+<file path=ppt/tags/tag11.xml><?xml version="1.0" encoding="utf-8"?>
+<p:tagLst xmlns:a="http://schemas.openxmlformats.org/drawingml/2006/main" xmlns:r="http://schemas.openxmlformats.org/officeDocument/2006/relationships" xmlns:p="http://schemas.openxmlformats.org/presentationml/2006/main">
+  <p:tag name="TIMING" val="|4.2|6|5"/>
+</p:tagLst>
+</file>
+
+<file path=ppt/tags/tag12.xml><?xml version="1.0" encoding="utf-8"?>
+<p:tagLst xmlns:a="http://schemas.openxmlformats.org/drawingml/2006/main" xmlns:r="http://schemas.openxmlformats.org/officeDocument/2006/relationships" xmlns:p="http://schemas.openxmlformats.org/presentationml/2006/main">
+  <p:tag name="TIMING" val="|9.8|37|18.1|32.3|9.2|9.7|12.3|10.8"/>
+</p:tagLst>
+</file>
+
+<file path=ppt/tags/tag13.xml><?xml version="1.0" encoding="utf-8"?>
+<p:tagLst xmlns:a="http://schemas.openxmlformats.org/drawingml/2006/main" xmlns:r="http://schemas.openxmlformats.org/officeDocument/2006/relationships" xmlns:p="http://schemas.openxmlformats.org/presentationml/2006/main">
+  <p:tag name="TIMING" val="|30|5.6|2.1"/>
+</p:tagLst>
+</file>
+
+<file path=ppt/tags/tag14.xml><?xml version="1.0" encoding="utf-8"?>
+<p:tagLst xmlns:a="http://schemas.openxmlformats.org/drawingml/2006/main" xmlns:r="http://schemas.openxmlformats.org/officeDocument/2006/relationships" xmlns:p="http://schemas.openxmlformats.org/presentationml/2006/main">
+  <p:tag name="TIMING" val="|17.5|37.1|42|15.1"/>
+</p:tagLst>
+</file>
+
+<file path=ppt/tags/tag15.xml><?xml version="1.0" encoding="utf-8"?>
+<p:tagLst xmlns:a="http://schemas.openxmlformats.org/drawingml/2006/main" xmlns:r="http://schemas.openxmlformats.org/officeDocument/2006/relationships" xmlns:p="http://schemas.openxmlformats.org/presentationml/2006/main">
+  <p:tag name="TIMING" val="|31.4|20.4"/>
+</p:tagLst>
+</file>
+
+<file path=ppt/tags/tag16.xml><?xml version="1.0" encoding="utf-8"?>
+<p:tagLst xmlns:a="http://schemas.openxmlformats.org/drawingml/2006/main" xmlns:r="http://schemas.openxmlformats.org/officeDocument/2006/relationships" xmlns:p="http://schemas.openxmlformats.org/presentationml/2006/main">
+  <p:tag name="TIMING" val="|91.8|1.5|35.8|16.4"/>
+</p:tagLst>
+</file>
+
+<file path=ppt/tags/tag17.xml><?xml version="1.0" encoding="utf-8"?>
+<p:tagLst xmlns:a="http://schemas.openxmlformats.org/drawingml/2006/main" xmlns:r="http://schemas.openxmlformats.org/officeDocument/2006/relationships" xmlns:p="http://schemas.openxmlformats.org/presentationml/2006/main">
+  <p:tag name="TIMING" val="|99.7|7.9|10.1|7.7"/>
+</p:tagLst>
+</file>
+
+<file path=ppt/tags/tag18.xml><?xml version="1.0" encoding="utf-8"?>
+<p:tagLst xmlns:a="http://schemas.openxmlformats.org/drawingml/2006/main" xmlns:r="http://schemas.openxmlformats.org/officeDocument/2006/relationships" xmlns:p="http://schemas.openxmlformats.org/presentationml/2006/main">
+  <p:tag name="TIMING" val="|2.9"/>
+</p:tagLst>
+</file>
+
+<file path=ppt/tags/tag19.xml><?xml version="1.0" encoding="utf-8"?>
+<p:tagLst xmlns:a="http://schemas.openxmlformats.org/drawingml/2006/main" xmlns:r="http://schemas.openxmlformats.org/officeDocument/2006/relationships" xmlns:p="http://schemas.openxmlformats.org/presentationml/2006/main">
+  <p:tag name="TIMING" val="|9|6.9|18.6"/>
 </p:tagLst>
 </file>
 
 <file path=ppt/tags/tag2.xml><?xml version="1.0" encoding="utf-8"?>
 <p:tagLst xmlns:a="http://schemas.openxmlformats.org/drawingml/2006/main" xmlns:r="http://schemas.openxmlformats.org/officeDocument/2006/relationships" xmlns:p="http://schemas.openxmlformats.org/presentationml/2006/main">
-  <p:tag name="TIMING" val="|16.3|4.3|11.8"/>
+  <p:tag name="TIMING" val="|2.9|5.4|4.1"/>
+</p:tagLst>
+</file>
+
+<file path=ppt/tags/tag20.xml><?xml version="1.0" encoding="utf-8"?>
+<p:tagLst xmlns:a="http://schemas.openxmlformats.org/drawingml/2006/main" xmlns:r="http://schemas.openxmlformats.org/officeDocument/2006/relationships" xmlns:p="http://schemas.openxmlformats.org/presentationml/2006/main">
+  <p:tag name="TIMING" val="|50.8"/>
+</p:tagLst>
+</file>
+
+<file path=ppt/tags/tag21.xml><?xml version="1.0" encoding="utf-8"?>
+<p:tagLst xmlns:a="http://schemas.openxmlformats.org/drawingml/2006/main" xmlns:r="http://schemas.openxmlformats.org/officeDocument/2006/relationships" xmlns:p="http://schemas.openxmlformats.org/presentationml/2006/main">
+  <p:tag name="TIMING" val="|15.8"/>
 </p:tagLst>
 </file>
 
 <file path=ppt/tags/tag3.xml><?xml version="1.0" encoding="utf-8"?>
 <p:tagLst xmlns:a="http://schemas.openxmlformats.org/drawingml/2006/main" xmlns:r="http://schemas.openxmlformats.org/officeDocument/2006/relationships" xmlns:p="http://schemas.openxmlformats.org/presentationml/2006/main">
-  <p:tag name="TIMING" val="|22.9|5.4|29.2|2.2"/>
+  <p:tag name="TIMING" val="|18.9|12.7|11.3"/>
 </p:tagLst>
 </file>
 
 <file path=ppt/tags/tag4.xml><?xml version="1.0" encoding="utf-8"?>
 <p:tagLst xmlns:a="http://schemas.openxmlformats.org/drawingml/2006/main" xmlns:r="http://schemas.openxmlformats.org/officeDocument/2006/relationships" xmlns:p="http://schemas.openxmlformats.org/presentationml/2006/main">
-  <p:tag name="TIMING" val="|16.3|4.3|11.8"/>
+  <p:tag name="TIMING" val="|2.7|39.9"/>
 </p:tagLst>
 </file>
 
 <file path=ppt/tags/tag5.xml><?xml version="1.0" encoding="utf-8"?>
 <p:tagLst xmlns:a="http://schemas.openxmlformats.org/drawingml/2006/main" xmlns:r="http://schemas.openxmlformats.org/officeDocument/2006/relationships" xmlns:p="http://schemas.openxmlformats.org/presentationml/2006/main">
-  <p:tag name="TIMING" val="|12.7|51.6|28.1|12.9|29.7"/>
+  <p:tag name="TIMING" val="|8.4|3.7|1.5|0.8|0.8|1.1"/>
 </p:tagLst>
 </file>
 
 <file path=ppt/tags/tag6.xml><?xml version="1.0" encoding="utf-8"?>
 <p:tagLst xmlns:a="http://schemas.openxmlformats.org/drawingml/2006/main" xmlns:r="http://schemas.openxmlformats.org/officeDocument/2006/relationships" xmlns:p="http://schemas.openxmlformats.org/presentationml/2006/main">
-  <p:tag name="TIMING" val="|12.7|51.6|28.1|12.9|29.7"/>
+  <p:tag name="TIMING" val="|1|21.3|9.1"/>
 </p:tagLst>
 </file>
 
 <file path=ppt/tags/tag7.xml><?xml version="1.0" encoding="utf-8"?>
 <p:tagLst xmlns:a="http://schemas.openxmlformats.org/drawingml/2006/main" xmlns:r="http://schemas.openxmlformats.org/officeDocument/2006/relationships" xmlns:p="http://schemas.openxmlformats.org/presentationml/2006/main">
-  <p:tag name="TIMING" val="|9.8|37|18.1|32.3|9.2|9.7|12.3|10.8"/>
+  <p:tag name="TIMING" val="|26.2|18.4|37.2"/>
 </p:tagLst>
 </file>
 
 <file path=ppt/tags/tag8.xml><?xml version="1.0" encoding="utf-8"?>
 <p:tagLst xmlns:a="http://schemas.openxmlformats.org/drawingml/2006/main" xmlns:r="http://schemas.openxmlformats.org/officeDocument/2006/relationships" xmlns:p="http://schemas.openxmlformats.org/presentationml/2006/main">
-  <p:tag name="TIMING" val="|20.8|7|3|38.1"/>
+  <p:tag name="TIMING" val="|10.3|13.5"/>
 </p:tagLst>
 </file>
 
 <file path=ppt/tags/tag9.xml><?xml version="1.0" encoding="utf-8"?>
 <p:tagLst xmlns:a="http://schemas.openxmlformats.org/drawingml/2006/main" xmlns:r="http://schemas.openxmlformats.org/officeDocument/2006/relationships" xmlns:p="http://schemas.openxmlformats.org/presentationml/2006/main">
-  <p:tag name="TIMING" val="|23.7|16|9.8|17|19.4|2.9"/>
+  <p:tag name="TIMING" val="|8.9"/>
 </p:tagLst>
 </file>
 
